--- a/first_presentation_1.1.pptx
+++ b/first_presentation_1.1.pptx
@@ -4,22 +4,29 @@
   <p:sldMasterIdLst>
     <p:sldMasterId id="2147483680" r:id="rId1"/>
   </p:sldMasterIdLst>
+  <p:notesMasterIdLst>
+    <p:notesMasterId r:id="rId21"/>
+  </p:notesMasterIdLst>
   <p:sldIdLst>
     <p:sldId id="294" r:id="rId2"/>
     <p:sldId id="295" r:id="rId3"/>
     <p:sldId id="296" r:id="rId4"/>
     <p:sldId id="308" r:id="rId5"/>
-    <p:sldId id="297" r:id="rId6"/>
-    <p:sldId id="299" r:id="rId7"/>
-    <p:sldId id="300" r:id="rId8"/>
-    <p:sldId id="301" r:id="rId9"/>
-    <p:sldId id="302" r:id="rId10"/>
-    <p:sldId id="303" r:id="rId11"/>
-    <p:sldId id="304" r:id="rId12"/>
-    <p:sldId id="305" r:id="rId13"/>
-    <p:sldId id="306" r:id="rId14"/>
-    <p:sldId id="307" r:id="rId15"/>
-    <p:sldId id="309" r:id="rId16"/>
+    <p:sldId id="299" r:id="rId6"/>
+    <p:sldId id="311" r:id="rId7"/>
+    <p:sldId id="310" r:id="rId8"/>
+    <p:sldId id="312" r:id="rId9"/>
+    <p:sldId id="313" r:id="rId10"/>
+    <p:sldId id="300" r:id="rId11"/>
+    <p:sldId id="301" r:id="rId12"/>
+    <p:sldId id="302" r:id="rId13"/>
+    <p:sldId id="303" r:id="rId14"/>
+    <p:sldId id="304" r:id="rId15"/>
+    <p:sldId id="306" r:id="rId16"/>
+    <p:sldId id="314" r:id="rId17"/>
+    <p:sldId id="315" r:id="rId18"/>
+    <p:sldId id="307" r:id="rId19"/>
+    <p:sldId id="309" r:id="rId20"/>
   </p:sldIdLst>
   <p:sldSz cx="12192000" cy="6858000"/>
   <p:notesSz cx="6858000" cy="9144000"/>
@@ -126,6 +133,1472 @@
 </p:presentation>
 </file>
 
+<file path=ppt/commentAuthors.xml><?xml version="1.0" encoding="utf-8"?>
+<p:cmAuthorLst xmlns:a="http://schemas.openxmlformats.org/drawingml/2006/main" xmlns:r="http://schemas.openxmlformats.org/officeDocument/2006/relationships" xmlns:p="http://schemas.openxmlformats.org/presentationml/2006/main">
+  <p:cmAuthor id="1" name="omar zwd" initials="oz" lastIdx="1" clrIdx="0">
+    <p:extLst>
+      <p:ext uri="{19B8F6BF-5375-455C-9EA6-DF929625EA0E}">
+        <p15:presenceInfo xmlns:p15="http://schemas.microsoft.com/office/powerpoint/2012/main" userId="6ff0acc71168d0ed" providerId="Windows Live"/>
+      </p:ext>
+    </p:extLst>
+  </p:cmAuthor>
+</p:cmAuthorLst>
+</file>
+
+<file path=ppt/notesMasters/notesMaster1.xml><?xml version="1.0" encoding="utf-8"?>
+<p:notesMaster xmlns:a="http://schemas.openxmlformats.org/drawingml/2006/main" xmlns:r="http://schemas.openxmlformats.org/officeDocument/2006/relationships" xmlns:p="http://schemas.openxmlformats.org/presentationml/2006/main">
+  <p:cSld>
+    <p:bg>
+      <p:bgRef idx="1001">
+        <a:schemeClr val="bg1"/>
+      </p:bgRef>
+    </p:bg>
+    <p:spTree>
+      <p:nvGrpSpPr>
+        <p:cNvPr id="1" name=""/>
+        <p:cNvGrpSpPr/>
+        <p:nvPr/>
+      </p:nvGrpSpPr>
+      <p:grpSpPr>
+        <a:xfrm>
+          <a:off x="0" y="0"/>
+          <a:ext cx="0" cy="0"/>
+          <a:chOff x="0" y="0"/>
+          <a:chExt cx="0" cy="0"/>
+        </a:xfrm>
+      </p:grpSpPr>
+      <p:sp>
+        <p:nvSpPr>
+          <p:cNvPr id="2" name="Header Placeholder 1"/>
+          <p:cNvSpPr>
+            <a:spLocks noGrp="1"/>
+          </p:cNvSpPr>
+          <p:nvPr>
+            <p:ph type="hdr" sz="quarter"/>
+          </p:nvPr>
+        </p:nvSpPr>
+        <p:spPr>
+          <a:xfrm>
+            <a:off x="0" y="0"/>
+            <a:ext cx="2971800" cy="458788"/>
+          </a:xfrm>
+          <a:prstGeom prst="rect">
+            <a:avLst/>
+          </a:prstGeom>
+        </p:spPr>
+        <p:txBody>
+          <a:bodyPr vert="horz" lIns="91440" tIns="45720" rIns="91440" bIns="45720" rtlCol="0"/>
+          <a:lstStyle>
+            <a:lvl1pPr algn="l">
+              <a:defRPr sz="1200"/>
+            </a:lvl1pPr>
+          </a:lstStyle>
+          <a:p>
+            <a:endParaRPr lang="fr-FR"/>
+          </a:p>
+        </p:txBody>
+      </p:sp>
+      <p:sp>
+        <p:nvSpPr>
+          <p:cNvPr id="3" name="Date Placeholder 2"/>
+          <p:cNvSpPr>
+            <a:spLocks noGrp="1"/>
+          </p:cNvSpPr>
+          <p:nvPr>
+            <p:ph type="dt" idx="1"/>
+          </p:nvPr>
+        </p:nvSpPr>
+        <p:spPr>
+          <a:xfrm>
+            <a:off x="3884613" y="0"/>
+            <a:ext cx="2971800" cy="458788"/>
+          </a:xfrm>
+          <a:prstGeom prst="rect">
+            <a:avLst/>
+          </a:prstGeom>
+        </p:spPr>
+        <p:txBody>
+          <a:bodyPr vert="horz" lIns="91440" tIns="45720" rIns="91440" bIns="45720" rtlCol="0"/>
+          <a:lstStyle>
+            <a:lvl1pPr algn="r">
+              <a:defRPr sz="1200"/>
+            </a:lvl1pPr>
+          </a:lstStyle>
+          <a:p>
+            <a:fld id="{930B152C-C8FD-42D7-9917-C2C4E977E611}" type="datetimeFigureOut">
+              <a:rPr lang="fr-FR" smtClean="0"/>
+              <a:t>26/05/2020</a:t>
+            </a:fld>
+            <a:endParaRPr lang="fr-FR"/>
+          </a:p>
+        </p:txBody>
+      </p:sp>
+      <p:sp>
+        <p:nvSpPr>
+          <p:cNvPr id="4" name="Slide Image Placeholder 3"/>
+          <p:cNvSpPr>
+            <a:spLocks noGrp="1" noRot="1" noChangeAspect="1"/>
+          </p:cNvSpPr>
+          <p:nvPr>
+            <p:ph type="sldImg" idx="2"/>
+          </p:nvPr>
+        </p:nvSpPr>
+        <p:spPr>
+          <a:xfrm>
+            <a:off x="685800" y="1143000"/>
+            <a:ext cx="5486400" cy="3086100"/>
+          </a:xfrm>
+          <a:prstGeom prst="rect">
+            <a:avLst/>
+          </a:prstGeom>
+          <a:noFill/>
+          <a:ln w="12700">
+            <a:solidFill>
+              <a:prstClr val="black"/>
+            </a:solidFill>
+          </a:ln>
+        </p:spPr>
+        <p:txBody>
+          <a:bodyPr vert="horz" lIns="91440" tIns="45720" rIns="91440" bIns="45720" rtlCol="0" anchor="ctr"/>
+          <a:lstStyle/>
+          <a:p>
+            <a:endParaRPr lang="fr-FR"/>
+          </a:p>
+        </p:txBody>
+      </p:sp>
+      <p:sp>
+        <p:nvSpPr>
+          <p:cNvPr id="5" name="Notes Placeholder 4"/>
+          <p:cNvSpPr>
+            <a:spLocks noGrp="1"/>
+          </p:cNvSpPr>
+          <p:nvPr>
+            <p:ph type="body" sz="quarter" idx="3"/>
+          </p:nvPr>
+        </p:nvSpPr>
+        <p:spPr>
+          <a:xfrm>
+            <a:off x="685800" y="4400550"/>
+            <a:ext cx="5486400" cy="3600450"/>
+          </a:xfrm>
+          <a:prstGeom prst="rect">
+            <a:avLst/>
+          </a:prstGeom>
+        </p:spPr>
+        <p:txBody>
+          <a:bodyPr vert="horz" lIns="91440" tIns="45720" rIns="91440" bIns="45720" rtlCol="0"/>
+          <a:lstStyle/>
+          <a:p>
+            <a:pPr lvl="0"/>
+            <a:r>
+              <a:rPr lang="en-US"/>
+              <a:t>Click to edit Master text styles</a:t>
+            </a:r>
+          </a:p>
+          <a:p>
+            <a:pPr lvl="1"/>
+            <a:r>
+              <a:rPr lang="en-US"/>
+              <a:t>Second level</a:t>
+            </a:r>
+          </a:p>
+          <a:p>
+            <a:pPr lvl="2"/>
+            <a:r>
+              <a:rPr lang="en-US"/>
+              <a:t>Third level</a:t>
+            </a:r>
+          </a:p>
+          <a:p>
+            <a:pPr lvl="3"/>
+            <a:r>
+              <a:rPr lang="en-US"/>
+              <a:t>Fourth level</a:t>
+            </a:r>
+          </a:p>
+          <a:p>
+            <a:pPr lvl="4"/>
+            <a:r>
+              <a:rPr lang="en-US"/>
+              <a:t>Fifth level</a:t>
+            </a:r>
+            <a:endParaRPr lang="fr-FR"/>
+          </a:p>
+        </p:txBody>
+      </p:sp>
+      <p:sp>
+        <p:nvSpPr>
+          <p:cNvPr id="6" name="Footer Placeholder 5"/>
+          <p:cNvSpPr>
+            <a:spLocks noGrp="1"/>
+          </p:cNvSpPr>
+          <p:nvPr>
+            <p:ph type="ftr" sz="quarter" idx="4"/>
+          </p:nvPr>
+        </p:nvSpPr>
+        <p:spPr>
+          <a:xfrm>
+            <a:off x="0" y="8685213"/>
+            <a:ext cx="2971800" cy="458787"/>
+          </a:xfrm>
+          <a:prstGeom prst="rect">
+            <a:avLst/>
+          </a:prstGeom>
+        </p:spPr>
+        <p:txBody>
+          <a:bodyPr vert="horz" lIns="91440" tIns="45720" rIns="91440" bIns="45720" rtlCol="0" anchor="b"/>
+          <a:lstStyle>
+            <a:lvl1pPr algn="l">
+              <a:defRPr sz="1200"/>
+            </a:lvl1pPr>
+          </a:lstStyle>
+          <a:p>
+            <a:endParaRPr lang="fr-FR"/>
+          </a:p>
+        </p:txBody>
+      </p:sp>
+      <p:sp>
+        <p:nvSpPr>
+          <p:cNvPr id="7" name="Slide Number Placeholder 6"/>
+          <p:cNvSpPr>
+            <a:spLocks noGrp="1"/>
+          </p:cNvSpPr>
+          <p:nvPr>
+            <p:ph type="sldNum" sz="quarter" idx="5"/>
+          </p:nvPr>
+        </p:nvSpPr>
+        <p:spPr>
+          <a:xfrm>
+            <a:off x="3884613" y="8685213"/>
+            <a:ext cx="2971800" cy="458787"/>
+          </a:xfrm>
+          <a:prstGeom prst="rect">
+            <a:avLst/>
+          </a:prstGeom>
+        </p:spPr>
+        <p:txBody>
+          <a:bodyPr vert="horz" lIns="91440" tIns="45720" rIns="91440" bIns="45720" rtlCol="0" anchor="b"/>
+          <a:lstStyle>
+            <a:lvl1pPr algn="r">
+              <a:defRPr sz="1200"/>
+            </a:lvl1pPr>
+          </a:lstStyle>
+          <a:p>
+            <a:fld id="{CA6B0659-C84A-4C94-9A37-1BE51DD4DB67}" type="slidenum">
+              <a:rPr lang="fr-FR" smtClean="0"/>
+              <a:t>‹#›</a:t>
+            </a:fld>
+            <a:endParaRPr lang="fr-FR"/>
+          </a:p>
+        </p:txBody>
+      </p:sp>
+    </p:spTree>
+    <p:extLst>
+      <p:ext uri="{BB962C8B-B14F-4D97-AF65-F5344CB8AC3E}">
+        <p14:creationId xmlns:p14="http://schemas.microsoft.com/office/powerpoint/2010/main" val="2189773520"/>
+      </p:ext>
+    </p:extLst>
+  </p:cSld>
+  <p:clrMap bg1="lt1" tx1="dk1" bg2="lt2" tx2="dk2" accent1="accent1" accent2="accent2" accent3="accent3" accent4="accent4" accent5="accent5" accent6="accent6" hlink="hlink" folHlink="folHlink"/>
+  <p:notesStyle>
+    <a:lvl1pPr marL="0" algn="l" defTabSz="914400" rtl="0" eaLnBrk="1" latinLnBrk="0" hangingPunct="1">
+      <a:defRPr sz="1200" kern="1200">
+        <a:solidFill>
+          <a:schemeClr val="tx1"/>
+        </a:solidFill>
+        <a:latin typeface="+mn-lt"/>
+        <a:ea typeface="+mn-ea"/>
+        <a:cs typeface="+mn-cs"/>
+      </a:defRPr>
+    </a:lvl1pPr>
+    <a:lvl2pPr marL="457200" algn="l" defTabSz="914400" rtl="0" eaLnBrk="1" latinLnBrk="0" hangingPunct="1">
+      <a:defRPr sz="1200" kern="1200">
+        <a:solidFill>
+          <a:schemeClr val="tx1"/>
+        </a:solidFill>
+        <a:latin typeface="+mn-lt"/>
+        <a:ea typeface="+mn-ea"/>
+        <a:cs typeface="+mn-cs"/>
+      </a:defRPr>
+    </a:lvl2pPr>
+    <a:lvl3pPr marL="914400" algn="l" defTabSz="914400" rtl="0" eaLnBrk="1" latinLnBrk="0" hangingPunct="1">
+      <a:defRPr sz="1200" kern="1200">
+        <a:solidFill>
+          <a:schemeClr val="tx1"/>
+        </a:solidFill>
+        <a:latin typeface="+mn-lt"/>
+        <a:ea typeface="+mn-ea"/>
+        <a:cs typeface="+mn-cs"/>
+      </a:defRPr>
+    </a:lvl3pPr>
+    <a:lvl4pPr marL="1371600" algn="l" defTabSz="914400" rtl="0" eaLnBrk="1" latinLnBrk="0" hangingPunct="1">
+      <a:defRPr sz="1200" kern="1200">
+        <a:solidFill>
+          <a:schemeClr val="tx1"/>
+        </a:solidFill>
+        <a:latin typeface="+mn-lt"/>
+        <a:ea typeface="+mn-ea"/>
+        <a:cs typeface="+mn-cs"/>
+      </a:defRPr>
+    </a:lvl4pPr>
+    <a:lvl5pPr marL="1828800" algn="l" defTabSz="914400" rtl="0" eaLnBrk="1" latinLnBrk="0" hangingPunct="1">
+      <a:defRPr sz="1200" kern="1200">
+        <a:solidFill>
+          <a:schemeClr val="tx1"/>
+        </a:solidFill>
+        <a:latin typeface="+mn-lt"/>
+        <a:ea typeface="+mn-ea"/>
+        <a:cs typeface="+mn-cs"/>
+      </a:defRPr>
+    </a:lvl5pPr>
+    <a:lvl6pPr marL="2286000" algn="l" defTabSz="914400" rtl="0" eaLnBrk="1" latinLnBrk="0" hangingPunct="1">
+      <a:defRPr sz="1200" kern="1200">
+        <a:solidFill>
+          <a:schemeClr val="tx1"/>
+        </a:solidFill>
+        <a:latin typeface="+mn-lt"/>
+        <a:ea typeface="+mn-ea"/>
+        <a:cs typeface="+mn-cs"/>
+      </a:defRPr>
+    </a:lvl6pPr>
+    <a:lvl7pPr marL="2743200" algn="l" defTabSz="914400" rtl="0" eaLnBrk="1" latinLnBrk="0" hangingPunct="1">
+      <a:defRPr sz="1200" kern="1200">
+        <a:solidFill>
+          <a:schemeClr val="tx1"/>
+        </a:solidFill>
+        <a:latin typeface="+mn-lt"/>
+        <a:ea typeface="+mn-ea"/>
+        <a:cs typeface="+mn-cs"/>
+      </a:defRPr>
+    </a:lvl7pPr>
+    <a:lvl8pPr marL="3200400" algn="l" defTabSz="914400" rtl="0" eaLnBrk="1" latinLnBrk="0" hangingPunct="1">
+      <a:defRPr sz="1200" kern="1200">
+        <a:solidFill>
+          <a:schemeClr val="tx1"/>
+        </a:solidFill>
+        <a:latin typeface="+mn-lt"/>
+        <a:ea typeface="+mn-ea"/>
+        <a:cs typeface="+mn-cs"/>
+      </a:defRPr>
+    </a:lvl8pPr>
+    <a:lvl9pPr marL="3657600" algn="l" defTabSz="914400" rtl="0" eaLnBrk="1" latinLnBrk="0" hangingPunct="1">
+      <a:defRPr sz="1200" kern="1200">
+        <a:solidFill>
+          <a:schemeClr val="tx1"/>
+        </a:solidFill>
+        <a:latin typeface="+mn-lt"/>
+        <a:ea typeface="+mn-ea"/>
+        <a:cs typeface="+mn-cs"/>
+      </a:defRPr>
+    </a:lvl9pPr>
+  </p:notesStyle>
+</p:notesMaster>
+</file>
+
+<file path=ppt/notesSlides/notesSlide1.xml><?xml version="1.0" encoding="utf-8"?>
+<p:notes xmlns:a="http://schemas.openxmlformats.org/drawingml/2006/main" xmlns:r="http://schemas.openxmlformats.org/officeDocument/2006/relationships" xmlns:p="http://schemas.openxmlformats.org/presentationml/2006/main">
+  <p:cSld>
+    <p:spTree>
+      <p:nvGrpSpPr>
+        <p:cNvPr id="1" name=""/>
+        <p:cNvGrpSpPr/>
+        <p:nvPr/>
+      </p:nvGrpSpPr>
+      <p:grpSpPr>
+        <a:xfrm>
+          <a:off x="0" y="0"/>
+          <a:ext cx="0" cy="0"/>
+          <a:chOff x="0" y="0"/>
+          <a:chExt cx="0" cy="0"/>
+        </a:xfrm>
+      </p:grpSpPr>
+      <p:sp>
+        <p:nvSpPr>
+          <p:cNvPr id="2" name="Slide Image Placeholder 1"/>
+          <p:cNvSpPr>
+            <a:spLocks noGrp="1" noRot="1" noChangeAspect="1"/>
+          </p:cNvSpPr>
+          <p:nvPr>
+            <p:ph type="sldImg"/>
+          </p:nvPr>
+        </p:nvSpPr>
+        <p:spPr/>
+      </p:sp>
+      <p:sp>
+        <p:nvSpPr>
+          <p:cNvPr id="3" name="Notes Placeholder 2"/>
+          <p:cNvSpPr>
+            <a:spLocks noGrp="1"/>
+          </p:cNvSpPr>
+          <p:nvPr>
+            <p:ph type="body" idx="1"/>
+          </p:nvPr>
+        </p:nvSpPr>
+        <p:spPr/>
+        <p:txBody>
+          <a:bodyPr/>
+          <a:lstStyle/>
+          <a:p>
+            <a:pPr marL="514350" indent="-514350">
+              <a:lnSpc>
+                <a:spcPct val="150000"/>
+              </a:lnSpc>
+              <a:buFont typeface="+mj-lt"/>
+              <a:buAutoNum type="arabicPeriod"/>
+            </a:pPr>
+            <a:r>
+              <a:rPr lang="fr-FR" sz="2800" dirty="0"/>
+              <a:t>L’organisme d’accueil</a:t>
+            </a:r>
+          </a:p>
+          <a:p>
+            <a:pPr marL="514350" indent="-514350">
+              <a:lnSpc>
+                <a:spcPct val="150000"/>
+              </a:lnSpc>
+              <a:buFont typeface="+mj-lt"/>
+              <a:buAutoNum type="arabicPeriod"/>
+            </a:pPr>
+            <a:r>
+              <a:rPr lang="fr-FR" sz="2800" dirty="0"/>
+              <a:t>Contexte de projet</a:t>
+            </a:r>
+          </a:p>
+          <a:p>
+            <a:pPr marL="514350" indent="-514350">
+              <a:lnSpc>
+                <a:spcPct val="150000"/>
+              </a:lnSpc>
+              <a:buFont typeface="+mj-lt"/>
+              <a:buAutoNum type="arabicPeriod"/>
+            </a:pPr>
+            <a:r>
+              <a:rPr lang="fr-FR" sz="2800" dirty="0"/>
+              <a:t>Présentation du projet</a:t>
+            </a:r>
+          </a:p>
+          <a:p>
+            <a:pPr marL="514350" indent="-514350">
+              <a:lnSpc>
+                <a:spcPct val="150000"/>
+              </a:lnSpc>
+              <a:buFont typeface="+mj-lt"/>
+              <a:buAutoNum type="arabicPeriod"/>
+            </a:pPr>
+            <a:r>
+              <a:rPr lang="fr-FR" sz="2800" dirty="0"/>
+              <a:t>Gestion de projet</a:t>
+            </a:r>
+          </a:p>
+          <a:p>
+            <a:pPr marL="514350" indent="-514350">
+              <a:lnSpc>
+                <a:spcPct val="150000"/>
+              </a:lnSpc>
+              <a:buFont typeface="+mj-lt"/>
+              <a:buAutoNum type="arabicPeriod"/>
+            </a:pPr>
+            <a:r>
+              <a:rPr lang="fr-FR" sz="2800" dirty="0"/>
+              <a:t>Spécification du projet</a:t>
+            </a:r>
+          </a:p>
+          <a:p>
+            <a:pPr>
+              <a:lnSpc>
+                <a:spcPct val="150000"/>
+              </a:lnSpc>
+            </a:pPr>
+            <a:endParaRPr lang="fr-FR" sz="2800" dirty="0"/>
+          </a:p>
+          <a:p>
+            <a:pPr lvl="1"/>
+            <a:endParaRPr lang="fr-FR" b="1" dirty="0"/>
+          </a:p>
+          <a:p>
+            <a:pPr lvl="1"/>
+            <a:endParaRPr lang="fr-FR" b="1" dirty="0"/>
+          </a:p>
+          <a:p>
+            <a:pPr lvl="1"/>
+            <a:endParaRPr lang="fr-FR" b="1" dirty="0"/>
+          </a:p>
+          <a:p>
+            <a:pPr marL="742950" lvl="1" indent="-285750">
+              <a:buAutoNum type="romanUcParenR"/>
+            </a:pPr>
+            <a:endParaRPr lang="fr-FR" sz="1100" dirty="0"/>
+          </a:p>
+          <a:p>
+            <a:endParaRPr lang="fr-FR" sz="1100" dirty="0"/>
+          </a:p>
+          <a:p>
+            <a:endParaRPr lang="fr-FR" dirty="0"/>
+          </a:p>
+        </p:txBody>
+      </p:sp>
+      <p:sp>
+        <p:nvSpPr>
+          <p:cNvPr id="4" name="Slide Number Placeholder 3"/>
+          <p:cNvSpPr>
+            <a:spLocks noGrp="1"/>
+          </p:cNvSpPr>
+          <p:nvPr>
+            <p:ph type="sldNum" sz="quarter" idx="5"/>
+          </p:nvPr>
+        </p:nvSpPr>
+        <p:spPr/>
+        <p:txBody>
+          <a:bodyPr/>
+          <a:lstStyle/>
+          <a:p>
+            <a:fld id="{CA6B0659-C84A-4C94-9A37-1BE51DD4DB67}" type="slidenum">
+              <a:rPr lang="fr-FR" smtClean="0"/>
+              <a:t>2</a:t>
+            </a:fld>
+            <a:endParaRPr lang="fr-FR"/>
+          </a:p>
+        </p:txBody>
+      </p:sp>
+    </p:spTree>
+    <p:extLst>
+      <p:ext uri="{BB962C8B-B14F-4D97-AF65-F5344CB8AC3E}">
+        <p14:creationId xmlns:p14="http://schemas.microsoft.com/office/powerpoint/2010/main" val="3755535807"/>
+      </p:ext>
+    </p:extLst>
+  </p:cSld>
+  <p:clrMapOvr>
+    <a:masterClrMapping/>
+  </p:clrMapOvr>
+</p:notes>
+</file>
+
+<file path=ppt/notesSlides/notesSlide2.xml><?xml version="1.0" encoding="utf-8"?>
+<p:notes xmlns:a="http://schemas.openxmlformats.org/drawingml/2006/main" xmlns:r="http://schemas.openxmlformats.org/officeDocument/2006/relationships" xmlns:p="http://schemas.openxmlformats.org/presentationml/2006/main">
+  <p:cSld>
+    <p:spTree>
+      <p:nvGrpSpPr>
+        <p:cNvPr id="1" name=""/>
+        <p:cNvGrpSpPr/>
+        <p:nvPr/>
+      </p:nvGrpSpPr>
+      <p:grpSpPr>
+        <a:xfrm>
+          <a:off x="0" y="0"/>
+          <a:ext cx="0" cy="0"/>
+          <a:chOff x="0" y="0"/>
+          <a:chExt cx="0" cy="0"/>
+        </a:xfrm>
+      </p:grpSpPr>
+      <p:sp>
+        <p:nvSpPr>
+          <p:cNvPr id="2" name="Slide Image Placeholder 1"/>
+          <p:cNvSpPr>
+            <a:spLocks noGrp="1" noRot="1" noChangeAspect="1"/>
+          </p:cNvSpPr>
+          <p:nvPr>
+            <p:ph type="sldImg"/>
+          </p:nvPr>
+        </p:nvSpPr>
+        <p:spPr/>
+      </p:sp>
+      <p:sp>
+        <p:nvSpPr>
+          <p:cNvPr id="3" name="Notes Placeholder 2"/>
+          <p:cNvSpPr>
+            <a:spLocks noGrp="1"/>
+          </p:cNvSpPr>
+          <p:nvPr>
+            <p:ph type="body" idx="1"/>
+          </p:nvPr>
+        </p:nvSpPr>
+        <p:spPr/>
+        <p:txBody>
+          <a:bodyPr/>
+          <a:lstStyle/>
+          <a:p>
+            <a:pPr marL="0" marR="0" lvl="0" indent="0" algn="l" defTabSz="914400" rtl="0" eaLnBrk="1" fontAlgn="auto" latinLnBrk="0" hangingPunct="1">
+              <a:lnSpc>
+                <a:spcPct val="100000"/>
+              </a:lnSpc>
+              <a:spcBef>
+                <a:spcPts val="0"/>
+              </a:spcBef>
+              <a:spcAft>
+                <a:spcPts val="0"/>
+              </a:spcAft>
+              <a:buClrTx/>
+              <a:buSzTx/>
+              <a:buFontTx/>
+              <a:buNone/>
+              <a:tabLst/>
+              <a:defRPr/>
+            </a:pPr>
+            <a:r>
+              <a:rPr lang="fr-FR" dirty="0"/>
+              <a:t>SG ATS est une filiale du groupe Société Générale qui a démarré ses activités en début 2014, basée à Casablanca. Société Générale </a:t>
+            </a:r>
+            <a:r>
+              <a:rPr lang="fr-FR" dirty="0" err="1"/>
+              <a:t>Africa</a:t>
+            </a:r>
+            <a:r>
+              <a:rPr lang="fr-FR" dirty="0"/>
+              <a:t> Technologies &amp; Services regroupe des services liés aux activités de marché de la banque de financement et d’investissements (SG CIB), spécialisés en Recherche et Développement et en Ingénierie Financière.</a:t>
+            </a:r>
+            <a:endParaRPr lang="fr-FR" sz="1800" dirty="0"/>
+          </a:p>
+          <a:p>
+            <a:endParaRPr lang="fr-FR" dirty="0"/>
+          </a:p>
+        </p:txBody>
+      </p:sp>
+      <p:sp>
+        <p:nvSpPr>
+          <p:cNvPr id="4" name="Slide Number Placeholder 3"/>
+          <p:cNvSpPr>
+            <a:spLocks noGrp="1"/>
+          </p:cNvSpPr>
+          <p:nvPr>
+            <p:ph type="sldNum" sz="quarter" idx="5"/>
+          </p:nvPr>
+        </p:nvSpPr>
+        <p:spPr/>
+        <p:txBody>
+          <a:bodyPr/>
+          <a:lstStyle/>
+          <a:p>
+            <a:fld id="{CA6B0659-C84A-4C94-9A37-1BE51DD4DB67}" type="slidenum">
+              <a:rPr lang="fr-FR" smtClean="0"/>
+              <a:t>3</a:t>
+            </a:fld>
+            <a:endParaRPr lang="fr-FR"/>
+          </a:p>
+        </p:txBody>
+      </p:sp>
+    </p:spTree>
+    <p:extLst>
+      <p:ext uri="{BB962C8B-B14F-4D97-AF65-F5344CB8AC3E}">
+        <p14:creationId xmlns:p14="http://schemas.microsoft.com/office/powerpoint/2010/main" val="1931536648"/>
+      </p:ext>
+    </p:extLst>
+  </p:cSld>
+  <p:clrMapOvr>
+    <a:masterClrMapping/>
+  </p:clrMapOvr>
+</p:notes>
+</file>
+
+<file path=ppt/notesSlides/notesSlide3.xml><?xml version="1.0" encoding="utf-8"?>
+<p:notes xmlns:a="http://schemas.openxmlformats.org/drawingml/2006/main" xmlns:r="http://schemas.openxmlformats.org/officeDocument/2006/relationships" xmlns:p="http://schemas.openxmlformats.org/presentationml/2006/main">
+  <p:cSld>
+    <p:spTree>
+      <p:nvGrpSpPr>
+        <p:cNvPr id="1" name=""/>
+        <p:cNvGrpSpPr/>
+        <p:nvPr/>
+      </p:nvGrpSpPr>
+      <p:grpSpPr>
+        <a:xfrm>
+          <a:off x="0" y="0"/>
+          <a:ext cx="0" cy="0"/>
+          <a:chOff x="0" y="0"/>
+          <a:chExt cx="0" cy="0"/>
+        </a:xfrm>
+      </p:grpSpPr>
+      <p:sp>
+        <p:nvSpPr>
+          <p:cNvPr id="2" name="Slide Image Placeholder 1"/>
+          <p:cNvSpPr>
+            <a:spLocks noGrp="1" noRot="1" noChangeAspect="1"/>
+          </p:cNvSpPr>
+          <p:nvPr>
+            <p:ph type="sldImg"/>
+          </p:nvPr>
+        </p:nvSpPr>
+        <p:spPr/>
+      </p:sp>
+      <p:sp>
+        <p:nvSpPr>
+          <p:cNvPr id="3" name="Notes Placeholder 2"/>
+          <p:cNvSpPr>
+            <a:spLocks noGrp="1"/>
+          </p:cNvSpPr>
+          <p:nvPr>
+            <p:ph type="body" idx="1"/>
+          </p:nvPr>
+        </p:nvSpPr>
+        <p:spPr/>
+        <p:txBody>
+          <a:bodyPr/>
+          <a:lstStyle/>
+          <a:p>
+            <a:r>
+              <a:rPr lang="fr-FR" dirty="0"/>
+              <a:t>Les équipes R&amp;D de la Société Générale sont constituées de Cinq branches principales peuvent être distinguées. Une branche constituée de trois équipes R&amp;D :</a:t>
+            </a:r>
+          </a:p>
+          <a:p>
+            <a:endParaRPr lang="fr-FR" dirty="0"/>
+          </a:p>
+          <a:p>
+            <a:pPr marL="742950" lvl="1" indent="-285750">
+              <a:buFont typeface="Wingdings" panose="05000000000000000000" pitchFamily="2" charset="2"/>
+              <a:buChar char="ü"/>
+            </a:pPr>
+            <a:r>
+              <a:rPr lang="fr-FR" dirty="0"/>
+              <a:t>QUANT : a pour mission de développer les librairies mathématiques de calcul des prix.</a:t>
+            </a:r>
+          </a:p>
+          <a:p>
+            <a:pPr marL="742950" lvl="1" indent="-285750">
+              <a:buFont typeface="Wingdings" panose="05000000000000000000" pitchFamily="2" charset="2"/>
+              <a:buChar char="ü"/>
+            </a:pPr>
+            <a:r>
+              <a:rPr lang="fr-FR" dirty="0"/>
+              <a:t>QARM : équipe en charge de tests et de validation des produits développés par les autres </a:t>
+            </a:r>
+            <a:r>
+              <a:rPr lang="fr-FR" i="1" dirty="0"/>
+              <a:t>entités.</a:t>
+            </a:r>
+          </a:p>
+          <a:p>
+            <a:pPr marL="742950" lvl="1" indent="-285750">
+              <a:buFont typeface="Wingdings" panose="05000000000000000000" pitchFamily="2" charset="2"/>
+              <a:buChar char="ü"/>
+            </a:pPr>
+            <a:r>
+              <a:rPr lang="fr-FR" dirty="0"/>
+              <a:t>SET : équipe en charge de la création d’outils de trading et de la mise en œuvre effective des librairies de calcul dans un contexte industriel.</a:t>
+            </a:r>
+            <a:endParaRPr lang="fr-FR" b="1" dirty="0"/>
+          </a:p>
+          <a:p>
+            <a:endParaRPr lang="fr-FR" dirty="0"/>
+          </a:p>
+        </p:txBody>
+      </p:sp>
+      <p:sp>
+        <p:nvSpPr>
+          <p:cNvPr id="4" name="Slide Number Placeholder 3"/>
+          <p:cNvSpPr>
+            <a:spLocks noGrp="1"/>
+          </p:cNvSpPr>
+          <p:nvPr>
+            <p:ph type="sldNum" sz="quarter" idx="5"/>
+          </p:nvPr>
+        </p:nvSpPr>
+        <p:spPr/>
+        <p:txBody>
+          <a:bodyPr/>
+          <a:lstStyle/>
+          <a:p>
+            <a:fld id="{CA6B0659-C84A-4C94-9A37-1BE51DD4DB67}" type="slidenum">
+              <a:rPr lang="fr-FR" smtClean="0"/>
+              <a:t>4</a:t>
+            </a:fld>
+            <a:endParaRPr lang="fr-FR"/>
+          </a:p>
+        </p:txBody>
+      </p:sp>
+    </p:spTree>
+    <p:extLst>
+      <p:ext uri="{BB962C8B-B14F-4D97-AF65-F5344CB8AC3E}">
+        <p14:creationId xmlns:p14="http://schemas.microsoft.com/office/powerpoint/2010/main" val="1257576249"/>
+      </p:ext>
+    </p:extLst>
+  </p:cSld>
+  <p:clrMapOvr>
+    <a:masterClrMapping/>
+  </p:clrMapOvr>
+</p:notes>
+</file>
+
+<file path=ppt/notesSlides/notesSlide4.xml><?xml version="1.0" encoding="utf-8"?>
+<p:notes xmlns:a="http://schemas.openxmlformats.org/drawingml/2006/main" xmlns:r="http://schemas.openxmlformats.org/officeDocument/2006/relationships" xmlns:p="http://schemas.openxmlformats.org/presentationml/2006/main">
+  <p:cSld>
+    <p:spTree>
+      <p:nvGrpSpPr>
+        <p:cNvPr id="1" name=""/>
+        <p:cNvGrpSpPr/>
+        <p:nvPr/>
+      </p:nvGrpSpPr>
+      <p:grpSpPr>
+        <a:xfrm>
+          <a:off x="0" y="0"/>
+          <a:ext cx="0" cy="0"/>
+          <a:chOff x="0" y="0"/>
+          <a:chExt cx="0" cy="0"/>
+        </a:xfrm>
+      </p:grpSpPr>
+      <p:sp>
+        <p:nvSpPr>
+          <p:cNvPr id="2" name="Slide Image Placeholder 1"/>
+          <p:cNvSpPr>
+            <a:spLocks noGrp="1" noRot="1" noChangeAspect="1"/>
+          </p:cNvSpPr>
+          <p:nvPr>
+            <p:ph type="sldImg"/>
+          </p:nvPr>
+        </p:nvSpPr>
+        <p:spPr/>
+      </p:sp>
+      <p:sp>
+        <p:nvSpPr>
+          <p:cNvPr id="3" name="Notes Placeholder 2"/>
+          <p:cNvSpPr>
+            <a:spLocks noGrp="1"/>
+          </p:cNvSpPr>
+          <p:nvPr>
+            <p:ph type="body" idx="1"/>
+          </p:nvPr>
+        </p:nvSpPr>
+        <p:spPr/>
+        <p:txBody>
+          <a:bodyPr/>
+          <a:lstStyle/>
+          <a:p>
+            <a:pPr lvl="1"/>
+            <a:r>
+              <a:rPr lang="fr-FR" dirty="0"/>
+              <a:t>L’équipe RDWS développe et maintient des services utilisés par les équipes du département</a:t>
+            </a:r>
+          </a:p>
+          <a:p>
+            <a:pPr lvl="1"/>
+            <a:r>
+              <a:rPr lang="fr-FR" dirty="0"/>
+              <a:t>Recherche &amp; Développement du groupe Société Générale. Ces services sont regroupés est déployé dans le cloud Microsoft Azure, sous une architecture service cloud.</a:t>
+            </a:r>
+          </a:p>
+          <a:p>
+            <a:endParaRPr lang="fr-FR" dirty="0"/>
+          </a:p>
+        </p:txBody>
+      </p:sp>
+      <p:sp>
+        <p:nvSpPr>
+          <p:cNvPr id="4" name="Slide Number Placeholder 3"/>
+          <p:cNvSpPr>
+            <a:spLocks noGrp="1"/>
+          </p:cNvSpPr>
+          <p:nvPr>
+            <p:ph type="sldNum" sz="quarter" idx="5"/>
+          </p:nvPr>
+        </p:nvSpPr>
+        <p:spPr/>
+        <p:txBody>
+          <a:bodyPr/>
+          <a:lstStyle/>
+          <a:p>
+            <a:fld id="{CA6B0659-C84A-4C94-9A37-1BE51DD4DB67}" type="slidenum">
+              <a:rPr lang="fr-FR" smtClean="0"/>
+              <a:t>7</a:t>
+            </a:fld>
+            <a:endParaRPr lang="fr-FR"/>
+          </a:p>
+        </p:txBody>
+      </p:sp>
+    </p:spTree>
+    <p:extLst>
+      <p:ext uri="{BB962C8B-B14F-4D97-AF65-F5344CB8AC3E}">
+        <p14:creationId xmlns:p14="http://schemas.microsoft.com/office/powerpoint/2010/main" val="3781671383"/>
+      </p:ext>
+    </p:extLst>
+  </p:cSld>
+  <p:clrMapOvr>
+    <a:masterClrMapping/>
+  </p:clrMapOvr>
+</p:notes>
+</file>
+
+<file path=ppt/notesSlides/notesSlide5.xml><?xml version="1.0" encoding="utf-8"?>
+<p:notes xmlns:a="http://schemas.openxmlformats.org/drawingml/2006/main" xmlns:r="http://schemas.openxmlformats.org/officeDocument/2006/relationships" xmlns:p="http://schemas.openxmlformats.org/presentationml/2006/main">
+  <p:cSld>
+    <p:spTree>
+      <p:nvGrpSpPr>
+        <p:cNvPr id="1" name=""/>
+        <p:cNvGrpSpPr/>
+        <p:nvPr/>
+      </p:nvGrpSpPr>
+      <p:grpSpPr>
+        <a:xfrm>
+          <a:off x="0" y="0"/>
+          <a:ext cx="0" cy="0"/>
+          <a:chOff x="0" y="0"/>
+          <a:chExt cx="0" cy="0"/>
+        </a:xfrm>
+      </p:grpSpPr>
+      <p:sp>
+        <p:nvSpPr>
+          <p:cNvPr id="2" name="Slide Image Placeholder 1"/>
+          <p:cNvSpPr>
+            <a:spLocks noGrp="1" noRot="1" noChangeAspect="1"/>
+          </p:cNvSpPr>
+          <p:nvPr>
+            <p:ph type="sldImg"/>
+          </p:nvPr>
+        </p:nvSpPr>
+        <p:spPr/>
+      </p:sp>
+      <p:sp>
+        <p:nvSpPr>
+          <p:cNvPr id="3" name="Notes Placeholder 2"/>
+          <p:cNvSpPr>
+            <a:spLocks noGrp="1"/>
+          </p:cNvSpPr>
+          <p:nvPr>
+            <p:ph type="body" idx="1"/>
+          </p:nvPr>
+        </p:nvSpPr>
+        <p:spPr/>
+        <p:txBody>
+          <a:bodyPr/>
+          <a:lstStyle/>
+          <a:p>
+            <a:pPr lvl="1"/>
+            <a:r>
+              <a:rPr lang="fr-FR" dirty="0"/>
+              <a:t>L’équipe RDWS développe et maintient des services utilisés par les équipes du département</a:t>
+            </a:r>
+          </a:p>
+          <a:p>
+            <a:pPr lvl="1"/>
+            <a:r>
+              <a:rPr lang="fr-FR" dirty="0"/>
+              <a:t>Recherche &amp; Développement du groupe Société Générale. Ces services sont regroupés est déployé dans le cloud Microsoft Azure, sous une architecture service cloud.</a:t>
+            </a:r>
+          </a:p>
+          <a:p>
+            <a:endParaRPr lang="fr-FR" dirty="0"/>
+          </a:p>
+        </p:txBody>
+      </p:sp>
+      <p:sp>
+        <p:nvSpPr>
+          <p:cNvPr id="4" name="Slide Number Placeholder 3"/>
+          <p:cNvSpPr>
+            <a:spLocks noGrp="1"/>
+          </p:cNvSpPr>
+          <p:nvPr>
+            <p:ph type="sldNum" sz="quarter" idx="5"/>
+          </p:nvPr>
+        </p:nvSpPr>
+        <p:spPr/>
+        <p:txBody>
+          <a:bodyPr/>
+          <a:lstStyle/>
+          <a:p>
+            <a:fld id="{CA6B0659-C84A-4C94-9A37-1BE51DD4DB67}" type="slidenum">
+              <a:rPr lang="fr-FR" smtClean="0"/>
+              <a:t>8</a:t>
+            </a:fld>
+            <a:endParaRPr lang="fr-FR"/>
+          </a:p>
+        </p:txBody>
+      </p:sp>
+    </p:spTree>
+    <p:extLst>
+      <p:ext uri="{BB962C8B-B14F-4D97-AF65-F5344CB8AC3E}">
+        <p14:creationId xmlns:p14="http://schemas.microsoft.com/office/powerpoint/2010/main" val="1007188687"/>
+      </p:ext>
+    </p:extLst>
+  </p:cSld>
+  <p:clrMapOvr>
+    <a:masterClrMapping/>
+  </p:clrMapOvr>
+</p:notes>
+</file>
+
+<file path=ppt/notesSlides/notesSlide6.xml><?xml version="1.0" encoding="utf-8"?>
+<p:notes xmlns:a="http://schemas.openxmlformats.org/drawingml/2006/main" xmlns:r="http://schemas.openxmlformats.org/officeDocument/2006/relationships" xmlns:p="http://schemas.openxmlformats.org/presentationml/2006/main">
+  <p:cSld>
+    <p:spTree>
+      <p:nvGrpSpPr>
+        <p:cNvPr id="1" name=""/>
+        <p:cNvGrpSpPr/>
+        <p:nvPr/>
+      </p:nvGrpSpPr>
+      <p:grpSpPr>
+        <a:xfrm>
+          <a:off x="0" y="0"/>
+          <a:ext cx="0" cy="0"/>
+          <a:chOff x="0" y="0"/>
+          <a:chExt cx="0" cy="0"/>
+        </a:xfrm>
+      </p:grpSpPr>
+      <p:sp>
+        <p:nvSpPr>
+          <p:cNvPr id="2" name="Slide Image Placeholder 1"/>
+          <p:cNvSpPr>
+            <a:spLocks noGrp="1" noRot="1" noChangeAspect="1"/>
+          </p:cNvSpPr>
+          <p:nvPr>
+            <p:ph type="sldImg"/>
+          </p:nvPr>
+        </p:nvSpPr>
+        <p:spPr/>
+      </p:sp>
+      <p:sp>
+        <p:nvSpPr>
+          <p:cNvPr id="3" name="Notes Placeholder 2"/>
+          <p:cNvSpPr>
+            <a:spLocks noGrp="1"/>
+          </p:cNvSpPr>
+          <p:nvPr>
+            <p:ph type="body" idx="1"/>
+          </p:nvPr>
+        </p:nvSpPr>
+        <p:spPr/>
+        <p:txBody>
+          <a:bodyPr/>
+          <a:lstStyle/>
+          <a:p>
+            <a:endParaRPr lang="fr-FR" dirty="0"/>
+          </a:p>
+        </p:txBody>
+      </p:sp>
+      <p:sp>
+        <p:nvSpPr>
+          <p:cNvPr id="4" name="Slide Number Placeholder 3"/>
+          <p:cNvSpPr>
+            <a:spLocks noGrp="1"/>
+          </p:cNvSpPr>
+          <p:nvPr>
+            <p:ph type="sldNum" sz="quarter" idx="5"/>
+          </p:nvPr>
+        </p:nvSpPr>
+        <p:spPr/>
+        <p:txBody>
+          <a:bodyPr/>
+          <a:lstStyle/>
+          <a:p>
+            <a:fld id="{CA6B0659-C84A-4C94-9A37-1BE51DD4DB67}" type="slidenum">
+              <a:rPr lang="fr-FR" smtClean="0"/>
+              <a:t>9</a:t>
+            </a:fld>
+            <a:endParaRPr lang="fr-FR"/>
+          </a:p>
+        </p:txBody>
+      </p:sp>
+    </p:spTree>
+    <p:extLst>
+      <p:ext uri="{BB962C8B-B14F-4D97-AF65-F5344CB8AC3E}">
+        <p14:creationId xmlns:p14="http://schemas.microsoft.com/office/powerpoint/2010/main" val="3872430870"/>
+      </p:ext>
+    </p:extLst>
+  </p:cSld>
+  <p:clrMapOvr>
+    <a:masterClrMapping/>
+  </p:clrMapOvr>
+</p:notes>
+</file>
+
+<file path=ppt/notesSlides/notesSlide7.xml><?xml version="1.0" encoding="utf-8"?>
+<p:notes xmlns:a="http://schemas.openxmlformats.org/drawingml/2006/main" xmlns:r="http://schemas.openxmlformats.org/officeDocument/2006/relationships" xmlns:p="http://schemas.openxmlformats.org/presentationml/2006/main">
+  <p:cSld>
+    <p:spTree>
+      <p:nvGrpSpPr>
+        <p:cNvPr id="1" name=""/>
+        <p:cNvGrpSpPr/>
+        <p:nvPr/>
+      </p:nvGrpSpPr>
+      <p:grpSpPr>
+        <a:xfrm>
+          <a:off x="0" y="0"/>
+          <a:ext cx="0" cy="0"/>
+          <a:chOff x="0" y="0"/>
+          <a:chExt cx="0" cy="0"/>
+        </a:xfrm>
+      </p:grpSpPr>
+      <p:sp>
+        <p:nvSpPr>
+          <p:cNvPr id="2" name="Slide Image Placeholder 1"/>
+          <p:cNvSpPr>
+            <a:spLocks noGrp="1" noRot="1" noChangeAspect="1"/>
+          </p:cNvSpPr>
+          <p:nvPr>
+            <p:ph type="sldImg"/>
+          </p:nvPr>
+        </p:nvSpPr>
+        <p:spPr/>
+      </p:sp>
+      <p:sp>
+        <p:nvSpPr>
+          <p:cNvPr id="3" name="Notes Placeholder 2"/>
+          <p:cNvSpPr>
+            <a:spLocks noGrp="1"/>
+          </p:cNvSpPr>
+          <p:nvPr>
+            <p:ph type="body" idx="1"/>
+          </p:nvPr>
+        </p:nvSpPr>
+        <p:spPr/>
+        <p:txBody>
+          <a:bodyPr/>
+          <a:lstStyle/>
+          <a:p>
+            <a:endParaRPr lang="fr-FR" dirty="0"/>
+          </a:p>
+        </p:txBody>
+      </p:sp>
+      <p:sp>
+        <p:nvSpPr>
+          <p:cNvPr id="4" name="Slide Number Placeholder 3"/>
+          <p:cNvSpPr>
+            <a:spLocks noGrp="1"/>
+          </p:cNvSpPr>
+          <p:nvPr>
+            <p:ph type="sldNum" sz="quarter" idx="5"/>
+          </p:nvPr>
+        </p:nvSpPr>
+        <p:spPr/>
+        <p:txBody>
+          <a:bodyPr/>
+          <a:lstStyle/>
+          <a:p>
+            <a:fld id="{CA6B0659-C84A-4C94-9A37-1BE51DD4DB67}" type="slidenum">
+              <a:rPr lang="fr-FR" smtClean="0"/>
+              <a:t>10</a:t>
+            </a:fld>
+            <a:endParaRPr lang="fr-FR"/>
+          </a:p>
+        </p:txBody>
+      </p:sp>
+    </p:spTree>
+    <p:extLst>
+      <p:ext uri="{BB962C8B-B14F-4D97-AF65-F5344CB8AC3E}">
+        <p14:creationId xmlns:p14="http://schemas.microsoft.com/office/powerpoint/2010/main" val="1532826134"/>
+      </p:ext>
+    </p:extLst>
+  </p:cSld>
+  <p:clrMapOvr>
+    <a:masterClrMapping/>
+  </p:clrMapOvr>
+</p:notes>
+</file>
+
+<file path=ppt/notesSlides/notesSlide8.xml><?xml version="1.0" encoding="utf-8"?>
+<p:notes xmlns:a="http://schemas.openxmlformats.org/drawingml/2006/main" xmlns:r="http://schemas.openxmlformats.org/officeDocument/2006/relationships" xmlns:p="http://schemas.openxmlformats.org/presentationml/2006/main">
+  <p:cSld>
+    <p:spTree>
+      <p:nvGrpSpPr>
+        <p:cNvPr id="1" name=""/>
+        <p:cNvGrpSpPr/>
+        <p:nvPr/>
+      </p:nvGrpSpPr>
+      <p:grpSpPr>
+        <a:xfrm>
+          <a:off x="0" y="0"/>
+          <a:ext cx="0" cy="0"/>
+          <a:chOff x="0" y="0"/>
+          <a:chExt cx="0" cy="0"/>
+        </a:xfrm>
+      </p:grpSpPr>
+      <p:sp>
+        <p:nvSpPr>
+          <p:cNvPr id="2" name="Slide Image Placeholder 1"/>
+          <p:cNvSpPr>
+            <a:spLocks noGrp="1" noRot="1" noChangeAspect="1"/>
+          </p:cNvSpPr>
+          <p:nvPr>
+            <p:ph type="sldImg"/>
+          </p:nvPr>
+        </p:nvSpPr>
+        <p:spPr/>
+      </p:sp>
+      <p:sp>
+        <p:nvSpPr>
+          <p:cNvPr id="3" name="Notes Placeholder 2"/>
+          <p:cNvSpPr>
+            <a:spLocks noGrp="1"/>
+          </p:cNvSpPr>
+          <p:nvPr>
+            <p:ph type="body" idx="1"/>
+          </p:nvPr>
+        </p:nvSpPr>
+        <p:spPr/>
+        <p:txBody>
+          <a:bodyPr/>
+          <a:lstStyle/>
+          <a:p>
+            <a:pPr lvl="1"/>
+            <a:endParaRPr lang="fr-FR" sz="1100" b="1" dirty="0"/>
+          </a:p>
+          <a:p>
+            <a:r>
+              <a:rPr lang="fr-FR" dirty="0"/>
+              <a:t>La problématique de service de </a:t>
+            </a:r>
+            <a:r>
+              <a:rPr lang="fr-FR" dirty="0" err="1"/>
+              <a:t>scaling</a:t>
+            </a:r>
+            <a:r>
+              <a:rPr lang="fr-FR" dirty="0"/>
+              <a:t> existant réside dans le choix manuel des Configuration, fait par l’équipe </a:t>
+            </a:r>
+            <a:r>
+              <a:rPr lang="fr-FR" dirty="0" err="1"/>
+              <a:t>CloudOps</a:t>
+            </a:r>
+            <a:r>
+              <a:rPr lang="fr-FR" dirty="0"/>
+              <a:t>. Ce choix manuel cause les problèmes suivants :</a:t>
+            </a:r>
+          </a:p>
+          <a:p>
+            <a:endParaRPr lang="fr-FR" dirty="0"/>
+          </a:p>
+          <a:p>
+            <a:pPr marL="742950" lvl="1" indent="-285750">
+              <a:buFont typeface="Wingdings" panose="05000000000000000000" pitchFamily="2" charset="2"/>
+              <a:buChar char="ü"/>
+            </a:pPr>
+            <a:r>
+              <a:rPr lang="fr-FR" dirty="0"/>
+              <a:t>Des surcharges non supportées par les services au cas d’une configuration minimale, et par conséquence un temps de réponse non satisfaisant pour le client.</a:t>
+            </a:r>
+          </a:p>
+          <a:p>
+            <a:pPr marL="742950" lvl="1" indent="-285750">
+              <a:buFont typeface="Wingdings" panose="05000000000000000000" pitchFamily="2" charset="2"/>
+              <a:buChar char="ü"/>
+            </a:pPr>
+            <a:endParaRPr lang="fr-FR" dirty="0"/>
+          </a:p>
+          <a:p>
+            <a:pPr marL="742950" lvl="1" indent="-285750">
+              <a:buFont typeface="Wingdings" panose="05000000000000000000" pitchFamily="2" charset="2"/>
+              <a:buChar char="ü"/>
+            </a:pPr>
+            <a:r>
+              <a:rPr lang="fr-FR" dirty="0"/>
+              <a:t>Un coût de déploiement sur le cloud très élevé, au cas d’une configuration gourmande en terme de </a:t>
+            </a:r>
+            <a:r>
+              <a:rPr lang="fr-FR" dirty="0" err="1"/>
+              <a:t>workers</a:t>
+            </a:r>
+            <a:r>
+              <a:rPr lang="fr-FR" dirty="0"/>
+              <a:t>.</a:t>
+            </a:r>
+          </a:p>
+          <a:p>
+            <a:endParaRPr lang="fr-FR" dirty="0"/>
+          </a:p>
+        </p:txBody>
+      </p:sp>
+      <p:sp>
+        <p:nvSpPr>
+          <p:cNvPr id="4" name="Slide Number Placeholder 3"/>
+          <p:cNvSpPr>
+            <a:spLocks noGrp="1"/>
+          </p:cNvSpPr>
+          <p:nvPr>
+            <p:ph type="sldNum" sz="quarter" idx="5"/>
+          </p:nvPr>
+        </p:nvSpPr>
+        <p:spPr/>
+        <p:txBody>
+          <a:bodyPr/>
+          <a:lstStyle/>
+          <a:p>
+            <a:fld id="{CA6B0659-C84A-4C94-9A37-1BE51DD4DB67}" type="slidenum">
+              <a:rPr lang="fr-FR" smtClean="0"/>
+              <a:t>11</a:t>
+            </a:fld>
+            <a:endParaRPr lang="fr-FR"/>
+          </a:p>
+        </p:txBody>
+      </p:sp>
+    </p:spTree>
+    <p:extLst>
+      <p:ext uri="{BB962C8B-B14F-4D97-AF65-F5344CB8AC3E}">
+        <p14:creationId xmlns:p14="http://schemas.microsoft.com/office/powerpoint/2010/main" val="4054963726"/>
+      </p:ext>
+    </p:extLst>
+  </p:cSld>
+  <p:clrMapOvr>
+    <a:masterClrMapping/>
+  </p:clrMapOvr>
+</p:notes>
+</file>
+
+<file path=ppt/notesSlides/notesSlide9.xml><?xml version="1.0" encoding="utf-8"?>
+<p:notes xmlns:a="http://schemas.openxmlformats.org/drawingml/2006/main" xmlns:r="http://schemas.openxmlformats.org/officeDocument/2006/relationships" xmlns:p="http://schemas.openxmlformats.org/presentationml/2006/main">
+  <p:cSld>
+    <p:spTree>
+      <p:nvGrpSpPr>
+        <p:cNvPr id="1" name=""/>
+        <p:cNvGrpSpPr/>
+        <p:nvPr/>
+      </p:nvGrpSpPr>
+      <p:grpSpPr>
+        <a:xfrm>
+          <a:off x="0" y="0"/>
+          <a:ext cx="0" cy="0"/>
+          <a:chOff x="0" y="0"/>
+          <a:chExt cx="0" cy="0"/>
+        </a:xfrm>
+      </p:grpSpPr>
+      <p:sp>
+        <p:nvSpPr>
+          <p:cNvPr id="2" name="Slide Image Placeholder 1"/>
+          <p:cNvSpPr>
+            <a:spLocks noGrp="1" noRot="1" noChangeAspect="1"/>
+          </p:cNvSpPr>
+          <p:nvPr>
+            <p:ph type="sldImg"/>
+          </p:nvPr>
+        </p:nvSpPr>
+        <p:spPr/>
+      </p:sp>
+      <p:sp>
+        <p:nvSpPr>
+          <p:cNvPr id="3" name="Notes Placeholder 2"/>
+          <p:cNvSpPr>
+            <a:spLocks noGrp="1"/>
+          </p:cNvSpPr>
+          <p:nvPr>
+            <p:ph type="body" idx="1"/>
+          </p:nvPr>
+        </p:nvSpPr>
+        <p:spPr/>
+        <p:txBody>
+          <a:bodyPr/>
+          <a:lstStyle/>
+          <a:p>
+            <a:pPr lvl="1"/>
+            <a:r>
+              <a:rPr lang="fr-FR" b="1" dirty="0"/>
+              <a:t>2.  Application de la méthode XP dans le projet : </a:t>
+            </a:r>
+          </a:p>
+          <a:p>
+            <a:pPr lvl="1"/>
+            <a:endParaRPr lang="fr-FR" dirty="0"/>
+          </a:p>
+          <a:p>
+            <a:r>
+              <a:rPr lang="fr-FR" dirty="0"/>
+              <a:t>La caractérisation de la méthode XP dans ce projet a été faite en suivant les pratiques telles</a:t>
+            </a:r>
+          </a:p>
+          <a:p>
+            <a:r>
+              <a:rPr lang="fr-FR" dirty="0"/>
+              <a:t>que :</a:t>
+            </a:r>
+          </a:p>
+          <a:p>
+            <a:pPr marL="742950" lvl="1" indent="-285750">
+              <a:buFont typeface="Wingdings" panose="05000000000000000000" pitchFamily="2" charset="2"/>
+              <a:buChar char="ü"/>
+            </a:pPr>
+            <a:r>
+              <a:rPr lang="fr-FR" b="1" dirty="0"/>
+              <a:t>La revue du code </a:t>
+            </a:r>
+            <a:r>
+              <a:rPr lang="fr-FR" dirty="0"/>
+              <a:t>: pour chaque partie développée, une revue du code est prévue afin de valider l’incrément, et l’intégrer dans le répertoire distant. Cette revue a pour but d’assurer que le code respecte toutes les règles de qualité et les bonnes pratiques (YAGNI, KISS, DRY, SOLID…) imposées par l’équipe.</a:t>
+            </a:r>
+          </a:p>
+          <a:p>
+            <a:pPr lvl="1"/>
+            <a:endParaRPr lang="fr-FR" dirty="0"/>
+          </a:p>
+          <a:p>
+            <a:pPr marL="742950" lvl="1" indent="-285750">
+              <a:buFont typeface="Wingdings" panose="05000000000000000000" pitchFamily="2" charset="2"/>
+              <a:buChar char="ü"/>
+            </a:pPr>
+            <a:r>
+              <a:rPr lang="fr-FR" b="1" dirty="0"/>
+              <a:t>Les tests unitaires </a:t>
+            </a:r>
+            <a:r>
+              <a:rPr lang="fr-FR" dirty="0"/>
+              <a:t>: Les tests unitaires de chaque fonctionnalité et une couverture du code à 100% sont exigés par l’équipe.</a:t>
+            </a:r>
+          </a:p>
+          <a:p>
+            <a:pPr lvl="1"/>
+            <a:endParaRPr lang="fr-FR" dirty="0"/>
+          </a:p>
+          <a:p>
+            <a:pPr marL="742950" lvl="1" indent="-285750">
+              <a:buFont typeface="Wingdings" panose="05000000000000000000" pitchFamily="2" charset="2"/>
+              <a:buChar char="ü"/>
+            </a:pPr>
+            <a:r>
+              <a:rPr lang="fr-FR" b="1" dirty="0"/>
+              <a:t>Le </a:t>
+            </a:r>
+            <a:r>
+              <a:rPr lang="fr-FR" b="1" i="1" dirty="0" err="1"/>
+              <a:t>refactoring</a:t>
+            </a:r>
+            <a:r>
+              <a:rPr lang="fr-FR" b="1" i="1" dirty="0"/>
+              <a:t> </a:t>
+            </a:r>
+            <a:r>
+              <a:rPr lang="fr-FR" b="1" dirty="0"/>
+              <a:t>du code </a:t>
+            </a:r>
+            <a:r>
+              <a:rPr lang="fr-FR" dirty="0"/>
+              <a:t>: Consiste à modifier le code source de façon à en améliorer la structure, sans que cela modifie son comportement fonctionnel.</a:t>
+            </a:r>
+            <a:endParaRPr lang="fr-FR" sz="2400" dirty="0"/>
+          </a:p>
+          <a:p>
+            <a:endParaRPr lang="fr-FR" dirty="0"/>
+          </a:p>
+        </p:txBody>
+      </p:sp>
+      <p:sp>
+        <p:nvSpPr>
+          <p:cNvPr id="4" name="Slide Number Placeholder 3"/>
+          <p:cNvSpPr>
+            <a:spLocks noGrp="1"/>
+          </p:cNvSpPr>
+          <p:nvPr>
+            <p:ph type="sldNum" sz="quarter" idx="5"/>
+          </p:nvPr>
+        </p:nvSpPr>
+        <p:spPr/>
+        <p:txBody>
+          <a:bodyPr/>
+          <a:lstStyle/>
+          <a:p>
+            <a:fld id="{CA6B0659-C84A-4C94-9A37-1BE51DD4DB67}" type="slidenum">
+              <a:rPr lang="fr-FR" smtClean="0"/>
+              <a:t>14</a:t>
+            </a:fld>
+            <a:endParaRPr lang="fr-FR"/>
+          </a:p>
+        </p:txBody>
+      </p:sp>
+    </p:spTree>
+    <p:extLst>
+      <p:ext uri="{BB962C8B-B14F-4D97-AF65-F5344CB8AC3E}">
+        <p14:creationId xmlns:p14="http://schemas.microsoft.com/office/powerpoint/2010/main" val="1014333384"/>
+      </p:ext>
+    </p:extLst>
+  </p:cSld>
+  <p:clrMapOvr>
+    <a:masterClrMapping/>
+  </p:clrMapOvr>
+</p:notes>
+</file>
+
 <file path=ppt/slideLayouts/slideLayout1.xml><?xml version="1.0" encoding="utf-8"?>
 <p:sldLayout xmlns:a="http://schemas.openxmlformats.org/drawingml/2006/main" xmlns:r="http://schemas.openxmlformats.org/officeDocument/2006/relationships" xmlns:p="http://schemas.openxmlformats.org/presentationml/2006/main" showMasterSp="0" preserve="1">
   <p:cSld name="1. Cover">
@@ -379,7 +1852,7 @@
           <a:p>
             <a:fld id="{C52A7112-AD22-4CC6-BB8E-81D9D3125C61}" type="datetimeFigureOut">
               <a:rPr lang="fr-FR" smtClean="0"/>
-              <a:t>07/03/2020</a:t>
+              <a:t>26/05/2020</a:t>
             </a:fld>
             <a:endParaRPr lang="fr-FR"/>
           </a:p>
@@ -3124,7 +4597,7 @@
                 <a:tabLst/>
                 <a:defRPr/>
               </a:pPr>
-              <a:t>07/03/2020</a:t>
+              <a:t>26/05/2020</a:t>
             </a:fld>
             <a:endParaRPr kumimoji="0" lang="en-GB" sz="800" b="0" i="0" u="none" strike="noStrike" kern="1200" cap="none" spc="0" normalizeH="0" baseline="0" noProof="0" dirty="0">
               <a:ln>
@@ -3650,7 +5123,7 @@
                 <a:tabLst/>
                 <a:defRPr/>
               </a:pPr>
-              <a:t>07/03/2020</a:t>
+              <a:t>26/05/2020</a:t>
             </a:fld>
             <a:endParaRPr kumimoji="0" lang="en-GB" sz="800" b="0" i="0" u="none" strike="noStrike" kern="1200" cap="none" spc="0" normalizeH="0" baseline="0" noProof="0" dirty="0">
               <a:ln>
@@ -5046,7 +6519,7 @@
                 <a:tabLst/>
                 <a:defRPr/>
               </a:pPr>
-              <a:t>07/03/2020</a:t>
+              <a:t>26/05/2020</a:t>
             </a:fld>
             <a:endParaRPr kumimoji="0" lang="en-GB" sz="800" b="0" i="0" u="none" strike="noStrike" kern="1200" cap="none" spc="0" normalizeH="0" baseline="0" noProof="0" dirty="0">
               <a:ln>
@@ -5830,7 +7303,7 @@
                   <a:schemeClr val="bg1"/>
                 </a:solidFill>
               </a:rPr>
-              <a:t>Le vendredi 06 Mars 2020</a:t>
+              <a:t>Le jeudi 28 Mai 2020</a:t>
             </a:r>
           </a:p>
         </p:txBody>
@@ -5929,12 +7402,881 @@
           <a:chExt cx="0" cy="0"/>
         </a:xfrm>
       </p:grpSpPr>
-      <p:sp>
-        <p:nvSpPr>
-          <p:cNvPr id="2" name="Title 1">
+      <p:pic>
+        <p:nvPicPr>
+          <p:cNvPr id="8" name="Picture 7">
             <a:extLst>
               <a:ext uri="{FF2B5EF4-FFF2-40B4-BE49-F238E27FC236}">
-                <a16:creationId xmlns:a16="http://schemas.microsoft.com/office/drawing/2014/main" id="{87D88D25-FCA8-40C3-89E9-976E28DCB7E4}"/>
+                <a16:creationId xmlns:a16="http://schemas.microsoft.com/office/drawing/2014/main" id="{F136128D-9F73-4894-BCD3-FDE40FA6E548}"/>
+              </a:ext>
+            </a:extLst>
+          </p:cNvPr>
+          <p:cNvPicPr/>
+          <p:nvPr/>
+        </p:nvPicPr>
+        <p:blipFill>
+          <a:blip r:embed="rId3">
+            <a:extLst>
+              <a:ext uri="{28A0092B-C50C-407E-A947-70E740481C1C}">
+                <a14:useLocalDpi xmlns:a14="http://schemas.microsoft.com/office/drawing/2010/main" val="0"/>
+              </a:ext>
+            </a:extLst>
+          </a:blip>
+          <a:srcRect/>
+          <a:stretch>
+            <a:fillRect/>
+          </a:stretch>
+        </p:blipFill>
+        <p:spPr bwMode="auto">
+          <a:xfrm>
+            <a:off x="1540608" y="232555"/>
+            <a:ext cx="8946292" cy="5807907"/>
+          </a:xfrm>
+          <a:prstGeom prst="rect">
+            <a:avLst/>
+          </a:prstGeom>
+          <a:noFill/>
+          <a:ln>
+            <a:noFill/>
+          </a:ln>
+        </p:spPr>
+      </p:pic>
+    </p:spTree>
+    <p:extLst>
+      <p:ext uri="{BB962C8B-B14F-4D97-AF65-F5344CB8AC3E}">
+        <p14:creationId xmlns:p14="http://schemas.microsoft.com/office/powerpoint/2010/main" val="3557983890"/>
+      </p:ext>
+    </p:extLst>
+  </p:cSld>
+  <p:clrMapOvr>
+    <a:masterClrMapping/>
+  </p:clrMapOvr>
+</p:sld>
+</file>
+
+<file path=ppt/slides/slide11.xml><?xml version="1.0" encoding="utf-8"?>
+<p:sld xmlns:a="http://schemas.openxmlformats.org/drawingml/2006/main" xmlns:r="http://schemas.openxmlformats.org/officeDocument/2006/relationships" xmlns:p="http://schemas.openxmlformats.org/presentationml/2006/main">
+  <p:cSld>
+    <p:spTree>
+      <p:nvGrpSpPr>
+        <p:cNvPr id="1" name=""/>
+        <p:cNvGrpSpPr/>
+        <p:nvPr/>
+      </p:nvGrpSpPr>
+      <p:grpSpPr>
+        <a:xfrm>
+          <a:off x="0" y="0"/>
+          <a:ext cx="0" cy="0"/>
+          <a:chOff x="0" y="0"/>
+          <a:chExt cx="0" cy="0"/>
+        </a:xfrm>
+      </p:grpSpPr>
+      <p:sp>
+        <p:nvSpPr>
+          <p:cNvPr id="6" name="TextBox 5">
+            <a:extLst>
+              <a:ext uri="{FF2B5EF4-FFF2-40B4-BE49-F238E27FC236}">
+                <a16:creationId xmlns:a16="http://schemas.microsoft.com/office/drawing/2014/main" id="{F8CD28FE-7A78-405B-89A4-3C18B62BC5B2}"/>
+              </a:ext>
+            </a:extLst>
+          </p:cNvPr>
+          <p:cNvSpPr txBox="1"/>
+          <p:nvPr/>
+        </p:nvSpPr>
+        <p:spPr>
+          <a:xfrm>
+            <a:off x="826429" y="162315"/>
+            <a:ext cx="2749458" cy="541092"/>
+          </a:xfrm>
+          <a:prstGeom prst="rect">
+            <a:avLst/>
+          </a:prstGeom>
+          <a:noFill/>
+        </p:spPr>
+        <p:txBody>
+          <a:bodyPr wrap="square" lIns="36000" tIns="36000" rIns="36000" bIns="36000" rtlCol="0">
+            <a:noAutofit/>
+          </a:bodyPr>
+          <a:lstStyle/>
+          <a:p>
+            <a:pPr lvl="1"/>
+            <a:r>
+              <a:rPr lang="fr-FR" b="1" dirty="0"/>
+              <a:t>Problématique :</a:t>
+            </a:r>
+          </a:p>
+          <a:p>
+            <a:pPr lvl="1"/>
+            <a:endParaRPr lang="fr-FR" sz="1100" b="1" dirty="0"/>
+          </a:p>
+          <a:p>
+            <a:pPr marL="285750" indent="-285750">
+              <a:buFont typeface="Wingdings" panose="05000000000000000000" pitchFamily="2" charset="2"/>
+              <a:buChar char="ü"/>
+            </a:pPr>
+            <a:endParaRPr lang="fr-FR" sz="1600" dirty="0"/>
+          </a:p>
+          <a:p>
+            <a:r>
+              <a:rPr lang="fr-FR" sz="1600" dirty="0"/>
+              <a:t> </a:t>
+            </a:r>
+            <a:endParaRPr lang="fr-FR" dirty="0"/>
+          </a:p>
+        </p:txBody>
+      </p:sp>
+      <p:sp>
+        <p:nvSpPr>
+          <p:cNvPr id="7" name="TextBox 6">
+            <a:extLst>
+              <a:ext uri="{FF2B5EF4-FFF2-40B4-BE49-F238E27FC236}">
+                <a16:creationId xmlns:a16="http://schemas.microsoft.com/office/drawing/2014/main" id="{7854991F-80A9-4E8B-A4A7-CF2AF20E4E70}"/>
+              </a:ext>
+            </a:extLst>
+          </p:cNvPr>
+          <p:cNvSpPr txBox="1"/>
+          <p:nvPr/>
+        </p:nvSpPr>
+        <p:spPr>
+          <a:xfrm>
+            <a:off x="1480672" y="1316542"/>
+            <a:ext cx="8899003" cy="944878"/>
+          </a:xfrm>
+          <a:prstGeom prst="rect">
+            <a:avLst/>
+          </a:prstGeom>
+          <a:noFill/>
+        </p:spPr>
+        <p:txBody>
+          <a:bodyPr wrap="square" lIns="36000" tIns="36000" rIns="36000" bIns="36000" rtlCol="0">
+            <a:noAutofit/>
+          </a:bodyPr>
+          <a:lstStyle/>
+          <a:p>
+            <a:pPr marL="742950" lvl="1" indent="-285750">
+              <a:buFont typeface="Wingdings" panose="05000000000000000000" pitchFamily="2" charset="2"/>
+              <a:buChar char="ü"/>
+            </a:pPr>
+            <a:r>
+              <a:rPr lang="fr-FR" dirty="0"/>
+              <a:t>configuration minimale  =&gt; sous-estimation de la charge =&gt; un temps de réponse non satisfaisant</a:t>
+            </a:r>
+          </a:p>
+          <a:p>
+            <a:pPr marL="742950" lvl="1" indent="-285750">
+              <a:buFont typeface="Wingdings" panose="05000000000000000000" pitchFamily="2" charset="2"/>
+              <a:buChar char="ü"/>
+            </a:pPr>
+            <a:endParaRPr lang="en-US" dirty="0"/>
+          </a:p>
+          <a:p>
+            <a:pPr lvl="1"/>
+            <a:endParaRPr lang="fr-FR" sz="1100" b="1" dirty="0"/>
+          </a:p>
+          <a:p>
+            <a:pPr marL="285750" indent="-285750">
+              <a:buFont typeface="Wingdings" panose="05000000000000000000" pitchFamily="2" charset="2"/>
+              <a:buChar char="ü"/>
+            </a:pPr>
+            <a:endParaRPr lang="fr-FR" sz="1600" dirty="0"/>
+          </a:p>
+          <a:p>
+            <a:r>
+              <a:rPr lang="fr-FR" sz="1600" dirty="0"/>
+              <a:t> </a:t>
+            </a:r>
+            <a:endParaRPr lang="fr-FR" dirty="0"/>
+          </a:p>
+        </p:txBody>
+      </p:sp>
+      <p:pic>
+        <p:nvPicPr>
+          <p:cNvPr id="10" name="Picture 9">
+            <a:extLst>
+              <a:ext uri="{FF2B5EF4-FFF2-40B4-BE49-F238E27FC236}">
+                <a16:creationId xmlns:a16="http://schemas.microsoft.com/office/drawing/2014/main" id="{B054A1AB-EA7E-4701-9394-B3685DE209BB}"/>
+              </a:ext>
+            </a:extLst>
+          </p:cNvPr>
+          <p:cNvPicPr>
+            <a:picLocks noChangeAspect="1"/>
+          </p:cNvPicPr>
+          <p:nvPr/>
+        </p:nvPicPr>
+        <p:blipFill>
+          <a:blip r:embed="rId3">
+            <a:extLst>
+              <a:ext uri="{28A0092B-C50C-407E-A947-70E740481C1C}">
+                <a14:useLocalDpi xmlns:a14="http://schemas.microsoft.com/office/drawing/2010/main" val="0"/>
+              </a:ext>
+            </a:extLst>
+          </a:blip>
+          <a:stretch>
+            <a:fillRect/>
+          </a:stretch>
+        </p:blipFill>
+        <p:spPr>
+          <a:xfrm>
+            <a:off x="5181385" y="1720156"/>
+            <a:ext cx="1497576" cy="1317867"/>
+          </a:xfrm>
+          <a:prstGeom prst="rect">
+            <a:avLst/>
+          </a:prstGeom>
+        </p:spPr>
+      </p:pic>
+      <p:sp>
+        <p:nvSpPr>
+          <p:cNvPr id="11" name="TextBox 10">
+            <a:extLst>
+              <a:ext uri="{FF2B5EF4-FFF2-40B4-BE49-F238E27FC236}">
+                <a16:creationId xmlns:a16="http://schemas.microsoft.com/office/drawing/2014/main" id="{9DE85A17-1BB2-4B06-A896-8A850C930254}"/>
+              </a:ext>
+            </a:extLst>
+          </p:cNvPr>
+          <p:cNvSpPr txBox="1"/>
+          <p:nvPr/>
+        </p:nvSpPr>
+        <p:spPr>
+          <a:xfrm>
+            <a:off x="1480672" y="3038023"/>
+            <a:ext cx="8482049" cy="1327355"/>
+          </a:xfrm>
+          <a:prstGeom prst="rect">
+            <a:avLst/>
+          </a:prstGeom>
+          <a:noFill/>
+        </p:spPr>
+        <p:txBody>
+          <a:bodyPr wrap="square" lIns="36000" tIns="36000" rIns="36000" bIns="36000" rtlCol="0">
+            <a:noAutofit/>
+          </a:bodyPr>
+          <a:lstStyle/>
+          <a:p>
+            <a:pPr lvl="1"/>
+            <a:endParaRPr lang="en-US" dirty="0"/>
+          </a:p>
+          <a:p>
+            <a:pPr marL="742950" lvl="1" indent="-285750">
+              <a:buFont typeface="Wingdings" panose="05000000000000000000" pitchFamily="2" charset="2"/>
+              <a:buChar char="ü"/>
+            </a:pPr>
+            <a:r>
+              <a:rPr lang="fr-FR" dirty="0"/>
+              <a:t>Configuration très gourmande =&gt; Un coût de déploiement sur très élevé, résulte d’une configuration très gourmande en termes de ressources.</a:t>
+            </a:r>
+            <a:endParaRPr lang="en-US" dirty="0"/>
+          </a:p>
+          <a:p>
+            <a:pPr lvl="1"/>
+            <a:endParaRPr lang="fr-FR" sz="1100" b="1" dirty="0"/>
+          </a:p>
+          <a:p>
+            <a:pPr marL="285750" indent="-285750">
+              <a:buFont typeface="Wingdings" panose="05000000000000000000" pitchFamily="2" charset="2"/>
+              <a:buChar char="ü"/>
+            </a:pPr>
+            <a:endParaRPr lang="fr-FR" sz="1600" dirty="0"/>
+          </a:p>
+          <a:p>
+            <a:r>
+              <a:rPr lang="fr-FR" sz="1600" dirty="0"/>
+              <a:t> </a:t>
+            </a:r>
+            <a:endParaRPr lang="fr-FR" dirty="0"/>
+          </a:p>
+        </p:txBody>
+      </p:sp>
+      <p:pic>
+        <p:nvPicPr>
+          <p:cNvPr id="13" name="Picture 12">
+            <a:extLst>
+              <a:ext uri="{FF2B5EF4-FFF2-40B4-BE49-F238E27FC236}">
+                <a16:creationId xmlns:a16="http://schemas.microsoft.com/office/drawing/2014/main" id="{8355619B-DD96-47CA-9292-2A9FC3FB12CD}"/>
+              </a:ext>
+            </a:extLst>
+          </p:cNvPr>
+          <p:cNvPicPr>
+            <a:picLocks noChangeAspect="1"/>
+          </p:cNvPicPr>
+          <p:nvPr/>
+        </p:nvPicPr>
+        <p:blipFill>
+          <a:blip r:embed="rId4">
+            <a:extLst>
+              <a:ext uri="{28A0092B-C50C-407E-A947-70E740481C1C}">
+                <a14:useLocalDpi xmlns:a14="http://schemas.microsoft.com/office/drawing/2010/main" val="0"/>
+              </a:ext>
+            </a:extLst>
+          </a:blip>
+          <a:stretch>
+            <a:fillRect/>
+          </a:stretch>
+        </p:blipFill>
+        <p:spPr>
+          <a:xfrm>
+            <a:off x="5170487" y="3846688"/>
+            <a:ext cx="1851025" cy="1694770"/>
+          </a:xfrm>
+          <a:prstGeom prst="rect">
+            <a:avLst/>
+          </a:prstGeom>
+        </p:spPr>
+      </p:pic>
+    </p:spTree>
+    <p:extLst>
+      <p:ext uri="{BB962C8B-B14F-4D97-AF65-F5344CB8AC3E}">
+        <p14:creationId xmlns:p14="http://schemas.microsoft.com/office/powerpoint/2010/main" val="904670130"/>
+      </p:ext>
+    </p:extLst>
+  </p:cSld>
+  <p:clrMapOvr>
+    <a:masterClrMapping/>
+  </p:clrMapOvr>
+  <p:timing>
+    <p:tnLst>
+      <p:par>
+        <p:cTn id="1" dur="indefinite" restart="never" nodeType="tmRoot">
+          <p:childTnLst>
+            <p:seq concurrent="1" nextAc="seek">
+              <p:cTn id="2" dur="indefinite" nodeType="mainSeq">
+                <p:childTnLst>
+                  <p:par>
+                    <p:cTn id="3" fill="hold">
+                      <p:stCondLst>
+                        <p:cond delay="indefinite"/>
+                      </p:stCondLst>
+                      <p:childTnLst>
+                        <p:par>
+                          <p:cTn id="4" fill="hold">
+                            <p:stCondLst>
+                              <p:cond delay="0"/>
+                            </p:stCondLst>
+                            <p:childTnLst>
+                              <p:par>
+                                <p:cTn id="5" presetID="10" presetClass="entr" presetSubtype="0" fill="hold" grpId="0" nodeType="clickEffect">
+                                  <p:stCondLst>
+                                    <p:cond delay="0"/>
+                                  </p:stCondLst>
+                                  <p:childTnLst>
+                                    <p:set>
+                                      <p:cBhvr>
+                                        <p:cTn id="6" dur="1" fill="hold">
+                                          <p:stCondLst>
+                                            <p:cond delay="0"/>
+                                          </p:stCondLst>
+                                        </p:cTn>
+                                        <p:tgtEl>
+                                          <p:spTgt spid="6"/>
+                                        </p:tgtEl>
+                                        <p:attrNameLst>
+                                          <p:attrName>style.visibility</p:attrName>
+                                        </p:attrNameLst>
+                                      </p:cBhvr>
+                                      <p:to>
+                                        <p:strVal val="visible"/>
+                                      </p:to>
+                                    </p:set>
+                                    <p:animEffect transition="in" filter="fade">
+                                      <p:cBhvr>
+                                        <p:cTn id="7" dur="500"/>
+                                        <p:tgtEl>
+                                          <p:spTgt spid="6"/>
+                                        </p:tgtEl>
+                                      </p:cBhvr>
+                                    </p:animEffect>
+                                  </p:childTnLst>
+                                </p:cTn>
+                              </p:par>
+                            </p:childTnLst>
+                          </p:cTn>
+                        </p:par>
+                      </p:childTnLst>
+                    </p:cTn>
+                  </p:par>
+                  <p:par>
+                    <p:cTn id="8" fill="hold">
+                      <p:stCondLst>
+                        <p:cond delay="indefinite"/>
+                      </p:stCondLst>
+                      <p:childTnLst>
+                        <p:par>
+                          <p:cTn id="9" fill="hold">
+                            <p:stCondLst>
+                              <p:cond delay="0"/>
+                            </p:stCondLst>
+                            <p:childTnLst>
+                              <p:par>
+                                <p:cTn id="10" presetID="10" presetClass="entr" presetSubtype="0" fill="hold" grpId="0" nodeType="clickEffect">
+                                  <p:stCondLst>
+                                    <p:cond delay="0"/>
+                                  </p:stCondLst>
+                                  <p:childTnLst>
+                                    <p:set>
+                                      <p:cBhvr>
+                                        <p:cTn id="11" dur="1" fill="hold">
+                                          <p:stCondLst>
+                                            <p:cond delay="0"/>
+                                          </p:stCondLst>
+                                        </p:cTn>
+                                        <p:tgtEl>
+                                          <p:spTgt spid="7"/>
+                                        </p:tgtEl>
+                                        <p:attrNameLst>
+                                          <p:attrName>style.visibility</p:attrName>
+                                        </p:attrNameLst>
+                                      </p:cBhvr>
+                                      <p:to>
+                                        <p:strVal val="visible"/>
+                                      </p:to>
+                                    </p:set>
+                                    <p:animEffect transition="in" filter="fade">
+                                      <p:cBhvr>
+                                        <p:cTn id="12" dur="500"/>
+                                        <p:tgtEl>
+                                          <p:spTgt spid="7"/>
+                                        </p:tgtEl>
+                                      </p:cBhvr>
+                                    </p:animEffect>
+                                  </p:childTnLst>
+                                </p:cTn>
+                              </p:par>
+                            </p:childTnLst>
+                          </p:cTn>
+                        </p:par>
+                      </p:childTnLst>
+                    </p:cTn>
+                  </p:par>
+                  <p:par>
+                    <p:cTn id="13" fill="hold">
+                      <p:stCondLst>
+                        <p:cond delay="indefinite"/>
+                      </p:stCondLst>
+                      <p:childTnLst>
+                        <p:par>
+                          <p:cTn id="14" fill="hold">
+                            <p:stCondLst>
+                              <p:cond delay="0"/>
+                            </p:stCondLst>
+                            <p:childTnLst>
+                              <p:par>
+                                <p:cTn id="15" presetID="10" presetClass="entr" presetSubtype="0" fill="hold" nodeType="clickEffect">
+                                  <p:stCondLst>
+                                    <p:cond delay="0"/>
+                                  </p:stCondLst>
+                                  <p:childTnLst>
+                                    <p:set>
+                                      <p:cBhvr>
+                                        <p:cTn id="16" dur="1" fill="hold">
+                                          <p:stCondLst>
+                                            <p:cond delay="0"/>
+                                          </p:stCondLst>
+                                        </p:cTn>
+                                        <p:tgtEl>
+                                          <p:spTgt spid="10"/>
+                                        </p:tgtEl>
+                                        <p:attrNameLst>
+                                          <p:attrName>style.visibility</p:attrName>
+                                        </p:attrNameLst>
+                                      </p:cBhvr>
+                                      <p:to>
+                                        <p:strVal val="visible"/>
+                                      </p:to>
+                                    </p:set>
+                                    <p:animEffect transition="in" filter="fade">
+                                      <p:cBhvr>
+                                        <p:cTn id="17" dur="500"/>
+                                        <p:tgtEl>
+                                          <p:spTgt spid="10"/>
+                                        </p:tgtEl>
+                                      </p:cBhvr>
+                                    </p:animEffect>
+                                  </p:childTnLst>
+                                </p:cTn>
+                              </p:par>
+                            </p:childTnLst>
+                          </p:cTn>
+                        </p:par>
+                      </p:childTnLst>
+                    </p:cTn>
+                  </p:par>
+                  <p:par>
+                    <p:cTn id="18" fill="hold">
+                      <p:stCondLst>
+                        <p:cond delay="indefinite"/>
+                      </p:stCondLst>
+                      <p:childTnLst>
+                        <p:par>
+                          <p:cTn id="19" fill="hold">
+                            <p:stCondLst>
+                              <p:cond delay="0"/>
+                            </p:stCondLst>
+                            <p:childTnLst>
+                              <p:par>
+                                <p:cTn id="20" presetID="10" presetClass="entr" presetSubtype="0" fill="hold" grpId="0" nodeType="clickEffect">
+                                  <p:stCondLst>
+                                    <p:cond delay="0"/>
+                                  </p:stCondLst>
+                                  <p:childTnLst>
+                                    <p:set>
+                                      <p:cBhvr>
+                                        <p:cTn id="21" dur="1" fill="hold">
+                                          <p:stCondLst>
+                                            <p:cond delay="0"/>
+                                          </p:stCondLst>
+                                        </p:cTn>
+                                        <p:tgtEl>
+                                          <p:spTgt spid="11"/>
+                                        </p:tgtEl>
+                                        <p:attrNameLst>
+                                          <p:attrName>style.visibility</p:attrName>
+                                        </p:attrNameLst>
+                                      </p:cBhvr>
+                                      <p:to>
+                                        <p:strVal val="visible"/>
+                                      </p:to>
+                                    </p:set>
+                                    <p:animEffect transition="in" filter="fade">
+                                      <p:cBhvr>
+                                        <p:cTn id="22" dur="500"/>
+                                        <p:tgtEl>
+                                          <p:spTgt spid="11"/>
+                                        </p:tgtEl>
+                                      </p:cBhvr>
+                                    </p:animEffect>
+                                  </p:childTnLst>
+                                </p:cTn>
+                              </p:par>
+                            </p:childTnLst>
+                          </p:cTn>
+                        </p:par>
+                      </p:childTnLst>
+                    </p:cTn>
+                  </p:par>
+                  <p:par>
+                    <p:cTn id="23" fill="hold">
+                      <p:stCondLst>
+                        <p:cond delay="indefinite"/>
+                      </p:stCondLst>
+                      <p:childTnLst>
+                        <p:par>
+                          <p:cTn id="24" fill="hold">
+                            <p:stCondLst>
+                              <p:cond delay="0"/>
+                            </p:stCondLst>
+                            <p:childTnLst>
+                              <p:par>
+                                <p:cTn id="25" presetID="10" presetClass="entr" presetSubtype="0" fill="hold" nodeType="clickEffect">
+                                  <p:stCondLst>
+                                    <p:cond delay="0"/>
+                                  </p:stCondLst>
+                                  <p:childTnLst>
+                                    <p:set>
+                                      <p:cBhvr>
+                                        <p:cTn id="26" dur="1" fill="hold">
+                                          <p:stCondLst>
+                                            <p:cond delay="0"/>
+                                          </p:stCondLst>
+                                        </p:cTn>
+                                        <p:tgtEl>
+                                          <p:spTgt spid="13"/>
+                                        </p:tgtEl>
+                                        <p:attrNameLst>
+                                          <p:attrName>style.visibility</p:attrName>
+                                        </p:attrNameLst>
+                                      </p:cBhvr>
+                                      <p:to>
+                                        <p:strVal val="visible"/>
+                                      </p:to>
+                                    </p:set>
+                                    <p:animEffect transition="in" filter="fade">
+                                      <p:cBhvr>
+                                        <p:cTn id="27" dur="500"/>
+                                        <p:tgtEl>
+                                          <p:spTgt spid="13"/>
+                                        </p:tgtEl>
+                                      </p:cBhvr>
+                                    </p:animEffect>
+                                  </p:childTnLst>
+                                </p:cTn>
+                              </p:par>
+                            </p:childTnLst>
+                          </p:cTn>
+                        </p:par>
+                      </p:childTnLst>
+                    </p:cTn>
+                  </p:par>
+                </p:childTnLst>
+              </p:cTn>
+              <p:prevCondLst>
+                <p:cond evt="onPrev" delay="0">
+                  <p:tgtEl>
+                    <p:sldTgt/>
+                  </p:tgtEl>
+                </p:cond>
+              </p:prevCondLst>
+              <p:nextCondLst>
+                <p:cond evt="onNext" delay="0">
+                  <p:tgtEl>
+                    <p:sldTgt/>
+                  </p:tgtEl>
+                </p:cond>
+              </p:nextCondLst>
+            </p:seq>
+          </p:childTnLst>
+        </p:cTn>
+      </p:par>
+    </p:tnLst>
+    <p:bldLst>
+      <p:bldP spid="6" grpId="0"/>
+      <p:bldP spid="7" grpId="0"/>
+      <p:bldP spid="11" grpId="0"/>
+    </p:bldLst>
+  </p:timing>
+</p:sld>
+</file>
+
+<file path=ppt/slides/slide12.xml><?xml version="1.0" encoding="utf-8"?>
+<p:sld xmlns:a="http://schemas.openxmlformats.org/drawingml/2006/main" xmlns:r="http://schemas.openxmlformats.org/officeDocument/2006/relationships" xmlns:p="http://schemas.openxmlformats.org/presentationml/2006/main">
+  <p:cSld>
+    <p:spTree>
+      <p:nvGrpSpPr>
+        <p:cNvPr id="1" name=""/>
+        <p:cNvGrpSpPr/>
+        <p:nvPr/>
+      </p:nvGrpSpPr>
+      <p:grpSpPr>
+        <a:xfrm>
+          <a:off x="0" y="0"/>
+          <a:ext cx="0" cy="0"/>
+          <a:chOff x="0" y="0"/>
+          <a:chExt cx="0" cy="0"/>
+        </a:xfrm>
+      </p:grpSpPr>
+      <p:sp>
+        <p:nvSpPr>
+          <p:cNvPr id="6" name="TextBox 5">
+            <a:extLst>
+              <a:ext uri="{FF2B5EF4-FFF2-40B4-BE49-F238E27FC236}">
+                <a16:creationId xmlns:a16="http://schemas.microsoft.com/office/drawing/2014/main" id="{F8CD28FE-7A78-405B-89A4-3C18B62BC5B2}"/>
+              </a:ext>
+            </a:extLst>
+          </p:cNvPr>
+          <p:cNvSpPr txBox="1"/>
+          <p:nvPr/>
+        </p:nvSpPr>
+        <p:spPr>
+          <a:xfrm>
+            <a:off x="609613" y="243645"/>
+            <a:ext cx="10972774" cy="3952521"/>
+          </a:xfrm>
+          <a:prstGeom prst="rect">
+            <a:avLst/>
+          </a:prstGeom>
+          <a:noFill/>
+        </p:spPr>
+        <p:txBody>
+          <a:bodyPr wrap="square" lIns="36000" tIns="36000" rIns="36000" bIns="36000" rtlCol="0">
+            <a:noAutofit/>
+          </a:bodyPr>
+          <a:lstStyle/>
+          <a:p>
+            <a:pPr lvl="1"/>
+            <a:r>
+              <a:rPr lang="fr-FR" b="1" dirty="0"/>
+              <a:t>Objectif du projet :</a:t>
+            </a:r>
+          </a:p>
+          <a:p>
+            <a:pPr lvl="1"/>
+            <a:endParaRPr lang="fr-FR" b="1" dirty="0"/>
+          </a:p>
+          <a:p>
+            <a:pPr lvl="1"/>
+            <a:endParaRPr lang="fr-FR" b="1" dirty="0"/>
+          </a:p>
+          <a:p>
+            <a:pPr lvl="1"/>
+            <a:endParaRPr lang="fr-FR" b="1" dirty="0"/>
+          </a:p>
+          <a:p>
+            <a:pPr marL="171450" indent="-171450">
+              <a:buFont typeface="Wingdings" panose="05000000000000000000" pitchFamily="2" charset="2"/>
+              <a:buChar char="Ø"/>
+            </a:pPr>
+            <a:endParaRPr lang="fr-FR" sz="1100" b="1" dirty="0"/>
+          </a:p>
+          <a:p>
+            <a:pPr marL="285750" indent="-285750">
+              <a:buFont typeface="Wingdings" panose="05000000000000000000" pitchFamily="2" charset="2"/>
+              <a:buChar char="Ø"/>
+            </a:pPr>
+            <a:r>
+              <a:rPr lang="fr-FR" dirty="0"/>
+              <a:t>Le but du stage est la création d’un outil de simulation de charge, qui peut simuler le fonctionnement du service de </a:t>
+            </a:r>
+            <a:r>
+              <a:rPr lang="fr-FR" dirty="0" err="1"/>
+              <a:t>Scaling</a:t>
+            </a:r>
+            <a:r>
+              <a:rPr lang="fr-FR" dirty="0"/>
+              <a:t>.</a:t>
+            </a:r>
+          </a:p>
+          <a:p>
+            <a:pPr marL="285750" indent="-285750">
+              <a:buFont typeface="Wingdings" panose="05000000000000000000" pitchFamily="2" charset="2"/>
+              <a:buChar char="Ø"/>
+            </a:pPr>
+            <a:endParaRPr lang="fr-FR" dirty="0"/>
+          </a:p>
+          <a:p>
+            <a:pPr marL="285750" indent="-285750">
+              <a:buFont typeface="Wingdings" panose="05000000000000000000" pitchFamily="2" charset="2"/>
+              <a:buChar char="Ø"/>
+            </a:pPr>
+            <a:r>
+              <a:rPr lang="fr-FR" dirty="0"/>
+              <a:t> cet outil va pouvoir ressortir à partir d’une configuration donnée et une charge précise, un document qui contient les différentes facteurs de qualités(cloud </a:t>
+            </a:r>
+            <a:r>
+              <a:rPr lang="fr-FR" dirty="0" err="1"/>
+              <a:t>metrics</a:t>
+            </a:r>
+            <a:r>
+              <a:rPr lang="fr-FR" u="sng" dirty="0"/>
+              <a:t>)</a:t>
+            </a:r>
+            <a:r>
+              <a:rPr lang="fr-FR" dirty="0"/>
+              <a:t>.</a:t>
+            </a:r>
+            <a:endParaRPr lang="fr-FR" sz="1600" dirty="0"/>
+          </a:p>
+        </p:txBody>
+      </p:sp>
+    </p:spTree>
+    <p:extLst>
+      <p:ext uri="{BB962C8B-B14F-4D97-AF65-F5344CB8AC3E}">
+        <p14:creationId xmlns:p14="http://schemas.microsoft.com/office/powerpoint/2010/main" val="498341708"/>
+      </p:ext>
+    </p:extLst>
+  </p:cSld>
+  <p:clrMapOvr>
+    <a:masterClrMapping/>
+  </p:clrMapOvr>
+</p:sld>
+</file>
+
+<file path=ppt/slides/slide13.xml><?xml version="1.0" encoding="utf-8"?>
+<p:sld xmlns:a="http://schemas.openxmlformats.org/drawingml/2006/main" xmlns:r="http://schemas.openxmlformats.org/officeDocument/2006/relationships" xmlns:p="http://schemas.openxmlformats.org/presentationml/2006/main">
+  <p:cSld>
+    <p:spTree>
+      <p:nvGrpSpPr>
+        <p:cNvPr id="1" name=""/>
+        <p:cNvGrpSpPr/>
+        <p:nvPr/>
+      </p:nvGrpSpPr>
+      <p:grpSpPr>
+        <a:xfrm>
+          <a:off x="0" y="0"/>
+          <a:ext cx="0" cy="0"/>
+          <a:chOff x="0" y="0"/>
+          <a:chExt cx="0" cy="0"/>
+        </a:xfrm>
+      </p:grpSpPr>
+      <p:sp>
+        <p:nvSpPr>
+          <p:cNvPr id="6" name="TextBox 5">
+            <a:extLst>
+              <a:ext uri="{FF2B5EF4-FFF2-40B4-BE49-F238E27FC236}">
+                <a16:creationId xmlns:a16="http://schemas.microsoft.com/office/drawing/2014/main" id="{F8CD28FE-7A78-405B-89A4-3C18B62BC5B2}"/>
+              </a:ext>
+            </a:extLst>
+          </p:cNvPr>
+          <p:cNvSpPr txBox="1"/>
+          <p:nvPr/>
+        </p:nvSpPr>
+        <p:spPr>
+          <a:xfrm>
+            <a:off x="1012743" y="1295197"/>
+            <a:ext cx="9523178" cy="2041875"/>
+          </a:xfrm>
+          <a:prstGeom prst="rect">
+            <a:avLst/>
+          </a:prstGeom>
+          <a:noFill/>
+        </p:spPr>
+        <p:txBody>
+          <a:bodyPr wrap="square" lIns="36000" tIns="36000" rIns="36000" bIns="36000" rtlCol="0">
+            <a:noAutofit/>
+          </a:bodyPr>
+          <a:lstStyle/>
+          <a:p>
+            <a:pPr lvl="1"/>
+            <a:r>
+              <a:rPr lang="fr-FR" dirty="0"/>
+              <a:t>Pour évaluer la qualité d’une configuration on se trouve face à deux enjeux principaux : </a:t>
+            </a:r>
+          </a:p>
+          <a:p>
+            <a:pPr lvl="1"/>
+            <a:endParaRPr lang="fr-FR" b="1" dirty="0"/>
+          </a:p>
+          <a:p>
+            <a:pPr lvl="1"/>
+            <a:endParaRPr lang="fr-FR" sz="1100" b="1" dirty="0"/>
+          </a:p>
+          <a:p>
+            <a:pPr marL="1657350" lvl="3" indent="-285750">
+              <a:buFont typeface="Wingdings" panose="05000000000000000000" pitchFamily="2" charset="2"/>
+              <a:buChar char="ü"/>
+            </a:pPr>
+            <a:r>
+              <a:rPr lang="fr-FR" dirty="0"/>
+              <a:t>Réduire le coût en termes de ressources matérielles.</a:t>
+            </a:r>
+          </a:p>
+          <a:p>
+            <a:pPr marL="1657350" lvl="3" indent="-285750">
+              <a:buFont typeface="Wingdings" panose="05000000000000000000" pitchFamily="2" charset="2"/>
+              <a:buChar char="ü"/>
+            </a:pPr>
+            <a:endParaRPr lang="fr-FR" dirty="0"/>
+          </a:p>
+          <a:p>
+            <a:pPr marL="1657350" lvl="3" indent="-285750">
+              <a:buFont typeface="Wingdings" panose="05000000000000000000" pitchFamily="2" charset="2"/>
+              <a:buChar char="ü"/>
+            </a:pPr>
+            <a:r>
+              <a:rPr lang="fr-FR" dirty="0"/>
+              <a:t>Minimiser le temps d’attente d’un client</a:t>
+            </a:r>
+          </a:p>
+          <a:p>
+            <a:pPr marL="1657350" lvl="3" indent="-285750">
+              <a:buFont typeface="Wingdings" panose="05000000000000000000" pitchFamily="2" charset="2"/>
+              <a:buChar char="ü"/>
+            </a:pPr>
+            <a:endParaRPr lang="fr-FR" dirty="0"/>
+          </a:p>
+          <a:p>
+            <a:pPr marL="1657350" lvl="3" indent="-285750">
+              <a:buFont typeface="Wingdings" panose="05000000000000000000" pitchFamily="2" charset="2"/>
+              <a:buChar char="ü"/>
+            </a:pPr>
+            <a:endParaRPr lang="fr-FR" sz="1600" dirty="0"/>
+          </a:p>
+        </p:txBody>
+      </p:sp>
+      <p:sp>
+        <p:nvSpPr>
+          <p:cNvPr id="5" name="Title 4">
+            <a:extLst>
+              <a:ext uri="{FF2B5EF4-FFF2-40B4-BE49-F238E27FC236}">
+                <a16:creationId xmlns:a16="http://schemas.microsoft.com/office/drawing/2014/main" id="{168A35A9-86FE-4383-BECF-076425D36E27}"/>
               </a:ext>
             </a:extLst>
           </p:cNvPr>
@@ -5947,183 +8289,58 @@
         </p:nvSpPr>
         <p:spPr>
           <a:xfrm>
-            <a:off x="529196" y="403762"/>
-            <a:ext cx="10706099" cy="895650"/>
+            <a:off x="320759" y="477647"/>
+            <a:ext cx="4129322" cy="446913"/>
           </a:xfrm>
         </p:spPr>
         <p:txBody>
           <a:bodyPr/>
           <a:lstStyle/>
           <a:p>
-            <a:pPr algn="l"/>
-            <a:r>
-              <a:rPr lang="fr-FR" dirty="0">
-                <a:solidFill>
-                  <a:srgbClr val="C00000"/>
-                </a:solidFill>
-              </a:rPr>
-              <a:t>Présentation du projet</a:t>
-            </a:r>
-          </a:p>
-        </p:txBody>
-      </p:sp>
-      <p:sp>
-        <p:nvSpPr>
-          <p:cNvPr id="6" name="TextBox 5">
+            <a:r>
+              <a:rPr lang="fr-FR" sz="1800" b="1" dirty="0"/>
+              <a:t>Enjeux du projet :</a:t>
+            </a:r>
+            <a:endParaRPr lang="fr-FR" sz="1800" dirty="0"/>
+          </a:p>
+        </p:txBody>
+      </p:sp>
+      <p:pic>
+        <p:nvPicPr>
+          <p:cNvPr id="8" name="Picture 7">
             <a:extLst>
               <a:ext uri="{FF2B5EF4-FFF2-40B4-BE49-F238E27FC236}">
-                <a16:creationId xmlns:a16="http://schemas.microsoft.com/office/drawing/2014/main" id="{F8CD28FE-7A78-405B-89A4-3C18B62BC5B2}"/>
+                <a16:creationId xmlns:a16="http://schemas.microsoft.com/office/drawing/2014/main" id="{6F765241-EE45-4E51-9B31-16ED9DDB1FF6}"/>
               </a:ext>
             </a:extLst>
           </p:cNvPr>
-          <p:cNvSpPr txBox="1"/>
+          <p:cNvPicPr>
+            <a:picLocks noChangeAspect="1"/>
+          </p:cNvPicPr>
           <p:nvPr/>
-        </p:nvSpPr>
+        </p:nvPicPr>
+        <p:blipFill>
+          <a:blip r:embed="rId2">
+            <a:extLst>
+              <a:ext uri="{28A0092B-C50C-407E-A947-70E740481C1C}">
+                <a14:useLocalDpi xmlns:a14="http://schemas.microsoft.com/office/drawing/2010/main" val="0"/>
+              </a:ext>
+            </a:extLst>
+          </a:blip>
+          <a:stretch>
+            <a:fillRect/>
+          </a:stretch>
+        </p:blipFill>
         <p:spPr>
           <a:xfrm>
-            <a:off x="1012742" y="2168957"/>
-            <a:ext cx="10166515" cy="3255097"/>
+            <a:off x="3789680" y="3337072"/>
+            <a:ext cx="3924118" cy="2637007"/>
           </a:xfrm>
           <a:prstGeom prst="rect">
             <a:avLst/>
           </a:prstGeom>
-          <a:noFill/>
-        </p:spPr>
-        <p:txBody>
-          <a:bodyPr wrap="square" lIns="36000" tIns="36000" rIns="36000" bIns="36000" rtlCol="0">
-            <a:noAutofit/>
-          </a:bodyPr>
-          <a:lstStyle/>
-          <a:p>
-            <a:pPr lvl="1"/>
-            <a:r>
-              <a:rPr lang="fr-FR" b="1" dirty="0"/>
-              <a:t>4. Enjeux du projet : </a:t>
-            </a:r>
-          </a:p>
-          <a:p>
-            <a:pPr lvl="1"/>
-            <a:endParaRPr lang="fr-FR" b="1" dirty="0"/>
-          </a:p>
-          <a:p>
-            <a:r>
-              <a:rPr lang="fr-FR" dirty="0"/>
-              <a:t>Proposer des configuration optimales présente plusieurs enjeux :</a:t>
-            </a:r>
-          </a:p>
-          <a:p>
-            <a:pPr lvl="1"/>
-            <a:endParaRPr lang="fr-FR" sz="1100" b="1" dirty="0"/>
-          </a:p>
-          <a:p>
-            <a:pPr marL="1657350" lvl="3" indent="-285750">
-              <a:buFont typeface="Wingdings" panose="05000000000000000000" pitchFamily="2" charset="2"/>
-              <a:buChar char="ü"/>
-            </a:pPr>
-            <a:r>
-              <a:rPr lang="fr-FR" b="1" dirty="0"/>
-              <a:t>Réduire le coût en termes de ressources matérielles </a:t>
-            </a:r>
-            <a:r>
-              <a:rPr lang="fr-FR" dirty="0"/>
-              <a:t>: Donner une configuration adéquate permet de réduire le nombre de machine alloués mais qui sont en </a:t>
-            </a:r>
-            <a:r>
-              <a:rPr lang="fr-FR" b="1" u="sng" dirty="0"/>
-              <a:t>état d’attente</a:t>
-            </a:r>
-            <a:r>
-              <a:rPr lang="fr-FR" dirty="0"/>
-              <a:t> , et par conséquence réduire le coût.</a:t>
-            </a:r>
-          </a:p>
-          <a:p>
-            <a:pPr marL="1657350" lvl="3" indent="-285750">
-              <a:buFont typeface="Wingdings" panose="05000000000000000000" pitchFamily="2" charset="2"/>
-              <a:buChar char="ü"/>
-            </a:pPr>
-            <a:endParaRPr lang="fr-FR" dirty="0"/>
-          </a:p>
-          <a:p>
-            <a:pPr marL="1657350" lvl="3" indent="-285750">
-              <a:buFont typeface="Wingdings" panose="05000000000000000000" pitchFamily="2" charset="2"/>
-              <a:buChar char="ü"/>
-            </a:pPr>
-            <a:r>
-              <a:rPr lang="fr-FR" b="1" dirty="0"/>
-              <a:t>Minimiser le temps d’attente d’un client </a:t>
-            </a:r>
-            <a:r>
-              <a:rPr lang="fr-FR" dirty="0"/>
-              <a:t>: ca revient à avoir un nombre de machines alloués sur le cloud assez suffisant capable de supporter  la charge des requêtes clientes dans les périodes les plus actives en terme de transactions.</a:t>
-            </a:r>
-          </a:p>
-          <a:p>
-            <a:pPr marL="1657350" lvl="3" indent="-285750">
-              <a:buFont typeface="Wingdings" panose="05000000000000000000" pitchFamily="2" charset="2"/>
-              <a:buChar char="ü"/>
-            </a:pPr>
-            <a:endParaRPr lang="fr-FR" dirty="0"/>
-          </a:p>
-          <a:p>
-            <a:pPr marL="1657350" lvl="3" indent="-285750">
-              <a:buFont typeface="Wingdings" panose="05000000000000000000" pitchFamily="2" charset="2"/>
-              <a:buChar char="ü"/>
-            </a:pPr>
-            <a:endParaRPr lang="fr-FR" dirty="0"/>
-          </a:p>
-          <a:p>
-            <a:pPr marL="1657350" lvl="3" indent="-285750">
-              <a:buFont typeface="Wingdings" panose="05000000000000000000" pitchFamily="2" charset="2"/>
-              <a:buChar char="ü"/>
-            </a:pPr>
-            <a:endParaRPr lang="fr-FR" sz="1600" dirty="0"/>
-          </a:p>
-        </p:txBody>
-      </p:sp>
-      <p:cxnSp>
-        <p:nvCxnSpPr>
-          <p:cNvPr id="4" name="Straight Connector 3">
-            <a:extLst>
-              <a:ext uri="{FF2B5EF4-FFF2-40B4-BE49-F238E27FC236}">
-                <a16:creationId xmlns:a16="http://schemas.microsoft.com/office/drawing/2014/main" id="{BCD0B3A8-37C0-4C58-9DE1-22943A02578E}"/>
-              </a:ext>
-            </a:extLst>
-          </p:cNvPr>
-          <p:cNvCxnSpPr>
-            <a:cxnSpLocks/>
-          </p:cNvCxnSpPr>
-          <p:nvPr/>
-        </p:nvCxnSpPr>
-        <p:spPr>
-          <a:xfrm>
-            <a:off x="467205" y="1410343"/>
-            <a:ext cx="10706098" cy="0"/>
-          </a:xfrm>
-          <a:prstGeom prst="line">
-            <a:avLst/>
-          </a:prstGeom>
-          <a:ln w="44450">
-            <a:solidFill>
-              <a:srgbClr val="C00000"/>
-            </a:solidFill>
-          </a:ln>
-        </p:spPr>
-        <p:style>
-          <a:lnRef idx="1">
-            <a:schemeClr val="accent1"/>
-          </a:lnRef>
-          <a:fillRef idx="0">
-            <a:schemeClr val="accent1"/>
-          </a:fillRef>
-          <a:effectRef idx="0">
-            <a:schemeClr val="accent1"/>
-          </a:effectRef>
-          <a:fontRef idx="minor">
-            <a:schemeClr val="tx1"/>
-          </a:fontRef>
-        </p:style>
-      </p:cxnSp>
+        </p:spPr>
+      </p:pic>
     </p:spTree>
     <p:extLst>
       <p:ext uri="{BB962C8B-B14F-4D97-AF65-F5344CB8AC3E}">
@@ -6137,7 +8354,7 @@
 </p:sld>
 </file>
 
-<file path=ppt/slides/slide11.xml><?xml version="1.0" encoding="utf-8"?>
+<file path=ppt/slides/slide14.xml><?xml version="1.0" encoding="utf-8"?>
 <p:sld xmlns:a="http://schemas.openxmlformats.org/drawingml/2006/main" xmlns:r="http://schemas.openxmlformats.org/officeDocument/2006/relationships" xmlns:p="http://schemas.openxmlformats.org/presentationml/2006/main">
   <p:cSld>
     <p:spTree>
@@ -6392,7 +8609,7 @@
 </p:sld>
 </file>
 
-<file path=ppt/slides/slide12.xml><?xml version="1.0" encoding="utf-8"?>
+<file path=ppt/slides/slide15.xml><?xml version="1.0" encoding="utf-8"?>
 <p:sld xmlns:a="http://schemas.openxmlformats.org/drawingml/2006/main" xmlns:r="http://schemas.openxmlformats.org/officeDocument/2006/relationships" xmlns:p="http://schemas.openxmlformats.org/presentationml/2006/main">
   <p:cSld>
     <p:spTree>
@@ -6411,10 +8628,10 @@
       </p:grpSpPr>
       <p:sp>
         <p:nvSpPr>
-          <p:cNvPr id="2" name="Title 1">
+          <p:cNvPr id="5" name="Title 4">
             <a:extLst>
               <a:ext uri="{FF2B5EF4-FFF2-40B4-BE49-F238E27FC236}">
-                <a16:creationId xmlns:a16="http://schemas.microsoft.com/office/drawing/2014/main" id="{87D88D25-FCA8-40C3-89E9-976E28DCB7E4}"/>
+                <a16:creationId xmlns:a16="http://schemas.microsoft.com/office/drawing/2014/main" id="{C0FD7A90-C52D-474F-8D28-918F91326E1A}"/>
               </a:ext>
             </a:extLst>
           </p:cNvPr>
@@ -6425,190 +8642,22 @@
             <p:ph type="ctrTitle"/>
           </p:nvPr>
         </p:nvSpPr>
-        <p:spPr>
-          <a:xfrm>
-            <a:off x="529197" y="233280"/>
-            <a:ext cx="10706099" cy="895650"/>
-          </a:xfrm>
-        </p:spPr>
+        <p:spPr/>
         <p:txBody>
           <a:bodyPr/>
           <a:lstStyle/>
           <a:p>
-            <a:pPr algn="l"/>
-            <a:r>
-              <a:rPr lang="fr-FR" dirty="0">
-                <a:solidFill>
-                  <a:srgbClr val="C00000"/>
-                </a:solidFill>
-              </a:rPr>
-              <a:t>Gestion du projet</a:t>
-            </a:r>
-          </a:p>
-        </p:txBody>
-      </p:sp>
-      <p:sp>
-        <p:nvSpPr>
-          <p:cNvPr id="6" name="TextBox 5">
-            <a:extLst>
-              <a:ext uri="{FF2B5EF4-FFF2-40B4-BE49-F238E27FC236}">
-                <a16:creationId xmlns:a16="http://schemas.microsoft.com/office/drawing/2014/main" id="{F8CD28FE-7A78-405B-89A4-3C18B62BC5B2}"/>
-              </a:ext>
-            </a:extLst>
-          </p:cNvPr>
-          <p:cNvSpPr txBox="1"/>
-          <p:nvPr/>
-        </p:nvSpPr>
-        <p:spPr>
-          <a:xfrm>
-            <a:off x="529197" y="1503426"/>
-            <a:ext cx="10706098" cy="4521529"/>
-          </a:xfrm>
-          <a:prstGeom prst="rect">
-            <a:avLst/>
-          </a:prstGeom>
-          <a:noFill/>
-        </p:spPr>
-        <p:txBody>
-          <a:bodyPr wrap="square" lIns="36000" tIns="36000" rIns="36000" bIns="36000" rtlCol="0">
-            <a:noAutofit/>
-          </a:bodyPr>
-          <a:lstStyle/>
-          <a:p>
-            <a:pPr lvl="1"/>
-            <a:r>
-              <a:rPr lang="fr-FR" b="1" dirty="0"/>
-              <a:t>2.  Application de la méthode XP dans le projet : </a:t>
-            </a:r>
-          </a:p>
-          <a:p>
-            <a:pPr lvl="1"/>
-            <a:endParaRPr lang="fr-FR" dirty="0"/>
-          </a:p>
-          <a:p>
             <a:r>
               <a:rPr lang="fr-FR" dirty="0"/>
-              <a:t>La caractérisation de la méthode XP dans ce projet a été faite en suivant les pratiques telles</a:t>
-            </a:r>
-          </a:p>
-          <a:p>
-            <a:r>
-              <a:rPr lang="fr-FR" dirty="0"/>
-              <a:t>que :</a:t>
-            </a:r>
-          </a:p>
-          <a:p>
-            <a:pPr marL="742950" lvl="1" indent="-285750">
-              <a:buFont typeface="Wingdings" panose="05000000000000000000" pitchFamily="2" charset="2"/>
-              <a:buChar char="ü"/>
-            </a:pPr>
-            <a:r>
-              <a:rPr lang="fr-FR" b="1" dirty="0"/>
-              <a:t>La revue du code </a:t>
-            </a:r>
-            <a:r>
-              <a:rPr lang="fr-FR" dirty="0"/>
-              <a:t>: pour chaque partie développée, une revue du code est prévue afin de valider l’incrément, et l’intégrer dans le répertoire distant. Cette revue a pour but d’assurer que le code respecte toutes les règles de qualité et les bonnes pratiques (YAGNI, KISS, DRY, SOLID…) imposées par l’équipe.</a:t>
-            </a:r>
-          </a:p>
-          <a:p>
-            <a:pPr lvl="1"/>
-            <a:endParaRPr lang="fr-FR" dirty="0"/>
-          </a:p>
-          <a:p>
-            <a:pPr marL="742950" lvl="1" indent="-285750">
-              <a:buFont typeface="Wingdings" panose="05000000000000000000" pitchFamily="2" charset="2"/>
-              <a:buChar char="ü"/>
-            </a:pPr>
-            <a:r>
-              <a:rPr lang="fr-FR" b="1" dirty="0"/>
-              <a:t>Les tests unitaires </a:t>
-            </a:r>
-            <a:r>
-              <a:rPr lang="fr-FR" dirty="0"/>
-              <a:t>: Les tests unitaires de chaque fonctionnalité et une couverture du code à 100% sont exigés par l’équipe.</a:t>
-            </a:r>
-          </a:p>
-          <a:p>
-            <a:pPr lvl="1"/>
-            <a:endParaRPr lang="fr-FR" dirty="0"/>
-          </a:p>
-          <a:p>
-            <a:pPr marL="742950" lvl="1" indent="-285750">
-              <a:buFont typeface="Wingdings" panose="05000000000000000000" pitchFamily="2" charset="2"/>
-              <a:buChar char="ü"/>
-            </a:pPr>
-            <a:r>
-              <a:rPr lang="fr-FR" b="1" dirty="0"/>
-              <a:t>Le </a:t>
-            </a:r>
-            <a:r>
-              <a:rPr lang="fr-FR" b="1" i="1" dirty="0" err="1"/>
-              <a:t>refactoring</a:t>
-            </a:r>
-            <a:r>
-              <a:rPr lang="fr-FR" b="1" i="1" dirty="0"/>
-              <a:t> </a:t>
-            </a:r>
-            <a:r>
-              <a:rPr lang="fr-FR" b="1" dirty="0"/>
-              <a:t>du code </a:t>
-            </a:r>
-            <a:r>
-              <a:rPr lang="fr-FR" dirty="0"/>
-              <a:t>: Consiste à modifier le code source de façon à en améliorer la structure, sans que cela modifie son comportement fonctionnel.</a:t>
-            </a:r>
-            <a:endParaRPr lang="fr-FR" sz="2400" dirty="0"/>
-          </a:p>
-        </p:txBody>
-      </p:sp>
-      <p:cxnSp>
-        <p:nvCxnSpPr>
-          <p:cNvPr id="4" name="Straight Connector 3">
-            <a:extLst>
-              <a:ext uri="{FF2B5EF4-FFF2-40B4-BE49-F238E27FC236}">
-                <a16:creationId xmlns:a16="http://schemas.microsoft.com/office/drawing/2014/main" id="{8DCE96FF-271B-4E6C-A799-F7752E8F8F6E}"/>
-              </a:ext>
-            </a:extLst>
-          </p:cNvPr>
-          <p:cNvCxnSpPr>
-            <a:cxnSpLocks/>
-          </p:cNvCxnSpPr>
-          <p:nvPr/>
-        </p:nvCxnSpPr>
-        <p:spPr>
-          <a:xfrm>
-            <a:off x="529197" y="1286359"/>
-            <a:ext cx="10706098" cy="0"/>
-          </a:xfrm>
-          <a:prstGeom prst="line">
-            <a:avLst/>
-          </a:prstGeom>
-          <a:ln w="44450">
-            <a:solidFill>
-              <a:srgbClr val="C00000"/>
-            </a:solidFill>
-          </a:ln>
-        </p:spPr>
-        <p:style>
-          <a:lnRef idx="1">
-            <a:schemeClr val="accent1"/>
-          </a:lnRef>
-          <a:fillRef idx="0">
-            <a:schemeClr val="accent1"/>
-          </a:fillRef>
-          <a:effectRef idx="0">
-            <a:schemeClr val="accent1"/>
-          </a:effectRef>
-          <a:fontRef idx="minor">
-            <a:schemeClr val="tx1"/>
-          </a:fontRef>
-        </p:style>
-      </p:cxnSp>
+              <a:t>Gantt diagramme</a:t>
+            </a:r>
+          </a:p>
+        </p:txBody>
+      </p:sp>
     </p:spTree>
     <p:extLst>
       <p:ext uri="{BB962C8B-B14F-4D97-AF65-F5344CB8AC3E}">
-        <p14:creationId xmlns:p14="http://schemas.microsoft.com/office/powerpoint/2010/main" val="2257594285"/>
+        <p14:creationId xmlns:p14="http://schemas.microsoft.com/office/powerpoint/2010/main" val="1602821752"/>
       </p:ext>
     </p:extLst>
   </p:cSld>
@@ -6618,7 +8667,7 @@
 </p:sld>
 </file>
 
-<file path=ppt/slides/slide13.xml><?xml version="1.0" encoding="utf-8"?>
+<file path=ppt/slides/slide16.xml><?xml version="1.0" encoding="utf-8"?>
 <p:sld xmlns:a="http://schemas.openxmlformats.org/drawingml/2006/main" xmlns:r="http://schemas.openxmlformats.org/officeDocument/2006/relationships" xmlns:p="http://schemas.openxmlformats.org/presentationml/2006/main">
   <p:cSld>
     <p:spTree>
@@ -6637,10 +8686,10 @@
       </p:grpSpPr>
       <p:sp>
         <p:nvSpPr>
-          <p:cNvPr id="2" name="Title 1">
+          <p:cNvPr id="5" name="Title 4">
             <a:extLst>
               <a:ext uri="{FF2B5EF4-FFF2-40B4-BE49-F238E27FC236}">
-                <a16:creationId xmlns:a16="http://schemas.microsoft.com/office/drawing/2014/main" id="{87D88D25-FCA8-40C3-89E9-976E28DCB7E4}"/>
+                <a16:creationId xmlns:a16="http://schemas.microsoft.com/office/drawing/2014/main" id="{C0FD7A90-C52D-474F-8D28-918F91326E1A}"/>
               </a:ext>
             </a:extLst>
           </p:cNvPr>
@@ -6653,195 +8702,64 @@
         </p:nvSpPr>
         <p:spPr>
           <a:xfrm>
-            <a:off x="529196" y="403762"/>
-            <a:ext cx="10706099" cy="895650"/>
+            <a:off x="143511" y="223647"/>
+            <a:ext cx="4591049" cy="426593"/>
           </a:xfrm>
         </p:spPr>
         <p:txBody>
           <a:bodyPr/>
           <a:lstStyle/>
           <a:p>
-            <a:pPr algn="l"/>
-            <a:r>
-              <a:rPr lang="fr-FR">
-                <a:solidFill>
-                  <a:srgbClr val="C00000"/>
-                </a:solidFill>
-              </a:rPr>
-              <a:t>Spécification du projet </a:t>
-            </a:r>
-            <a:endParaRPr lang="fr-FR" dirty="0">
-              <a:solidFill>
-                <a:srgbClr val="C00000"/>
-              </a:solidFill>
-            </a:endParaRPr>
-          </a:p>
-        </p:txBody>
-      </p:sp>
-      <p:sp>
-        <p:nvSpPr>
-          <p:cNvPr id="6" name="TextBox 5">
+            <a:r>
+              <a:rPr lang="fr-FR" sz="1600" b="1" dirty="0"/>
+              <a:t>Etude de l’existant</a:t>
+            </a:r>
+          </a:p>
+        </p:txBody>
+      </p:sp>
+      <p:pic>
+        <p:nvPicPr>
+          <p:cNvPr id="4" name="Picture 3">
             <a:extLst>
               <a:ext uri="{FF2B5EF4-FFF2-40B4-BE49-F238E27FC236}">
-                <a16:creationId xmlns:a16="http://schemas.microsoft.com/office/drawing/2014/main" id="{F8CD28FE-7A78-405B-89A4-3C18B62BC5B2}"/>
+                <a16:creationId xmlns:a16="http://schemas.microsoft.com/office/drawing/2014/main" id="{4102DB35-A9CF-40A1-81F8-34952CF6737B}"/>
               </a:ext>
             </a:extLst>
           </p:cNvPr>
-          <p:cNvSpPr txBox="1"/>
+          <p:cNvPicPr/>
           <p:nvPr/>
-        </p:nvSpPr>
-        <p:spPr>
+        </p:nvPicPr>
+        <p:blipFill>
+          <a:blip r:embed="rId2">
+            <a:extLst>
+              <a:ext uri="{28A0092B-C50C-407E-A947-70E740481C1C}">
+                <a14:useLocalDpi xmlns:a14="http://schemas.microsoft.com/office/drawing/2010/main" val="0"/>
+              </a:ext>
+            </a:extLst>
+          </a:blip>
+          <a:srcRect/>
+          <a:stretch>
+            <a:fillRect/>
+          </a:stretch>
+        </p:blipFill>
+        <p:spPr bwMode="auto">
           <a:xfrm>
-            <a:off x="529196" y="1503426"/>
-            <a:ext cx="10523815" cy="4521529"/>
+            <a:off x="1361440" y="934720"/>
+            <a:ext cx="10139680" cy="4572001"/>
           </a:xfrm>
           <a:prstGeom prst="rect">
             <a:avLst/>
           </a:prstGeom>
           <a:noFill/>
-        </p:spPr>
-        <p:txBody>
-          <a:bodyPr wrap="square" lIns="36000" tIns="36000" rIns="36000" bIns="36000" rtlCol="0">
-            <a:noAutofit/>
-          </a:bodyPr>
-          <a:lstStyle/>
-          <a:p>
-            <a:pPr marL="800100" lvl="1" indent="-342900">
-              <a:buAutoNum type="arabicPeriod"/>
-            </a:pPr>
-            <a:r>
-              <a:rPr lang="fr-FR" b="1" dirty="0"/>
-              <a:t>Spécification fonctionnelles:</a:t>
-            </a:r>
-          </a:p>
-          <a:p>
-            <a:pPr lvl="1"/>
-            <a:endParaRPr lang="fr-FR" b="1" dirty="0"/>
-          </a:p>
-          <a:p>
-            <a:r>
-              <a:rPr lang="fr-FR" dirty="0"/>
-              <a:t>Il s’agit ici des principales fonctionnalités pouvant se décliner ou entraîner des sous</a:t>
-            </a:r>
-          </a:p>
-          <a:p>
-            <a:r>
-              <a:rPr lang="fr-FR" dirty="0"/>
-              <a:t>fonctionnalités :</a:t>
-            </a:r>
-          </a:p>
-          <a:p>
-            <a:endParaRPr lang="fr-FR" dirty="0"/>
-          </a:p>
-          <a:p>
-            <a:pPr marL="742950" lvl="1" indent="-285750">
-              <a:buFont typeface="Wingdings" panose="05000000000000000000" pitchFamily="2" charset="2"/>
-              <a:buChar char="ü"/>
-            </a:pPr>
-            <a:r>
-              <a:rPr lang="fr-FR" dirty="0"/>
-              <a:t>L’outil doit pouvoir ressortir en premier lieu à partir d’une configuration à une charge données, l’état des </a:t>
-            </a:r>
-            <a:r>
-              <a:rPr lang="fr-FR" dirty="0" err="1"/>
-              <a:t>workers</a:t>
-            </a:r>
-            <a:r>
-              <a:rPr lang="fr-FR" dirty="0"/>
-              <a:t> au cours de la simulation ( temps d’attente , temps d’activité ).</a:t>
-            </a:r>
-          </a:p>
-          <a:p>
-            <a:pPr lvl="1"/>
-            <a:endParaRPr lang="fr-FR" dirty="0"/>
-          </a:p>
-          <a:p>
-            <a:pPr marL="742950" lvl="1" indent="-285750">
-              <a:buFont typeface="Wingdings" panose="05000000000000000000" pitchFamily="2" charset="2"/>
-              <a:buChar char="ü"/>
-            </a:pPr>
-            <a:r>
-              <a:rPr lang="fr-FR" dirty="0"/>
-              <a:t> L’outil doit pouvoir ressortir les facteurs de qualité relative à une configuration donné avec une charge précise.</a:t>
-            </a:r>
-          </a:p>
-          <a:p>
-            <a:pPr lvl="1"/>
-            <a:endParaRPr lang="fr-FR" dirty="0"/>
-          </a:p>
-          <a:p>
-            <a:pPr marL="742950" lvl="1" indent="-285750">
-              <a:buFont typeface="Wingdings" panose="05000000000000000000" pitchFamily="2" charset="2"/>
-              <a:buChar char="ü"/>
-            </a:pPr>
-            <a:r>
-              <a:rPr lang="fr-FR" dirty="0"/>
-              <a:t>L’outil doit pouvoir comparé deux configurations différentes relativement à une charge précise.</a:t>
-            </a:r>
-          </a:p>
-          <a:p>
-            <a:pPr lvl="1"/>
-            <a:endParaRPr lang="fr-FR" dirty="0"/>
-          </a:p>
-          <a:p>
-            <a:pPr marL="742950" lvl="1" indent="-285750">
-              <a:buFont typeface="Wingdings" panose="05000000000000000000" pitchFamily="2" charset="2"/>
-              <a:buChar char="ü"/>
-            </a:pPr>
-            <a:r>
-              <a:rPr lang="fr-FR" dirty="0"/>
-              <a:t>Si les spécifications citées sont tous réalisés, on peut améliorer la solution pour qu’elle puisse proposer des configurations optimales relative à une charge précise.</a:t>
-            </a:r>
-          </a:p>
-        </p:txBody>
-      </p:sp>
-      <p:cxnSp>
-        <p:nvCxnSpPr>
-          <p:cNvPr id="4" name="Straight Connector 3">
-            <a:extLst>
-              <a:ext uri="{FF2B5EF4-FFF2-40B4-BE49-F238E27FC236}">
-                <a16:creationId xmlns:a16="http://schemas.microsoft.com/office/drawing/2014/main" id="{80D70AF5-2531-4233-8299-231FE4049B9B}"/>
-              </a:ext>
-            </a:extLst>
-          </p:cNvPr>
-          <p:cNvCxnSpPr>
-            <a:cxnSpLocks/>
-          </p:cNvCxnSpPr>
-          <p:nvPr/>
-        </p:nvCxnSpPr>
-        <p:spPr>
-          <a:xfrm>
-            <a:off x="451707" y="1348351"/>
-            <a:ext cx="10706098" cy="0"/>
-          </a:xfrm>
-          <a:prstGeom prst="line">
-            <a:avLst/>
-          </a:prstGeom>
-          <a:ln w="44450">
-            <a:solidFill>
-              <a:srgbClr val="C00000"/>
-            </a:solidFill>
+          <a:ln>
+            <a:noFill/>
           </a:ln>
         </p:spPr>
-        <p:style>
-          <a:lnRef idx="1">
-            <a:schemeClr val="accent1"/>
-          </a:lnRef>
-          <a:fillRef idx="0">
-            <a:schemeClr val="accent1"/>
-          </a:fillRef>
-          <a:effectRef idx="0">
-            <a:schemeClr val="accent1"/>
-          </a:effectRef>
-          <a:fontRef idx="minor">
-            <a:schemeClr val="tx1"/>
-          </a:fontRef>
-        </p:style>
-      </p:cxnSp>
+      </p:pic>
     </p:spTree>
     <p:extLst>
       <p:ext uri="{BB962C8B-B14F-4D97-AF65-F5344CB8AC3E}">
-        <p14:creationId xmlns:p14="http://schemas.microsoft.com/office/powerpoint/2010/main" val="1602821752"/>
+        <p14:creationId xmlns:p14="http://schemas.microsoft.com/office/powerpoint/2010/main" val="1642767173"/>
       </p:ext>
     </p:extLst>
   </p:cSld>
@@ -6851,7 +8769,109 @@
 </p:sld>
 </file>
 
-<file path=ppt/slides/slide14.xml><?xml version="1.0" encoding="utf-8"?>
+<file path=ppt/slides/slide17.xml><?xml version="1.0" encoding="utf-8"?>
+<p:sld xmlns:a="http://schemas.openxmlformats.org/drawingml/2006/main" xmlns:r="http://schemas.openxmlformats.org/officeDocument/2006/relationships" xmlns:p="http://schemas.openxmlformats.org/presentationml/2006/main">
+  <p:cSld>
+    <p:spTree>
+      <p:nvGrpSpPr>
+        <p:cNvPr id="1" name=""/>
+        <p:cNvGrpSpPr/>
+        <p:nvPr/>
+      </p:nvGrpSpPr>
+      <p:grpSpPr>
+        <a:xfrm>
+          <a:off x="0" y="0"/>
+          <a:ext cx="0" cy="0"/>
+          <a:chOff x="0" y="0"/>
+          <a:chExt cx="0" cy="0"/>
+        </a:xfrm>
+      </p:grpSpPr>
+      <p:sp>
+        <p:nvSpPr>
+          <p:cNvPr id="5" name="Title 4">
+            <a:extLst>
+              <a:ext uri="{FF2B5EF4-FFF2-40B4-BE49-F238E27FC236}">
+                <a16:creationId xmlns:a16="http://schemas.microsoft.com/office/drawing/2014/main" id="{C0FD7A90-C52D-474F-8D28-918F91326E1A}"/>
+              </a:ext>
+            </a:extLst>
+          </p:cNvPr>
+          <p:cNvSpPr>
+            <a:spLocks noGrp="1"/>
+          </p:cNvSpPr>
+          <p:nvPr>
+            <p:ph type="ctrTitle"/>
+          </p:nvPr>
+        </p:nvSpPr>
+        <p:spPr>
+          <a:xfrm>
+            <a:off x="143511" y="223647"/>
+            <a:ext cx="4591049" cy="426593"/>
+          </a:xfrm>
+        </p:spPr>
+        <p:txBody>
+          <a:bodyPr/>
+          <a:lstStyle/>
+          <a:p>
+            <a:r>
+              <a:rPr lang="fr-FR" sz="1600" b="1" dirty="0"/>
+              <a:t>Etude de l’existant</a:t>
+            </a:r>
+          </a:p>
+        </p:txBody>
+      </p:sp>
+      <p:pic>
+        <p:nvPicPr>
+          <p:cNvPr id="6" name="Picture 5">
+            <a:extLst>
+              <a:ext uri="{FF2B5EF4-FFF2-40B4-BE49-F238E27FC236}">
+                <a16:creationId xmlns:a16="http://schemas.microsoft.com/office/drawing/2014/main" id="{05389995-4AA3-4C1E-B76F-FF5007171147}"/>
+              </a:ext>
+            </a:extLst>
+          </p:cNvPr>
+          <p:cNvPicPr/>
+          <p:nvPr/>
+        </p:nvPicPr>
+        <p:blipFill>
+          <a:blip r:embed="rId2">
+            <a:extLst>
+              <a:ext uri="{28A0092B-C50C-407E-A947-70E740481C1C}">
+                <a14:useLocalDpi xmlns:a14="http://schemas.microsoft.com/office/drawing/2010/main" val="0"/>
+              </a:ext>
+            </a:extLst>
+          </a:blip>
+          <a:srcRect/>
+          <a:stretch>
+            <a:fillRect/>
+          </a:stretch>
+        </p:blipFill>
+        <p:spPr bwMode="auto">
+          <a:xfrm>
+            <a:off x="1148080" y="934720"/>
+            <a:ext cx="10017759" cy="4988560"/>
+          </a:xfrm>
+          <a:prstGeom prst="rect">
+            <a:avLst/>
+          </a:prstGeom>
+          <a:noFill/>
+          <a:ln>
+            <a:noFill/>
+          </a:ln>
+        </p:spPr>
+      </p:pic>
+    </p:spTree>
+    <p:extLst>
+      <p:ext uri="{BB962C8B-B14F-4D97-AF65-F5344CB8AC3E}">
+        <p14:creationId xmlns:p14="http://schemas.microsoft.com/office/powerpoint/2010/main" val="3209459873"/>
+      </p:ext>
+    </p:extLst>
+  </p:cSld>
+  <p:clrMapOvr>
+    <a:masterClrMapping/>
+  </p:clrMapOvr>
+</p:sld>
+</file>
+
+<file path=ppt/slides/slide18.xml><?xml version="1.0" encoding="utf-8"?>
 <p:sld xmlns:a="http://schemas.openxmlformats.org/drawingml/2006/main" xmlns:r="http://schemas.openxmlformats.org/officeDocument/2006/relationships" xmlns:p="http://schemas.openxmlformats.org/presentationml/2006/main">
   <p:cSld>
     <p:spTree>
@@ -7069,7 +9089,7 @@
 </p:sld>
 </file>
 
-<file path=ppt/slides/slide15.xml><?xml version="1.0" encoding="utf-8"?>
+<file path=ppt/slides/slide19.xml><?xml version="1.0" encoding="utf-8"?>
 <p:sld xmlns:a="http://schemas.openxmlformats.org/drawingml/2006/main" xmlns:r="http://schemas.openxmlformats.org/officeDocument/2006/relationships" xmlns:p="http://schemas.openxmlformats.org/presentationml/2006/main">
   <p:cSld>
     <p:spTree>
@@ -7217,7 +9237,7 @@
         </p:nvSpPr>
         <p:spPr>
           <a:xfrm>
-            <a:off x="861770" y="41566"/>
+            <a:off x="1065262" y="45530"/>
             <a:ext cx="10706099" cy="800275"/>
           </a:xfrm>
         </p:spPr>
@@ -7232,133 +9252,8 @@
                   <a:srgbClr val="C00000"/>
                 </a:solidFill>
               </a:rPr>
-              <a:t>Plan  de la présentation</a:t>
-            </a:r>
-          </a:p>
-        </p:txBody>
-      </p:sp>
-      <p:sp>
-        <p:nvSpPr>
-          <p:cNvPr id="6" name="TextBox 5">
-            <a:extLst>
-              <a:ext uri="{FF2B5EF4-FFF2-40B4-BE49-F238E27FC236}">
-                <a16:creationId xmlns:a16="http://schemas.microsoft.com/office/drawing/2014/main" id="{F8CD28FE-7A78-405B-89A4-3C18B62BC5B2}"/>
-              </a:ext>
-            </a:extLst>
-          </p:cNvPr>
-          <p:cNvSpPr txBox="1"/>
-          <p:nvPr/>
-        </p:nvSpPr>
-        <p:spPr>
-          <a:xfrm>
-            <a:off x="2312298" y="1410347"/>
-            <a:ext cx="8953995" cy="3704094"/>
-          </a:xfrm>
-          <a:prstGeom prst="rect">
-            <a:avLst/>
-          </a:prstGeom>
-          <a:solidFill>
-            <a:schemeClr val="bg1"/>
-          </a:solidFill>
-        </p:spPr>
-        <p:txBody>
-          <a:bodyPr wrap="square" lIns="36000" tIns="36000" rIns="36000" bIns="36000" rtlCol="0">
-            <a:noAutofit/>
-          </a:bodyPr>
-          <a:lstStyle/>
-          <a:p>
-            <a:pPr marL="514350" indent="-514350">
-              <a:lnSpc>
-                <a:spcPct val="150000"/>
-              </a:lnSpc>
-              <a:buFont typeface="+mj-lt"/>
-              <a:buAutoNum type="arabicPeriod"/>
-            </a:pPr>
-            <a:r>
-              <a:rPr lang="fr-FR" sz="2800" dirty="0"/>
-              <a:t>L’organisme d’accueil</a:t>
-            </a:r>
-          </a:p>
-          <a:p>
-            <a:pPr marL="514350" indent="-514350">
-              <a:lnSpc>
-                <a:spcPct val="150000"/>
-              </a:lnSpc>
-              <a:buFont typeface="+mj-lt"/>
-              <a:buAutoNum type="arabicPeriod"/>
-            </a:pPr>
-            <a:r>
-              <a:rPr lang="fr-FR" sz="2800" dirty="0"/>
-              <a:t>Contexte de projet</a:t>
-            </a:r>
-          </a:p>
-          <a:p>
-            <a:pPr marL="514350" indent="-514350">
-              <a:lnSpc>
-                <a:spcPct val="150000"/>
-              </a:lnSpc>
-              <a:buFont typeface="+mj-lt"/>
-              <a:buAutoNum type="arabicPeriod"/>
-            </a:pPr>
-            <a:r>
-              <a:rPr lang="fr-FR" sz="2800" dirty="0"/>
-              <a:t>Présentation du projet</a:t>
-            </a:r>
-          </a:p>
-          <a:p>
-            <a:pPr marL="514350" indent="-514350">
-              <a:lnSpc>
-                <a:spcPct val="150000"/>
-              </a:lnSpc>
-              <a:buFont typeface="+mj-lt"/>
-              <a:buAutoNum type="arabicPeriod"/>
-            </a:pPr>
-            <a:r>
-              <a:rPr lang="fr-FR" sz="2800" dirty="0"/>
-              <a:t>Gestion de projet</a:t>
-            </a:r>
-          </a:p>
-          <a:p>
-            <a:pPr marL="514350" indent="-514350">
-              <a:lnSpc>
-                <a:spcPct val="150000"/>
-              </a:lnSpc>
-              <a:buFont typeface="+mj-lt"/>
-              <a:buAutoNum type="arabicPeriod"/>
-            </a:pPr>
-            <a:r>
-              <a:rPr lang="fr-FR" sz="2800" dirty="0"/>
-              <a:t>Spécification du projet</a:t>
-            </a:r>
-          </a:p>
-          <a:p>
-            <a:pPr>
-              <a:lnSpc>
-                <a:spcPct val="150000"/>
-              </a:lnSpc>
-            </a:pPr>
-            <a:endParaRPr lang="fr-FR" sz="2800" dirty="0"/>
-          </a:p>
-          <a:p>
-            <a:pPr lvl="1"/>
-            <a:endParaRPr lang="fr-FR" b="1" dirty="0"/>
-          </a:p>
-          <a:p>
-            <a:pPr lvl="1"/>
-            <a:endParaRPr lang="fr-FR" b="1" dirty="0"/>
-          </a:p>
-          <a:p>
-            <a:pPr lvl="1"/>
-            <a:endParaRPr lang="fr-FR" b="1" dirty="0"/>
-          </a:p>
-          <a:p>
-            <a:pPr marL="742950" lvl="1" indent="-285750">
-              <a:buAutoNum type="romanUcParenR"/>
-            </a:pPr>
-            <a:endParaRPr lang="fr-FR" sz="1100" dirty="0"/>
-          </a:p>
-          <a:p>
-            <a:endParaRPr lang="fr-FR" sz="1100" dirty="0" err="1"/>
+              <a:t>Plan </a:t>
+            </a:r>
           </a:p>
         </p:txBody>
       </p:sp>
@@ -7405,6 +9300,1506 @@
           </a:fontRef>
         </p:style>
       </p:cxnSp>
+      <p:grpSp>
+        <p:nvGrpSpPr>
+          <p:cNvPr id="7" name="Group 6">
+            <a:extLst>
+              <a:ext uri="{FF2B5EF4-FFF2-40B4-BE49-F238E27FC236}">
+                <a16:creationId xmlns:a16="http://schemas.microsoft.com/office/drawing/2014/main" id="{FF8FF7A2-CF62-40A3-BAF4-A41AC4CCF273}"/>
+              </a:ext>
+            </a:extLst>
+          </p:cNvPr>
+          <p:cNvGrpSpPr/>
+          <p:nvPr/>
+        </p:nvGrpSpPr>
+        <p:grpSpPr>
+          <a:xfrm>
+            <a:off x="9061254" y="2311400"/>
+            <a:ext cx="2127437" cy="406400"/>
+            <a:chOff x="6862622" y="1733550"/>
+            <a:chExt cx="1595578" cy="304800"/>
+          </a:xfrm>
+        </p:grpSpPr>
+        <p:sp>
+          <p:nvSpPr>
+            <p:cNvPr id="8" name="Chevron 57">
+              <a:extLst>
+                <a:ext uri="{FF2B5EF4-FFF2-40B4-BE49-F238E27FC236}">
+                  <a16:creationId xmlns:a16="http://schemas.microsoft.com/office/drawing/2014/main" id="{49BE5210-A30A-41E1-BDF8-2A52854B1B98}"/>
+                </a:ext>
+              </a:extLst>
+            </p:cNvPr>
+            <p:cNvSpPr/>
+            <p:nvPr/>
+          </p:nvSpPr>
+          <p:spPr>
+            <a:xfrm>
+              <a:off x="6862622" y="1733550"/>
+              <a:ext cx="1595578" cy="304800"/>
+            </a:xfrm>
+            <a:prstGeom prst="chevron">
+              <a:avLst>
+                <a:gd name="adj" fmla="val 32323"/>
+              </a:avLst>
+            </a:prstGeom>
+            <a:solidFill>
+              <a:srgbClr val="5BBE77"/>
+            </a:solidFill>
+            <a:ln w="38100" cap="flat" cmpd="sng" algn="ctr">
+              <a:noFill/>
+              <a:prstDash val="solid"/>
+            </a:ln>
+            <a:effectLst/>
+          </p:spPr>
+          <p:txBody>
+            <a:bodyPr rtlCol="0" anchor="ctr"/>
+            <a:lstStyle/>
+            <a:p>
+              <a:pPr marL="0" marR="0" lvl="0" indent="0" algn="ctr" defTabSz="1219170" eaLnBrk="1" fontAlgn="auto" latinLnBrk="0" hangingPunct="1">
+                <a:lnSpc>
+                  <a:spcPct val="100000"/>
+                </a:lnSpc>
+                <a:spcBef>
+                  <a:spcPts val="0"/>
+                </a:spcBef>
+                <a:spcAft>
+                  <a:spcPts val="0"/>
+                </a:spcAft>
+                <a:buClrTx/>
+                <a:buSzTx/>
+                <a:buFontTx/>
+                <a:buNone/>
+                <a:tabLst/>
+                <a:defRPr/>
+              </a:pPr>
+              <a:endParaRPr kumimoji="0" lang="en-US" sz="3200" b="0" i="0" u="none" strike="noStrike" kern="0" cap="none" spc="0" normalizeH="0" baseline="0" noProof="0">
+                <a:ln>
+                  <a:noFill/>
+                </a:ln>
+                <a:solidFill>
+                  <a:srgbClr val="57565A"/>
+                </a:solidFill>
+                <a:effectLst/>
+                <a:uLnTx/>
+                <a:uFillTx/>
+                <a:latin typeface="Open Sans Light"/>
+                <a:ea typeface="+mn-ea"/>
+                <a:cs typeface="+mn-cs"/>
+              </a:endParaRPr>
+            </a:p>
+          </p:txBody>
+        </p:sp>
+        <p:sp>
+          <p:nvSpPr>
+            <p:cNvPr id="9" name="Oval 8">
+              <a:extLst>
+                <a:ext uri="{FF2B5EF4-FFF2-40B4-BE49-F238E27FC236}">
+                  <a16:creationId xmlns:a16="http://schemas.microsoft.com/office/drawing/2014/main" id="{D7A97DEC-8280-47AA-923D-7F7F07331F60}"/>
+                </a:ext>
+              </a:extLst>
+            </p:cNvPr>
+            <p:cNvSpPr/>
+            <p:nvPr/>
+          </p:nvSpPr>
+          <p:spPr>
+            <a:xfrm>
+              <a:off x="7617114" y="1833416"/>
+              <a:ext cx="86594" cy="86594"/>
+            </a:xfrm>
+            <a:prstGeom prst="ellipse">
+              <a:avLst/>
+            </a:prstGeom>
+            <a:solidFill>
+              <a:sysClr val="window" lastClr="FFFFFF"/>
+            </a:solidFill>
+            <a:ln w="9525" cap="flat" cmpd="sng" algn="ctr">
+              <a:noFill/>
+              <a:prstDash val="solid"/>
+            </a:ln>
+            <a:effectLst/>
+          </p:spPr>
+          <p:txBody>
+            <a:bodyPr rtlCol="0" anchor="ctr"/>
+            <a:lstStyle/>
+            <a:p>
+              <a:pPr marL="0" marR="0" lvl="0" indent="0" algn="ctr" defTabSz="1219170" eaLnBrk="1" fontAlgn="auto" latinLnBrk="0" hangingPunct="1">
+                <a:lnSpc>
+                  <a:spcPct val="100000"/>
+                </a:lnSpc>
+                <a:spcBef>
+                  <a:spcPts val="0"/>
+                </a:spcBef>
+                <a:spcAft>
+                  <a:spcPts val="0"/>
+                </a:spcAft>
+                <a:buClrTx/>
+                <a:buSzTx/>
+                <a:buFontTx/>
+                <a:buNone/>
+                <a:tabLst/>
+                <a:defRPr/>
+              </a:pPr>
+              <a:endParaRPr kumimoji="0" lang="en-US" sz="3200" b="0" i="0" u="none" strike="noStrike" kern="0" cap="none" spc="0" normalizeH="0" baseline="0" noProof="0">
+                <a:ln>
+                  <a:noFill/>
+                </a:ln>
+                <a:solidFill>
+                  <a:srgbClr val="57565A"/>
+                </a:solidFill>
+                <a:effectLst/>
+                <a:uLnTx/>
+                <a:uFillTx/>
+                <a:latin typeface="Open Sans Light"/>
+                <a:ea typeface="+mn-ea"/>
+                <a:cs typeface="+mn-cs"/>
+              </a:endParaRPr>
+            </a:p>
+          </p:txBody>
+        </p:sp>
+      </p:grpSp>
+      <p:grpSp>
+        <p:nvGrpSpPr>
+          <p:cNvPr id="10" name="Group 9">
+            <a:extLst>
+              <a:ext uri="{FF2B5EF4-FFF2-40B4-BE49-F238E27FC236}">
+                <a16:creationId xmlns:a16="http://schemas.microsoft.com/office/drawing/2014/main" id="{16E9E2D8-40F0-4948-B351-51B228FAD83C}"/>
+              </a:ext>
+            </a:extLst>
+          </p:cNvPr>
+          <p:cNvGrpSpPr/>
+          <p:nvPr/>
+        </p:nvGrpSpPr>
+        <p:grpSpPr>
+          <a:xfrm>
+            <a:off x="7034066" y="2311400"/>
+            <a:ext cx="2127437" cy="406400"/>
+            <a:chOff x="5318416" y="1733550"/>
+            <a:chExt cx="1595578" cy="304800"/>
+          </a:xfrm>
+        </p:grpSpPr>
+        <p:sp>
+          <p:nvSpPr>
+            <p:cNvPr id="11" name="Chevron 60">
+              <a:extLst>
+                <a:ext uri="{FF2B5EF4-FFF2-40B4-BE49-F238E27FC236}">
+                  <a16:creationId xmlns:a16="http://schemas.microsoft.com/office/drawing/2014/main" id="{660ECE80-EE34-4366-9393-61600DB60486}"/>
+                </a:ext>
+              </a:extLst>
+            </p:cNvPr>
+            <p:cNvSpPr/>
+            <p:nvPr/>
+          </p:nvSpPr>
+          <p:spPr>
+            <a:xfrm>
+              <a:off x="5318416" y="1733550"/>
+              <a:ext cx="1595578" cy="304800"/>
+            </a:xfrm>
+            <a:prstGeom prst="chevron">
+              <a:avLst>
+                <a:gd name="adj" fmla="val 32323"/>
+              </a:avLst>
+            </a:prstGeom>
+            <a:solidFill>
+              <a:srgbClr val="25B7AB"/>
+            </a:solidFill>
+            <a:ln w="38100" cap="flat" cmpd="sng" algn="ctr">
+              <a:noFill/>
+              <a:prstDash val="solid"/>
+            </a:ln>
+            <a:effectLst/>
+          </p:spPr>
+          <p:txBody>
+            <a:bodyPr rtlCol="0" anchor="ctr"/>
+            <a:lstStyle/>
+            <a:p>
+              <a:pPr marL="0" marR="0" lvl="0" indent="0" algn="ctr" defTabSz="1219170" eaLnBrk="1" fontAlgn="auto" latinLnBrk="0" hangingPunct="1">
+                <a:lnSpc>
+                  <a:spcPct val="100000"/>
+                </a:lnSpc>
+                <a:spcBef>
+                  <a:spcPts val="0"/>
+                </a:spcBef>
+                <a:spcAft>
+                  <a:spcPts val="0"/>
+                </a:spcAft>
+                <a:buClrTx/>
+                <a:buSzTx/>
+                <a:buFontTx/>
+                <a:buNone/>
+                <a:tabLst/>
+                <a:defRPr/>
+              </a:pPr>
+              <a:endParaRPr kumimoji="0" lang="en-US" sz="3200" b="0" i="0" u="none" strike="noStrike" kern="0" cap="none" spc="0" normalizeH="0" baseline="0" noProof="0">
+                <a:ln>
+                  <a:noFill/>
+                </a:ln>
+                <a:solidFill>
+                  <a:srgbClr val="57565A"/>
+                </a:solidFill>
+                <a:effectLst/>
+                <a:uLnTx/>
+                <a:uFillTx/>
+                <a:latin typeface="Open Sans Light"/>
+                <a:ea typeface="+mn-ea"/>
+                <a:cs typeface="+mn-cs"/>
+              </a:endParaRPr>
+            </a:p>
+          </p:txBody>
+        </p:sp>
+        <p:sp>
+          <p:nvSpPr>
+            <p:cNvPr id="12" name="Oval 11">
+              <a:extLst>
+                <a:ext uri="{FF2B5EF4-FFF2-40B4-BE49-F238E27FC236}">
+                  <a16:creationId xmlns:a16="http://schemas.microsoft.com/office/drawing/2014/main" id="{C5998EDC-1F70-44B2-8482-53E64E9620B3}"/>
+                </a:ext>
+              </a:extLst>
+            </p:cNvPr>
+            <p:cNvSpPr/>
+            <p:nvPr/>
+          </p:nvSpPr>
+          <p:spPr>
+            <a:xfrm>
+              <a:off x="6072908" y="1833416"/>
+              <a:ext cx="86594" cy="86594"/>
+            </a:xfrm>
+            <a:prstGeom prst="ellipse">
+              <a:avLst/>
+            </a:prstGeom>
+            <a:solidFill>
+              <a:sysClr val="window" lastClr="FFFFFF"/>
+            </a:solidFill>
+            <a:ln w="9525" cap="flat" cmpd="sng" algn="ctr">
+              <a:noFill/>
+              <a:prstDash val="solid"/>
+            </a:ln>
+            <a:effectLst/>
+          </p:spPr>
+          <p:txBody>
+            <a:bodyPr rtlCol="0" anchor="ctr"/>
+            <a:lstStyle/>
+            <a:p>
+              <a:pPr marL="0" marR="0" lvl="0" indent="0" algn="ctr" defTabSz="1219170" eaLnBrk="1" fontAlgn="auto" latinLnBrk="0" hangingPunct="1">
+                <a:lnSpc>
+                  <a:spcPct val="100000"/>
+                </a:lnSpc>
+                <a:spcBef>
+                  <a:spcPts val="0"/>
+                </a:spcBef>
+                <a:spcAft>
+                  <a:spcPts val="0"/>
+                </a:spcAft>
+                <a:buClrTx/>
+                <a:buSzTx/>
+                <a:buFontTx/>
+                <a:buNone/>
+                <a:tabLst/>
+                <a:defRPr/>
+              </a:pPr>
+              <a:endParaRPr kumimoji="0" lang="en-US" sz="3200" b="0" i="0" u="none" strike="noStrike" kern="0" cap="none" spc="0" normalizeH="0" baseline="0" noProof="0">
+                <a:ln>
+                  <a:noFill/>
+                </a:ln>
+                <a:solidFill>
+                  <a:srgbClr val="57565A"/>
+                </a:solidFill>
+                <a:effectLst/>
+                <a:uLnTx/>
+                <a:uFillTx/>
+                <a:latin typeface="Open Sans Light"/>
+                <a:ea typeface="+mn-ea"/>
+                <a:cs typeface="+mn-cs"/>
+              </a:endParaRPr>
+            </a:p>
+          </p:txBody>
+        </p:sp>
+      </p:grpSp>
+      <p:grpSp>
+        <p:nvGrpSpPr>
+          <p:cNvPr id="13" name="Group 12">
+            <a:extLst>
+              <a:ext uri="{FF2B5EF4-FFF2-40B4-BE49-F238E27FC236}">
+                <a16:creationId xmlns:a16="http://schemas.microsoft.com/office/drawing/2014/main" id="{F5DD26D9-419C-47C9-8719-5808715A1BB1}"/>
+              </a:ext>
+            </a:extLst>
+          </p:cNvPr>
+          <p:cNvGrpSpPr/>
+          <p:nvPr/>
+        </p:nvGrpSpPr>
+        <p:grpSpPr>
+          <a:xfrm>
+            <a:off x="5006879" y="2311400"/>
+            <a:ext cx="2127437" cy="406400"/>
+            <a:chOff x="3774211" y="1733550"/>
+            <a:chExt cx="1595578" cy="304800"/>
+          </a:xfrm>
+        </p:grpSpPr>
+        <p:sp>
+          <p:nvSpPr>
+            <p:cNvPr id="14" name="Chevron 63">
+              <a:extLst>
+                <a:ext uri="{FF2B5EF4-FFF2-40B4-BE49-F238E27FC236}">
+                  <a16:creationId xmlns:a16="http://schemas.microsoft.com/office/drawing/2014/main" id="{5FB536F6-7BB5-4032-A5DE-D367741BE146}"/>
+                </a:ext>
+              </a:extLst>
+            </p:cNvPr>
+            <p:cNvSpPr/>
+            <p:nvPr/>
+          </p:nvSpPr>
+          <p:spPr>
+            <a:xfrm>
+              <a:off x="3774211" y="1733550"/>
+              <a:ext cx="1595578" cy="304800"/>
+            </a:xfrm>
+            <a:prstGeom prst="chevron">
+              <a:avLst>
+                <a:gd name="adj" fmla="val 32323"/>
+              </a:avLst>
+            </a:prstGeom>
+            <a:solidFill>
+              <a:srgbClr val="27A6C2"/>
+            </a:solidFill>
+            <a:ln w="38100" cap="flat" cmpd="sng" algn="ctr">
+              <a:noFill/>
+              <a:prstDash val="solid"/>
+            </a:ln>
+            <a:effectLst/>
+          </p:spPr>
+          <p:txBody>
+            <a:bodyPr rtlCol="0" anchor="ctr"/>
+            <a:lstStyle/>
+            <a:p>
+              <a:pPr marL="0" marR="0" lvl="0" indent="0" algn="ctr" defTabSz="1219170" eaLnBrk="1" fontAlgn="auto" latinLnBrk="0" hangingPunct="1">
+                <a:lnSpc>
+                  <a:spcPct val="100000"/>
+                </a:lnSpc>
+                <a:spcBef>
+                  <a:spcPts val="0"/>
+                </a:spcBef>
+                <a:spcAft>
+                  <a:spcPts val="0"/>
+                </a:spcAft>
+                <a:buClrTx/>
+                <a:buSzTx/>
+                <a:buFontTx/>
+                <a:buNone/>
+                <a:tabLst/>
+                <a:defRPr/>
+              </a:pPr>
+              <a:endParaRPr kumimoji="0" lang="en-US" sz="3200" b="0" i="0" u="none" strike="noStrike" kern="0" cap="none" spc="0" normalizeH="0" baseline="0" noProof="0">
+                <a:ln>
+                  <a:noFill/>
+                </a:ln>
+                <a:solidFill>
+                  <a:srgbClr val="57565A"/>
+                </a:solidFill>
+                <a:effectLst/>
+                <a:uLnTx/>
+                <a:uFillTx/>
+                <a:latin typeface="Open Sans Light"/>
+                <a:ea typeface="+mn-ea"/>
+                <a:cs typeface="+mn-cs"/>
+              </a:endParaRPr>
+            </a:p>
+          </p:txBody>
+        </p:sp>
+        <p:sp>
+          <p:nvSpPr>
+            <p:cNvPr id="15" name="Oval 14">
+              <a:extLst>
+                <a:ext uri="{FF2B5EF4-FFF2-40B4-BE49-F238E27FC236}">
+                  <a16:creationId xmlns:a16="http://schemas.microsoft.com/office/drawing/2014/main" id="{4758EC84-8546-461A-A25C-A77C061B2855}"/>
+                </a:ext>
+              </a:extLst>
+            </p:cNvPr>
+            <p:cNvSpPr/>
+            <p:nvPr/>
+          </p:nvSpPr>
+          <p:spPr>
+            <a:xfrm>
+              <a:off x="4528703" y="1833416"/>
+              <a:ext cx="86594" cy="86594"/>
+            </a:xfrm>
+            <a:prstGeom prst="ellipse">
+              <a:avLst/>
+            </a:prstGeom>
+            <a:solidFill>
+              <a:sysClr val="window" lastClr="FFFFFF"/>
+            </a:solidFill>
+            <a:ln w="9525" cap="flat" cmpd="sng" algn="ctr">
+              <a:noFill/>
+              <a:prstDash val="solid"/>
+            </a:ln>
+            <a:effectLst/>
+          </p:spPr>
+          <p:txBody>
+            <a:bodyPr rtlCol="0" anchor="ctr"/>
+            <a:lstStyle/>
+            <a:p>
+              <a:pPr marL="0" marR="0" lvl="0" indent="0" algn="ctr" defTabSz="1219170" eaLnBrk="1" fontAlgn="auto" latinLnBrk="0" hangingPunct="1">
+                <a:lnSpc>
+                  <a:spcPct val="100000"/>
+                </a:lnSpc>
+                <a:spcBef>
+                  <a:spcPts val="0"/>
+                </a:spcBef>
+                <a:spcAft>
+                  <a:spcPts val="0"/>
+                </a:spcAft>
+                <a:buClrTx/>
+                <a:buSzTx/>
+                <a:buFontTx/>
+                <a:buNone/>
+                <a:tabLst/>
+                <a:defRPr/>
+              </a:pPr>
+              <a:endParaRPr kumimoji="0" lang="en-US" sz="3200" b="0" i="0" u="none" strike="noStrike" kern="0" cap="none" spc="0" normalizeH="0" baseline="0" noProof="0">
+                <a:ln>
+                  <a:noFill/>
+                </a:ln>
+                <a:solidFill>
+                  <a:srgbClr val="57565A"/>
+                </a:solidFill>
+                <a:effectLst/>
+                <a:uLnTx/>
+                <a:uFillTx/>
+                <a:latin typeface="Open Sans Light"/>
+                <a:ea typeface="+mn-ea"/>
+                <a:cs typeface="+mn-cs"/>
+              </a:endParaRPr>
+            </a:p>
+          </p:txBody>
+        </p:sp>
+      </p:grpSp>
+      <p:grpSp>
+        <p:nvGrpSpPr>
+          <p:cNvPr id="16" name="Group 15">
+            <a:extLst>
+              <a:ext uri="{FF2B5EF4-FFF2-40B4-BE49-F238E27FC236}">
+                <a16:creationId xmlns:a16="http://schemas.microsoft.com/office/drawing/2014/main" id="{72D59CE2-F20A-4739-A810-F37FF4FC4C7F}"/>
+              </a:ext>
+            </a:extLst>
+          </p:cNvPr>
+          <p:cNvGrpSpPr/>
+          <p:nvPr/>
+        </p:nvGrpSpPr>
+        <p:grpSpPr>
+          <a:xfrm>
+            <a:off x="2979691" y="2311400"/>
+            <a:ext cx="2127437" cy="406400"/>
+            <a:chOff x="2230005" y="1733550"/>
+            <a:chExt cx="1595578" cy="304800"/>
+          </a:xfrm>
+        </p:grpSpPr>
+        <p:sp>
+          <p:nvSpPr>
+            <p:cNvPr id="17" name="Chevron 66">
+              <a:extLst>
+                <a:ext uri="{FF2B5EF4-FFF2-40B4-BE49-F238E27FC236}">
+                  <a16:creationId xmlns:a16="http://schemas.microsoft.com/office/drawing/2014/main" id="{901A51B1-E96D-4790-9F54-A63CCEDE2DF2}"/>
+                </a:ext>
+              </a:extLst>
+            </p:cNvPr>
+            <p:cNvSpPr/>
+            <p:nvPr/>
+          </p:nvSpPr>
+          <p:spPr>
+            <a:xfrm>
+              <a:off x="2230005" y="1733550"/>
+              <a:ext cx="1595578" cy="304800"/>
+            </a:xfrm>
+            <a:prstGeom prst="chevron">
+              <a:avLst>
+                <a:gd name="adj" fmla="val 32323"/>
+              </a:avLst>
+            </a:prstGeom>
+            <a:solidFill>
+              <a:srgbClr val="239CCE"/>
+            </a:solidFill>
+            <a:ln w="38100" cap="flat" cmpd="sng" algn="ctr">
+              <a:noFill/>
+              <a:prstDash val="solid"/>
+            </a:ln>
+            <a:effectLst/>
+          </p:spPr>
+          <p:txBody>
+            <a:bodyPr rtlCol="0" anchor="ctr"/>
+            <a:lstStyle/>
+            <a:p>
+              <a:pPr marL="0" marR="0" lvl="0" indent="0" algn="ctr" defTabSz="1219170" eaLnBrk="1" fontAlgn="auto" latinLnBrk="0" hangingPunct="1">
+                <a:lnSpc>
+                  <a:spcPct val="100000"/>
+                </a:lnSpc>
+                <a:spcBef>
+                  <a:spcPts val="0"/>
+                </a:spcBef>
+                <a:spcAft>
+                  <a:spcPts val="0"/>
+                </a:spcAft>
+                <a:buClrTx/>
+                <a:buSzTx/>
+                <a:buFontTx/>
+                <a:buNone/>
+                <a:tabLst/>
+                <a:defRPr/>
+              </a:pPr>
+              <a:endParaRPr kumimoji="0" lang="en-US" sz="3200" b="0" i="0" u="none" strike="noStrike" kern="0" cap="none" spc="0" normalizeH="0" baseline="0" noProof="0">
+                <a:ln>
+                  <a:noFill/>
+                </a:ln>
+                <a:solidFill>
+                  <a:srgbClr val="57565A"/>
+                </a:solidFill>
+                <a:effectLst/>
+                <a:uLnTx/>
+                <a:uFillTx/>
+                <a:latin typeface="Open Sans Light"/>
+                <a:ea typeface="+mn-ea"/>
+                <a:cs typeface="+mn-cs"/>
+              </a:endParaRPr>
+            </a:p>
+          </p:txBody>
+        </p:sp>
+        <p:sp>
+          <p:nvSpPr>
+            <p:cNvPr id="18" name="Oval 17">
+              <a:extLst>
+                <a:ext uri="{FF2B5EF4-FFF2-40B4-BE49-F238E27FC236}">
+                  <a16:creationId xmlns:a16="http://schemas.microsoft.com/office/drawing/2014/main" id="{AE441B93-5C8D-4D24-B019-4B741C0B6DBB}"/>
+                </a:ext>
+              </a:extLst>
+            </p:cNvPr>
+            <p:cNvSpPr/>
+            <p:nvPr/>
+          </p:nvSpPr>
+          <p:spPr>
+            <a:xfrm>
+              <a:off x="2984497" y="1833416"/>
+              <a:ext cx="86594" cy="86594"/>
+            </a:xfrm>
+            <a:prstGeom prst="ellipse">
+              <a:avLst/>
+            </a:prstGeom>
+            <a:solidFill>
+              <a:sysClr val="window" lastClr="FFFFFF"/>
+            </a:solidFill>
+            <a:ln w="9525" cap="flat" cmpd="sng" algn="ctr">
+              <a:noFill/>
+              <a:prstDash val="solid"/>
+            </a:ln>
+            <a:effectLst/>
+          </p:spPr>
+          <p:txBody>
+            <a:bodyPr rtlCol="0" anchor="ctr"/>
+            <a:lstStyle/>
+            <a:p>
+              <a:pPr marL="0" marR="0" lvl="0" indent="0" algn="ctr" defTabSz="1219170" eaLnBrk="1" fontAlgn="auto" latinLnBrk="0" hangingPunct="1">
+                <a:lnSpc>
+                  <a:spcPct val="100000"/>
+                </a:lnSpc>
+                <a:spcBef>
+                  <a:spcPts val="0"/>
+                </a:spcBef>
+                <a:spcAft>
+                  <a:spcPts val="0"/>
+                </a:spcAft>
+                <a:buClrTx/>
+                <a:buSzTx/>
+                <a:buFontTx/>
+                <a:buNone/>
+                <a:tabLst/>
+                <a:defRPr/>
+              </a:pPr>
+              <a:endParaRPr kumimoji="0" lang="en-US" sz="3200" b="0" i="0" u="none" strike="noStrike" kern="0" cap="none" spc="0" normalizeH="0" baseline="0" noProof="0">
+                <a:ln>
+                  <a:noFill/>
+                </a:ln>
+                <a:solidFill>
+                  <a:srgbClr val="57565A"/>
+                </a:solidFill>
+                <a:effectLst/>
+                <a:uLnTx/>
+                <a:uFillTx/>
+                <a:latin typeface="Open Sans Light"/>
+                <a:ea typeface="+mn-ea"/>
+                <a:cs typeface="+mn-cs"/>
+              </a:endParaRPr>
+            </a:p>
+          </p:txBody>
+        </p:sp>
+      </p:grpSp>
+      <p:sp>
+        <p:nvSpPr>
+          <p:cNvPr id="19" name="Oval 18">
+            <a:extLst>
+              <a:ext uri="{FF2B5EF4-FFF2-40B4-BE49-F238E27FC236}">
+                <a16:creationId xmlns:a16="http://schemas.microsoft.com/office/drawing/2014/main" id="{184C7A54-79D0-4F59-89E9-548E4E60ACD3}"/>
+              </a:ext>
+            </a:extLst>
+          </p:cNvPr>
+          <p:cNvSpPr/>
+          <p:nvPr/>
+        </p:nvSpPr>
+        <p:spPr>
+          <a:xfrm>
+            <a:off x="1065262" y="3225799"/>
+            <a:ext cx="1917700" cy="1917700"/>
+          </a:xfrm>
+          <a:prstGeom prst="ellipse">
+            <a:avLst/>
+          </a:prstGeom>
+          <a:solidFill>
+            <a:srgbClr val="2099D8"/>
+          </a:solidFill>
+          <a:ln w="9525" cap="flat" cmpd="sng" algn="ctr">
+            <a:noFill/>
+            <a:prstDash val="solid"/>
+          </a:ln>
+          <a:effectLst/>
+        </p:spPr>
+        <p:txBody>
+          <a:bodyPr rtlCol="0" anchor="ctr"/>
+          <a:lstStyle/>
+          <a:p>
+            <a:pPr marL="0" marR="0" lvl="0" indent="0" algn="ctr" defTabSz="1219170" eaLnBrk="1" fontAlgn="auto" latinLnBrk="0" hangingPunct="1">
+              <a:lnSpc>
+                <a:spcPct val="100000"/>
+              </a:lnSpc>
+              <a:spcBef>
+                <a:spcPts val="0"/>
+              </a:spcBef>
+              <a:spcAft>
+                <a:spcPts val="0"/>
+              </a:spcAft>
+              <a:buClrTx/>
+              <a:buSzTx/>
+              <a:buFontTx/>
+              <a:buNone/>
+              <a:tabLst/>
+              <a:defRPr/>
+            </a:pPr>
+            <a:endParaRPr kumimoji="0" lang="en-US" sz="3200" b="0" i="0" u="none" strike="noStrike" kern="0" cap="none" spc="0" normalizeH="0" baseline="0" noProof="0">
+              <a:ln>
+                <a:noFill/>
+              </a:ln>
+              <a:solidFill>
+                <a:prstClr val="white"/>
+              </a:solidFill>
+              <a:effectLst/>
+              <a:uLnTx/>
+              <a:uFillTx/>
+              <a:latin typeface="Open Sans Light"/>
+              <a:ea typeface="+mn-ea"/>
+              <a:cs typeface="+mn-cs"/>
+            </a:endParaRPr>
+          </a:p>
+        </p:txBody>
+      </p:sp>
+      <p:sp>
+        <p:nvSpPr>
+          <p:cNvPr id="20" name="Oval 19">
+            <a:extLst>
+              <a:ext uri="{FF2B5EF4-FFF2-40B4-BE49-F238E27FC236}">
+                <a16:creationId xmlns:a16="http://schemas.microsoft.com/office/drawing/2014/main" id="{13516D7D-8F69-4104-BAD3-D09D8472BE33}"/>
+              </a:ext>
+            </a:extLst>
+          </p:cNvPr>
+          <p:cNvSpPr/>
+          <p:nvPr/>
+        </p:nvSpPr>
+        <p:spPr>
+          <a:xfrm>
+            <a:off x="3092449" y="3225800"/>
+            <a:ext cx="1917700" cy="1917700"/>
+          </a:xfrm>
+          <a:prstGeom prst="ellipse">
+            <a:avLst/>
+          </a:prstGeom>
+          <a:solidFill>
+            <a:srgbClr val="239CCE"/>
+          </a:solidFill>
+          <a:ln w="9525" cap="flat" cmpd="sng" algn="ctr">
+            <a:noFill/>
+            <a:prstDash val="solid"/>
+          </a:ln>
+          <a:effectLst/>
+        </p:spPr>
+        <p:txBody>
+          <a:bodyPr rtlCol="0" anchor="ctr"/>
+          <a:lstStyle/>
+          <a:p>
+            <a:pPr marL="0" marR="0" lvl="0" indent="0" algn="ctr" defTabSz="1219170" eaLnBrk="1" fontAlgn="auto" latinLnBrk="0" hangingPunct="1">
+              <a:lnSpc>
+                <a:spcPct val="100000"/>
+              </a:lnSpc>
+              <a:spcBef>
+                <a:spcPts val="0"/>
+              </a:spcBef>
+              <a:spcAft>
+                <a:spcPts val="0"/>
+              </a:spcAft>
+              <a:buClrTx/>
+              <a:buSzTx/>
+              <a:buFontTx/>
+              <a:buNone/>
+              <a:tabLst/>
+              <a:defRPr/>
+            </a:pPr>
+            <a:endParaRPr kumimoji="0" lang="en-US" sz="3200" b="0" i="0" u="none" strike="noStrike" kern="0" cap="none" spc="0" normalizeH="0" baseline="0" noProof="0">
+              <a:ln>
+                <a:noFill/>
+              </a:ln>
+              <a:solidFill>
+                <a:srgbClr val="57565A"/>
+              </a:solidFill>
+              <a:effectLst/>
+              <a:uLnTx/>
+              <a:uFillTx/>
+              <a:latin typeface="Open Sans Light"/>
+              <a:ea typeface="+mn-ea"/>
+              <a:cs typeface="+mn-cs"/>
+            </a:endParaRPr>
+          </a:p>
+        </p:txBody>
+      </p:sp>
+      <p:sp>
+        <p:nvSpPr>
+          <p:cNvPr id="21" name="Oval 20">
+            <a:extLst>
+              <a:ext uri="{FF2B5EF4-FFF2-40B4-BE49-F238E27FC236}">
+                <a16:creationId xmlns:a16="http://schemas.microsoft.com/office/drawing/2014/main" id="{171F5AE6-7881-4706-9BF1-96D20F7EAC47}"/>
+              </a:ext>
+            </a:extLst>
+          </p:cNvPr>
+          <p:cNvSpPr/>
+          <p:nvPr/>
+        </p:nvSpPr>
+        <p:spPr>
+          <a:xfrm>
+            <a:off x="5119637" y="3225800"/>
+            <a:ext cx="1917700" cy="1917700"/>
+          </a:xfrm>
+          <a:prstGeom prst="ellipse">
+            <a:avLst/>
+          </a:prstGeom>
+          <a:solidFill>
+            <a:srgbClr val="27A6C2"/>
+          </a:solidFill>
+          <a:ln w="9525" cap="flat" cmpd="sng" algn="ctr">
+            <a:noFill/>
+            <a:prstDash val="solid"/>
+          </a:ln>
+          <a:effectLst/>
+        </p:spPr>
+        <p:txBody>
+          <a:bodyPr rtlCol="0" anchor="ctr"/>
+          <a:lstStyle/>
+          <a:p>
+            <a:pPr marL="0" marR="0" lvl="0" indent="0" algn="ctr" defTabSz="1219170" eaLnBrk="1" fontAlgn="auto" latinLnBrk="0" hangingPunct="1">
+              <a:lnSpc>
+                <a:spcPct val="100000"/>
+              </a:lnSpc>
+              <a:spcBef>
+                <a:spcPts val="0"/>
+              </a:spcBef>
+              <a:spcAft>
+                <a:spcPts val="0"/>
+              </a:spcAft>
+              <a:buClrTx/>
+              <a:buSzTx/>
+              <a:buFontTx/>
+              <a:buNone/>
+              <a:tabLst/>
+              <a:defRPr/>
+            </a:pPr>
+            <a:endParaRPr kumimoji="0" lang="en-US" sz="3200" b="0" i="0" u="none" strike="noStrike" kern="0" cap="none" spc="0" normalizeH="0" baseline="0" noProof="0">
+              <a:ln>
+                <a:noFill/>
+              </a:ln>
+              <a:solidFill>
+                <a:srgbClr val="57565A"/>
+              </a:solidFill>
+              <a:effectLst/>
+              <a:uLnTx/>
+              <a:uFillTx/>
+              <a:latin typeface="Open Sans Light"/>
+              <a:ea typeface="+mn-ea"/>
+              <a:cs typeface="+mn-cs"/>
+            </a:endParaRPr>
+          </a:p>
+        </p:txBody>
+      </p:sp>
+      <p:sp>
+        <p:nvSpPr>
+          <p:cNvPr id="22" name="Oval 21">
+            <a:extLst>
+              <a:ext uri="{FF2B5EF4-FFF2-40B4-BE49-F238E27FC236}">
+                <a16:creationId xmlns:a16="http://schemas.microsoft.com/office/drawing/2014/main" id="{7F053A54-8755-451A-A3B9-2F1B925AB2FC}"/>
+              </a:ext>
+            </a:extLst>
+          </p:cNvPr>
+          <p:cNvSpPr/>
+          <p:nvPr/>
+        </p:nvSpPr>
+        <p:spPr>
+          <a:xfrm>
+            <a:off x="7146824" y="3225800"/>
+            <a:ext cx="1917700" cy="1917700"/>
+          </a:xfrm>
+          <a:prstGeom prst="ellipse">
+            <a:avLst/>
+          </a:prstGeom>
+          <a:solidFill>
+            <a:srgbClr val="25B7AB"/>
+          </a:solidFill>
+          <a:ln w="9525" cap="flat" cmpd="sng" algn="ctr">
+            <a:noFill/>
+            <a:prstDash val="solid"/>
+          </a:ln>
+          <a:effectLst/>
+        </p:spPr>
+        <p:txBody>
+          <a:bodyPr rtlCol="0" anchor="ctr"/>
+          <a:lstStyle/>
+          <a:p>
+            <a:pPr marL="0" marR="0" lvl="0" indent="0" algn="ctr" defTabSz="1219170" eaLnBrk="1" fontAlgn="auto" latinLnBrk="0" hangingPunct="1">
+              <a:lnSpc>
+                <a:spcPct val="100000"/>
+              </a:lnSpc>
+              <a:spcBef>
+                <a:spcPts val="0"/>
+              </a:spcBef>
+              <a:spcAft>
+                <a:spcPts val="0"/>
+              </a:spcAft>
+              <a:buClrTx/>
+              <a:buSzTx/>
+              <a:buFontTx/>
+              <a:buNone/>
+              <a:tabLst/>
+              <a:defRPr/>
+            </a:pPr>
+            <a:endParaRPr kumimoji="0" lang="en-US" sz="3200" b="0" i="0" u="none" strike="noStrike" kern="0" cap="none" spc="0" normalizeH="0" baseline="0" noProof="0" dirty="0">
+              <a:ln>
+                <a:noFill/>
+              </a:ln>
+              <a:solidFill>
+                <a:srgbClr val="57565A"/>
+              </a:solidFill>
+              <a:effectLst/>
+              <a:uLnTx/>
+              <a:uFillTx/>
+              <a:latin typeface="Open Sans Light"/>
+              <a:ea typeface="+mn-ea"/>
+              <a:cs typeface="+mn-cs"/>
+            </a:endParaRPr>
+          </a:p>
+        </p:txBody>
+      </p:sp>
+      <p:sp>
+        <p:nvSpPr>
+          <p:cNvPr id="23" name="Oval 22">
+            <a:extLst>
+              <a:ext uri="{FF2B5EF4-FFF2-40B4-BE49-F238E27FC236}">
+                <a16:creationId xmlns:a16="http://schemas.microsoft.com/office/drawing/2014/main" id="{A5D21FC3-1A36-4FDA-8A8A-CF8C7A8BD044}"/>
+              </a:ext>
+            </a:extLst>
+          </p:cNvPr>
+          <p:cNvSpPr/>
+          <p:nvPr/>
+        </p:nvSpPr>
+        <p:spPr>
+          <a:xfrm>
+            <a:off x="9174012" y="3225800"/>
+            <a:ext cx="1917700" cy="1917700"/>
+          </a:xfrm>
+          <a:prstGeom prst="ellipse">
+            <a:avLst/>
+          </a:prstGeom>
+          <a:solidFill>
+            <a:srgbClr val="5BBE77"/>
+          </a:solidFill>
+          <a:ln w="9525" cap="flat" cmpd="sng" algn="ctr">
+            <a:noFill/>
+            <a:prstDash val="solid"/>
+          </a:ln>
+          <a:effectLst/>
+        </p:spPr>
+        <p:txBody>
+          <a:bodyPr rtlCol="0" anchor="ctr"/>
+          <a:lstStyle/>
+          <a:p>
+            <a:pPr marL="0" marR="0" lvl="0" indent="0" algn="ctr" defTabSz="1219170" eaLnBrk="1" fontAlgn="auto" latinLnBrk="0" hangingPunct="1">
+              <a:lnSpc>
+                <a:spcPct val="100000"/>
+              </a:lnSpc>
+              <a:spcBef>
+                <a:spcPts val="0"/>
+              </a:spcBef>
+              <a:spcAft>
+                <a:spcPts val="0"/>
+              </a:spcAft>
+              <a:buClrTx/>
+              <a:buSzTx/>
+              <a:buFontTx/>
+              <a:buNone/>
+              <a:tabLst/>
+              <a:defRPr/>
+            </a:pPr>
+            <a:endParaRPr kumimoji="0" lang="en-US" sz="3200" b="0" i="0" u="none" strike="noStrike" kern="0" cap="none" spc="0" normalizeH="0" baseline="0" noProof="0">
+              <a:ln>
+                <a:noFill/>
+              </a:ln>
+              <a:solidFill>
+                <a:srgbClr val="57565A"/>
+              </a:solidFill>
+              <a:effectLst/>
+              <a:uLnTx/>
+              <a:uFillTx/>
+              <a:latin typeface="Open Sans Light"/>
+              <a:ea typeface="+mn-ea"/>
+              <a:cs typeface="+mn-cs"/>
+            </a:endParaRPr>
+          </a:p>
+        </p:txBody>
+      </p:sp>
+      <p:cxnSp>
+        <p:nvCxnSpPr>
+          <p:cNvPr id="24" name="Straight Connector 23">
+            <a:extLst>
+              <a:ext uri="{FF2B5EF4-FFF2-40B4-BE49-F238E27FC236}">
+                <a16:creationId xmlns:a16="http://schemas.microsoft.com/office/drawing/2014/main" id="{C0C5061D-336F-4D2A-88C5-42BC08492FEC}"/>
+              </a:ext>
+            </a:extLst>
+          </p:cNvPr>
+          <p:cNvCxnSpPr/>
+          <p:nvPr/>
+        </p:nvCxnSpPr>
+        <p:spPr>
+          <a:xfrm flipH="1" flipV="1">
+            <a:off x="2016223" y="2717800"/>
+            <a:ext cx="0" cy="508000"/>
+          </a:xfrm>
+          <a:prstGeom prst="line">
+            <a:avLst/>
+          </a:prstGeom>
+          <a:noFill/>
+          <a:ln w="12700" cap="flat" cmpd="sng" algn="ctr">
+            <a:solidFill>
+              <a:srgbClr val="2099D8"/>
+            </a:solidFill>
+            <a:prstDash val="solid"/>
+          </a:ln>
+          <a:effectLst/>
+        </p:spPr>
+      </p:cxnSp>
+      <p:cxnSp>
+        <p:nvCxnSpPr>
+          <p:cNvPr id="25" name="Straight Connector 24">
+            <a:extLst>
+              <a:ext uri="{FF2B5EF4-FFF2-40B4-BE49-F238E27FC236}">
+                <a16:creationId xmlns:a16="http://schemas.microsoft.com/office/drawing/2014/main" id="{6AE87651-5491-494D-8DB9-F2B377BFC682}"/>
+              </a:ext>
+            </a:extLst>
+          </p:cNvPr>
+          <p:cNvCxnSpPr/>
+          <p:nvPr/>
+        </p:nvCxnSpPr>
+        <p:spPr>
+          <a:xfrm flipH="1" flipV="1">
+            <a:off x="4043409" y="2717800"/>
+            <a:ext cx="0" cy="508000"/>
+          </a:xfrm>
+          <a:prstGeom prst="line">
+            <a:avLst/>
+          </a:prstGeom>
+          <a:noFill/>
+          <a:ln w="12700" cap="flat" cmpd="sng" algn="ctr">
+            <a:solidFill>
+              <a:srgbClr val="239CCE"/>
+            </a:solidFill>
+            <a:prstDash val="solid"/>
+          </a:ln>
+          <a:effectLst/>
+        </p:spPr>
+      </p:cxnSp>
+      <p:cxnSp>
+        <p:nvCxnSpPr>
+          <p:cNvPr id="26" name="Straight Connector 25">
+            <a:extLst>
+              <a:ext uri="{FF2B5EF4-FFF2-40B4-BE49-F238E27FC236}">
+                <a16:creationId xmlns:a16="http://schemas.microsoft.com/office/drawing/2014/main" id="{5812150B-625B-47C8-9491-7E618A667781}"/>
+              </a:ext>
+            </a:extLst>
+          </p:cNvPr>
+          <p:cNvCxnSpPr/>
+          <p:nvPr/>
+        </p:nvCxnSpPr>
+        <p:spPr>
+          <a:xfrm flipH="1" flipV="1">
+            <a:off x="6070597" y="2717800"/>
+            <a:ext cx="0" cy="508000"/>
+          </a:xfrm>
+          <a:prstGeom prst="line">
+            <a:avLst/>
+          </a:prstGeom>
+          <a:noFill/>
+          <a:ln w="12700" cap="flat" cmpd="sng" algn="ctr">
+            <a:solidFill>
+              <a:srgbClr val="27A6C2"/>
+            </a:solidFill>
+            <a:prstDash val="solid"/>
+          </a:ln>
+          <a:effectLst/>
+        </p:spPr>
+      </p:cxnSp>
+      <p:cxnSp>
+        <p:nvCxnSpPr>
+          <p:cNvPr id="28" name="Straight Connector 27">
+            <a:extLst>
+              <a:ext uri="{FF2B5EF4-FFF2-40B4-BE49-F238E27FC236}">
+                <a16:creationId xmlns:a16="http://schemas.microsoft.com/office/drawing/2014/main" id="{A3350E92-088A-4B4D-BAF9-94804CC261D3}"/>
+              </a:ext>
+            </a:extLst>
+          </p:cNvPr>
+          <p:cNvCxnSpPr/>
+          <p:nvPr/>
+        </p:nvCxnSpPr>
+        <p:spPr>
+          <a:xfrm flipH="1" flipV="1">
+            <a:off x="8097784" y="2717800"/>
+            <a:ext cx="0" cy="508000"/>
+          </a:xfrm>
+          <a:prstGeom prst="line">
+            <a:avLst/>
+          </a:prstGeom>
+          <a:noFill/>
+          <a:ln w="12700" cap="flat" cmpd="sng" algn="ctr">
+            <a:solidFill>
+              <a:srgbClr val="5BBE77"/>
+            </a:solidFill>
+            <a:prstDash val="solid"/>
+          </a:ln>
+          <a:effectLst/>
+        </p:spPr>
+      </p:cxnSp>
+      <p:cxnSp>
+        <p:nvCxnSpPr>
+          <p:cNvPr id="29" name="Straight Connector 28">
+            <a:extLst>
+              <a:ext uri="{FF2B5EF4-FFF2-40B4-BE49-F238E27FC236}">
+                <a16:creationId xmlns:a16="http://schemas.microsoft.com/office/drawing/2014/main" id="{A8BDC337-DF91-4120-AE94-6D2CF4885997}"/>
+              </a:ext>
+            </a:extLst>
+          </p:cNvPr>
+          <p:cNvCxnSpPr/>
+          <p:nvPr/>
+        </p:nvCxnSpPr>
+        <p:spPr>
+          <a:xfrm flipH="1" flipV="1">
+            <a:off x="10124972" y="2717800"/>
+            <a:ext cx="0" cy="508000"/>
+          </a:xfrm>
+          <a:prstGeom prst="line">
+            <a:avLst/>
+          </a:prstGeom>
+          <a:noFill/>
+          <a:ln w="12700" cap="flat" cmpd="sng" algn="ctr">
+            <a:solidFill>
+              <a:srgbClr val="7EC44E"/>
+            </a:solidFill>
+            <a:prstDash val="solid"/>
+          </a:ln>
+          <a:effectLst/>
+        </p:spPr>
+      </p:cxnSp>
+      <p:sp>
+        <p:nvSpPr>
+          <p:cNvPr id="30" name="Rectangle 29">
+            <a:extLst>
+              <a:ext uri="{FF2B5EF4-FFF2-40B4-BE49-F238E27FC236}">
+                <a16:creationId xmlns:a16="http://schemas.microsoft.com/office/drawing/2014/main" id="{8D52D6EF-8E71-49C6-8E73-76D4D94AE66C}"/>
+              </a:ext>
+            </a:extLst>
+          </p:cNvPr>
+          <p:cNvSpPr/>
+          <p:nvPr/>
+        </p:nvSpPr>
+        <p:spPr>
+          <a:xfrm>
+            <a:off x="1007534" y="3810252"/>
+            <a:ext cx="1985813" cy="748795"/>
+          </a:xfrm>
+          <a:prstGeom prst="rect">
+            <a:avLst/>
+          </a:prstGeom>
+        </p:spPr>
+        <p:txBody>
+          <a:bodyPr wrap="square">
+            <a:spAutoFit/>
+          </a:bodyPr>
+          <a:lstStyle/>
+          <a:p>
+            <a:pPr algn="ctr" defTabSz="1219170"/>
+            <a:r>
+              <a:rPr lang="fr-FR" sz="2133" dirty="0">
+                <a:solidFill>
+                  <a:schemeClr val="bg1"/>
+                </a:solidFill>
+                <a:latin typeface="Open Sans Light"/>
+              </a:rPr>
+              <a:t>Contexte du projet</a:t>
+            </a:r>
+            <a:endParaRPr lang="en-US" sz="1467" dirty="0">
+              <a:solidFill>
+                <a:schemeClr val="bg1"/>
+              </a:solidFill>
+              <a:latin typeface="Open Sans Light"/>
+            </a:endParaRPr>
+          </a:p>
+        </p:txBody>
+      </p:sp>
+      <p:sp>
+        <p:nvSpPr>
+          <p:cNvPr id="31" name="Rectangle 30">
+            <a:extLst>
+              <a:ext uri="{FF2B5EF4-FFF2-40B4-BE49-F238E27FC236}">
+                <a16:creationId xmlns:a16="http://schemas.microsoft.com/office/drawing/2014/main" id="{E494212A-4E71-46B5-AE30-C31E5EC64785}"/>
+              </a:ext>
+            </a:extLst>
+          </p:cNvPr>
+          <p:cNvSpPr/>
+          <p:nvPr/>
+        </p:nvSpPr>
+        <p:spPr>
+          <a:xfrm>
+            <a:off x="3076669" y="3861051"/>
+            <a:ext cx="1985813" cy="748795"/>
+          </a:xfrm>
+          <a:prstGeom prst="rect">
+            <a:avLst/>
+          </a:prstGeom>
+        </p:spPr>
+        <p:txBody>
+          <a:bodyPr wrap="square">
+            <a:spAutoFit/>
+          </a:bodyPr>
+          <a:lstStyle/>
+          <a:p>
+            <a:pPr algn="ctr" defTabSz="1219170"/>
+            <a:r>
+              <a:rPr lang="fr-FR" sz="2133" dirty="0">
+                <a:solidFill>
+                  <a:schemeClr val="bg1"/>
+                </a:solidFill>
+                <a:latin typeface="Open Sans Light"/>
+              </a:rPr>
+              <a:t>Étude des besoins</a:t>
+            </a:r>
+            <a:endParaRPr lang="en-US" sz="2133" dirty="0">
+              <a:solidFill>
+                <a:schemeClr val="bg1"/>
+              </a:solidFill>
+              <a:latin typeface="Open Sans Light"/>
+            </a:endParaRPr>
+          </a:p>
+        </p:txBody>
+      </p:sp>
+      <p:sp>
+        <p:nvSpPr>
+          <p:cNvPr id="32" name="Rectangle 31">
+            <a:extLst>
+              <a:ext uri="{FF2B5EF4-FFF2-40B4-BE49-F238E27FC236}">
+                <a16:creationId xmlns:a16="http://schemas.microsoft.com/office/drawing/2014/main" id="{58EC4CF0-3915-4457-A4B9-65DE9ED7562D}"/>
+              </a:ext>
+            </a:extLst>
+          </p:cNvPr>
+          <p:cNvSpPr/>
+          <p:nvPr/>
+        </p:nvSpPr>
+        <p:spPr>
+          <a:xfrm>
+            <a:off x="5077689" y="3974368"/>
+            <a:ext cx="1985813" cy="420564"/>
+          </a:xfrm>
+          <a:prstGeom prst="rect">
+            <a:avLst/>
+          </a:prstGeom>
+        </p:spPr>
+        <p:txBody>
+          <a:bodyPr wrap="square">
+            <a:spAutoFit/>
+          </a:bodyPr>
+          <a:lstStyle/>
+          <a:p>
+            <a:pPr algn="ctr" defTabSz="1219170"/>
+            <a:r>
+              <a:rPr lang="fr-FR" sz="2133" dirty="0">
+                <a:solidFill>
+                  <a:schemeClr val="bg1"/>
+                </a:solidFill>
+                <a:latin typeface="Open Sans Light"/>
+              </a:rPr>
+              <a:t>Modélisation</a:t>
+            </a:r>
+            <a:endParaRPr lang="en-US" sz="2133" dirty="0">
+              <a:solidFill>
+                <a:schemeClr val="bg1"/>
+              </a:solidFill>
+              <a:latin typeface="Open Sans Light"/>
+            </a:endParaRPr>
+          </a:p>
+        </p:txBody>
+      </p:sp>
+      <p:sp>
+        <p:nvSpPr>
+          <p:cNvPr id="33" name="Rectangle 32">
+            <a:extLst>
+              <a:ext uri="{FF2B5EF4-FFF2-40B4-BE49-F238E27FC236}">
+                <a16:creationId xmlns:a16="http://schemas.microsoft.com/office/drawing/2014/main" id="{AE2662BC-2F00-4151-AD9E-E1F62F1F2AAB}"/>
+              </a:ext>
+            </a:extLst>
+          </p:cNvPr>
+          <p:cNvSpPr/>
+          <p:nvPr/>
+        </p:nvSpPr>
+        <p:spPr>
+          <a:xfrm>
+            <a:off x="7104877" y="3974368"/>
+            <a:ext cx="1985813" cy="420564"/>
+          </a:xfrm>
+          <a:prstGeom prst="rect">
+            <a:avLst/>
+          </a:prstGeom>
+        </p:spPr>
+        <p:txBody>
+          <a:bodyPr wrap="square">
+            <a:spAutoFit/>
+          </a:bodyPr>
+          <a:lstStyle/>
+          <a:p>
+            <a:pPr algn="ctr" defTabSz="1219170"/>
+            <a:r>
+              <a:rPr lang="fr-FR" sz="2133" dirty="0">
+                <a:solidFill>
+                  <a:schemeClr val="bg1"/>
+                </a:solidFill>
+                <a:latin typeface="Open Sans Light"/>
+              </a:rPr>
+              <a:t>Réalisation</a:t>
+            </a:r>
+            <a:endParaRPr lang="en-US" sz="2133" dirty="0">
+              <a:solidFill>
+                <a:schemeClr val="bg1"/>
+              </a:solidFill>
+              <a:latin typeface="Open Sans Light"/>
+            </a:endParaRPr>
+          </a:p>
+        </p:txBody>
+      </p:sp>
+      <p:sp>
+        <p:nvSpPr>
+          <p:cNvPr id="34" name="Rectangle 33">
+            <a:extLst>
+              <a:ext uri="{FF2B5EF4-FFF2-40B4-BE49-F238E27FC236}">
+                <a16:creationId xmlns:a16="http://schemas.microsoft.com/office/drawing/2014/main" id="{63E1BF41-DA6C-4F4A-8293-D4873192EE46}"/>
+              </a:ext>
+            </a:extLst>
+          </p:cNvPr>
+          <p:cNvSpPr/>
+          <p:nvPr/>
+        </p:nvSpPr>
+        <p:spPr>
+          <a:xfrm>
+            <a:off x="9147846" y="3810252"/>
+            <a:ext cx="1985813" cy="748795"/>
+          </a:xfrm>
+          <a:prstGeom prst="rect">
+            <a:avLst/>
+          </a:prstGeom>
+        </p:spPr>
+        <p:txBody>
+          <a:bodyPr wrap="square">
+            <a:spAutoFit/>
+          </a:bodyPr>
+          <a:lstStyle/>
+          <a:p>
+            <a:pPr algn="ctr" defTabSz="1219170"/>
+            <a:r>
+              <a:rPr lang="fr-FR" sz="2133" dirty="0">
+                <a:solidFill>
+                  <a:schemeClr val="bg1"/>
+                </a:solidFill>
+                <a:latin typeface="Open Sans Light"/>
+              </a:rPr>
+              <a:t>Conclusion et perspectives</a:t>
+            </a:r>
+            <a:endParaRPr lang="en-US" sz="2133" dirty="0">
+              <a:solidFill>
+                <a:schemeClr val="bg1"/>
+              </a:solidFill>
+              <a:latin typeface="Open Sans Light"/>
+            </a:endParaRPr>
+          </a:p>
+        </p:txBody>
+      </p:sp>
+      <p:grpSp>
+        <p:nvGrpSpPr>
+          <p:cNvPr id="35" name="Group 34">
+            <a:extLst>
+              <a:ext uri="{FF2B5EF4-FFF2-40B4-BE49-F238E27FC236}">
+                <a16:creationId xmlns:a16="http://schemas.microsoft.com/office/drawing/2014/main" id="{1BF2766E-F6D9-4FE7-AEBA-B32B85582A2C}"/>
+              </a:ext>
+            </a:extLst>
+          </p:cNvPr>
+          <p:cNvGrpSpPr/>
+          <p:nvPr/>
+        </p:nvGrpSpPr>
+        <p:grpSpPr>
+          <a:xfrm>
+            <a:off x="952504" y="2311400"/>
+            <a:ext cx="2127437" cy="406400"/>
+            <a:chOff x="685800" y="1733550"/>
+            <a:chExt cx="1595578" cy="304800"/>
+          </a:xfrm>
+        </p:grpSpPr>
+        <p:sp>
+          <p:nvSpPr>
+            <p:cNvPr id="36" name="Chevron 91">
+              <a:extLst>
+                <a:ext uri="{FF2B5EF4-FFF2-40B4-BE49-F238E27FC236}">
+                  <a16:creationId xmlns:a16="http://schemas.microsoft.com/office/drawing/2014/main" id="{CE9EBFC7-A3AE-4E2E-9897-02D43F786447}"/>
+                </a:ext>
+              </a:extLst>
+            </p:cNvPr>
+            <p:cNvSpPr/>
+            <p:nvPr/>
+          </p:nvSpPr>
+          <p:spPr>
+            <a:xfrm>
+              <a:off x="685800" y="1733550"/>
+              <a:ext cx="1595578" cy="304800"/>
+            </a:xfrm>
+            <a:prstGeom prst="chevron">
+              <a:avLst>
+                <a:gd name="adj" fmla="val 32323"/>
+              </a:avLst>
+            </a:prstGeom>
+            <a:solidFill>
+              <a:srgbClr val="2099D8"/>
+            </a:solidFill>
+            <a:ln w="38100" cap="flat" cmpd="sng" algn="ctr">
+              <a:noFill/>
+              <a:prstDash val="solid"/>
+            </a:ln>
+            <a:effectLst/>
+          </p:spPr>
+          <p:txBody>
+            <a:bodyPr rtlCol="0" anchor="ctr"/>
+            <a:lstStyle/>
+            <a:p>
+              <a:pPr marL="0" marR="0" lvl="0" indent="0" algn="ctr" defTabSz="1219170" eaLnBrk="1" fontAlgn="auto" latinLnBrk="0" hangingPunct="1">
+                <a:lnSpc>
+                  <a:spcPct val="100000"/>
+                </a:lnSpc>
+                <a:spcBef>
+                  <a:spcPts val="0"/>
+                </a:spcBef>
+                <a:spcAft>
+                  <a:spcPts val="0"/>
+                </a:spcAft>
+                <a:buClrTx/>
+                <a:buSzTx/>
+                <a:buFontTx/>
+                <a:buNone/>
+                <a:tabLst/>
+                <a:defRPr/>
+              </a:pPr>
+              <a:endParaRPr kumimoji="0" lang="en-US" sz="3200" b="0" i="0" u="none" strike="noStrike" kern="0" cap="none" spc="0" normalizeH="0" baseline="0" noProof="0">
+                <a:ln>
+                  <a:noFill/>
+                </a:ln>
+                <a:solidFill>
+                  <a:srgbClr val="57565A"/>
+                </a:solidFill>
+                <a:effectLst/>
+                <a:uLnTx/>
+                <a:uFillTx/>
+                <a:latin typeface="Open Sans Light"/>
+                <a:ea typeface="+mn-ea"/>
+                <a:cs typeface="+mn-cs"/>
+              </a:endParaRPr>
+            </a:p>
+          </p:txBody>
+        </p:sp>
+        <p:sp>
+          <p:nvSpPr>
+            <p:cNvPr id="37" name="Oval 36">
+              <a:extLst>
+                <a:ext uri="{FF2B5EF4-FFF2-40B4-BE49-F238E27FC236}">
+                  <a16:creationId xmlns:a16="http://schemas.microsoft.com/office/drawing/2014/main" id="{D499C662-68A4-47D6-8574-39178CE6A23D}"/>
+                </a:ext>
+              </a:extLst>
+            </p:cNvPr>
+            <p:cNvSpPr/>
+            <p:nvPr/>
+          </p:nvSpPr>
+          <p:spPr>
+            <a:xfrm>
+              <a:off x="1440292" y="1833416"/>
+              <a:ext cx="86594" cy="86594"/>
+            </a:xfrm>
+            <a:prstGeom prst="ellipse">
+              <a:avLst/>
+            </a:prstGeom>
+            <a:solidFill>
+              <a:sysClr val="window" lastClr="FFFFFF"/>
+            </a:solidFill>
+            <a:ln w="9525" cap="flat" cmpd="sng" algn="ctr">
+              <a:noFill/>
+              <a:prstDash val="solid"/>
+            </a:ln>
+            <a:effectLst/>
+          </p:spPr>
+          <p:txBody>
+            <a:bodyPr rtlCol="0" anchor="ctr"/>
+            <a:lstStyle/>
+            <a:p>
+              <a:pPr marL="0" marR="0" lvl="0" indent="0" algn="ctr" defTabSz="1219170" eaLnBrk="1" fontAlgn="auto" latinLnBrk="0" hangingPunct="1">
+                <a:lnSpc>
+                  <a:spcPct val="100000"/>
+                </a:lnSpc>
+                <a:spcBef>
+                  <a:spcPts val="0"/>
+                </a:spcBef>
+                <a:spcAft>
+                  <a:spcPts val="0"/>
+                </a:spcAft>
+                <a:buClrTx/>
+                <a:buSzTx/>
+                <a:buFontTx/>
+                <a:buNone/>
+                <a:tabLst/>
+                <a:defRPr/>
+              </a:pPr>
+              <a:endParaRPr kumimoji="0" lang="en-US" sz="3200" b="0" i="0" u="none" strike="noStrike" kern="0" cap="none" spc="0" normalizeH="0" baseline="0" noProof="0">
+                <a:ln>
+                  <a:noFill/>
+                </a:ln>
+                <a:solidFill>
+                  <a:prstClr val="white"/>
+                </a:solidFill>
+                <a:effectLst/>
+                <a:uLnTx/>
+                <a:uFillTx/>
+                <a:latin typeface="Open Sans Light"/>
+                <a:ea typeface="+mn-ea"/>
+                <a:cs typeface="+mn-cs"/>
+              </a:endParaRPr>
+            </a:p>
+          </p:txBody>
+        </p:sp>
+      </p:grpSp>
     </p:spTree>
     <p:extLst>
       <p:ext uri="{BB962C8B-B14F-4D97-AF65-F5344CB8AC3E}">
@@ -7415,6 +10810,1028 @@
   <p:clrMapOvr>
     <a:masterClrMapping/>
   </p:clrMapOvr>
+  <p:timing>
+    <p:tnLst>
+      <p:par>
+        <p:cTn id="1" dur="indefinite" restart="never" nodeType="tmRoot">
+          <p:childTnLst>
+            <p:seq concurrent="1" nextAc="seek">
+              <p:cTn id="2" dur="indefinite" nodeType="mainSeq">
+                <p:childTnLst>
+                  <p:par>
+                    <p:cTn id="3" fill="hold">
+                      <p:stCondLst>
+                        <p:cond delay="indefinite"/>
+                      </p:stCondLst>
+                      <p:childTnLst>
+                        <p:par>
+                          <p:cTn id="4" fill="hold">
+                            <p:stCondLst>
+                              <p:cond delay="0"/>
+                            </p:stCondLst>
+                            <p:childTnLst>
+                              <p:par>
+                                <p:cTn id="5" presetID="2" presetClass="entr" presetSubtype="8" decel="50000" fill="hold" nodeType="clickEffect">
+                                  <p:stCondLst>
+                                    <p:cond delay="0"/>
+                                  </p:stCondLst>
+                                  <p:childTnLst>
+                                    <p:set>
+                                      <p:cBhvr>
+                                        <p:cTn id="6" dur="1" fill="hold">
+                                          <p:stCondLst>
+                                            <p:cond delay="0"/>
+                                          </p:stCondLst>
+                                        </p:cTn>
+                                        <p:tgtEl>
+                                          <p:spTgt spid="35"/>
+                                        </p:tgtEl>
+                                        <p:attrNameLst>
+                                          <p:attrName>style.visibility</p:attrName>
+                                        </p:attrNameLst>
+                                      </p:cBhvr>
+                                      <p:to>
+                                        <p:strVal val="visible"/>
+                                      </p:to>
+                                    </p:set>
+                                    <p:anim calcmode="lin" valueType="num">
+                                      <p:cBhvr additive="base">
+                                        <p:cTn id="7" dur="900" fill="hold"/>
+                                        <p:tgtEl>
+                                          <p:spTgt spid="35"/>
+                                        </p:tgtEl>
+                                        <p:attrNameLst>
+                                          <p:attrName>ppt_x</p:attrName>
+                                        </p:attrNameLst>
+                                      </p:cBhvr>
+                                      <p:tavLst>
+                                        <p:tav tm="0">
+                                          <p:val>
+                                            <p:strVal val="0-#ppt_w/2"/>
+                                          </p:val>
+                                        </p:tav>
+                                        <p:tav tm="100000">
+                                          <p:val>
+                                            <p:strVal val="#ppt_x"/>
+                                          </p:val>
+                                        </p:tav>
+                                      </p:tavLst>
+                                    </p:anim>
+                                    <p:anim calcmode="lin" valueType="num">
+                                      <p:cBhvr additive="base">
+                                        <p:cTn id="8" dur="900" fill="hold"/>
+                                        <p:tgtEl>
+                                          <p:spTgt spid="35"/>
+                                        </p:tgtEl>
+                                        <p:attrNameLst>
+                                          <p:attrName>ppt_y</p:attrName>
+                                        </p:attrNameLst>
+                                      </p:cBhvr>
+                                      <p:tavLst>
+                                        <p:tav tm="0">
+                                          <p:val>
+                                            <p:strVal val="#ppt_y"/>
+                                          </p:val>
+                                        </p:tav>
+                                        <p:tav tm="100000">
+                                          <p:val>
+                                            <p:strVal val="#ppt_y"/>
+                                          </p:val>
+                                        </p:tav>
+                                      </p:tavLst>
+                                    </p:anim>
+                                  </p:childTnLst>
+                                </p:cTn>
+                              </p:par>
+                              <p:par>
+                                <p:cTn id="9" presetID="10" presetClass="entr" presetSubtype="0" fill="hold" grpId="0" nodeType="withEffect">
+                                  <p:stCondLst>
+                                    <p:cond delay="800"/>
+                                  </p:stCondLst>
+                                  <p:childTnLst>
+                                    <p:set>
+                                      <p:cBhvr>
+                                        <p:cTn id="10" dur="1" fill="hold">
+                                          <p:stCondLst>
+                                            <p:cond delay="0"/>
+                                          </p:stCondLst>
+                                        </p:cTn>
+                                        <p:tgtEl>
+                                          <p:spTgt spid="19"/>
+                                        </p:tgtEl>
+                                        <p:attrNameLst>
+                                          <p:attrName>style.visibility</p:attrName>
+                                        </p:attrNameLst>
+                                      </p:cBhvr>
+                                      <p:to>
+                                        <p:strVal val="visible"/>
+                                      </p:to>
+                                    </p:set>
+                                    <p:animEffect transition="in" filter="fade">
+                                      <p:cBhvr>
+                                        <p:cTn id="11" dur="500"/>
+                                        <p:tgtEl>
+                                          <p:spTgt spid="19"/>
+                                        </p:tgtEl>
+                                      </p:cBhvr>
+                                    </p:animEffect>
+                                  </p:childTnLst>
+                                </p:cTn>
+                              </p:par>
+                              <p:par>
+                                <p:cTn id="12" presetID="22" presetClass="entr" presetSubtype="1" fill="hold" nodeType="withEffect">
+                                  <p:stCondLst>
+                                    <p:cond delay="800"/>
+                                  </p:stCondLst>
+                                  <p:childTnLst>
+                                    <p:set>
+                                      <p:cBhvr>
+                                        <p:cTn id="13" dur="1" fill="hold">
+                                          <p:stCondLst>
+                                            <p:cond delay="0"/>
+                                          </p:stCondLst>
+                                        </p:cTn>
+                                        <p:tgtEl>
+                                          <p:spTgt spid="24"/>
+                                        </p:tgtEl>
+                                        <p:attrNameLst>
+                                          <p:attrName>style.visibility</p:attrName>
+                                        </p:attrNameLst>
+                                      </p:cBhvr>
+                                      <p:to>
+                                        <p:strVal val="visible"/>
+                                      </p:to>
+                                    </p:set>
+                                    <p:animEffect transition="in" filter="wipe(up)">
+                                      <p:cBhvr>
+                                        <p:cTn id="14" dur="500"/>
+                                        <p:tgtEl>
+                                          <p:spTgt spid="24"/>
+                                        </p:tgtEl>
+                                      </p:cBhvr>
+                                    </p:animEffect>
+                                  </p:childTnLst>
+                                </p:cTn>
+                              </p:par>
+                              <p:par>
+                                <p:cTn id="15" presetID="10" presetClass="entr" presetSubtype="0" fill="hold" grpId="0" nodeType="withEffect">
+                                  <p:stCondLst>
+                                    <p:cond delay="800"/>
+                                  </p:stCondLst>
+                                  <p:childTnLst>
+                                    <p:set>
+                                      <p:cBhvr>
+                                        <p:cTn id="16" dur="1" fill="hold">
+                                          <p:stCondLst>
+                                            <p:cond delay="0"/>
+                                          </p:stCondLst>
+                                        </p:cTn>
+                                        <p:tgtEl>
+                                          <p:spTgt spid="30"/>
+                                        </p:tgtEl>
+                                        <p:attrNameLst>
+                                          <p:attrName>style.visibility</p:attrName>
+                                        </p:attrNameLst>
+                                      </p:cBhvr>
+                                      <p:to>
+                                        <p:strVal val="visible"/>
+                                      </p:to>
+                                    </p:set>
+                                    <p:animEffect transition="in" filter="fade">
+                                      <p:cBhvr>
+                                        <p:cTn id="17" dur="500"/>
+                                        <p:tgtEl>
+                                          <p:spTgt spid="30"/>
+                                        </p:tgtEl>
+                                      </p:cBhvr>
+                                    </p:animEffect>
+                                  </p:childTnLst>
+                                </p:cTn>
+                              </p:par>
+                            </p:childTnLst>
+                          </p:cTn>
+                        </p:par>
+                      </p:childTnLst>
+                    </p:cTn>
+                  </p:par>
+                  <p:par>
+                    <p:cTn id="18" fill="hold">
+                      <p:stCondLst>
+                        <p:cond delay="indefinite"/>
+                      </p:stCondLst>
+                      <p:childTnLst>
+                        <p:par>
+                          <p:cTn id="19" fill="hold">
+                            <p:stCondLst>
+                              <p:cond delay="0"/>
+                            </p:stCondLst>
+                            <p:childTnLst>
+                              <p:par>
+                                <p:cTn id="20" presetID="2" presetClass="entr" presetSubtype="8" decel="50000" fill="hold" nodeType="clickEffect">
+                                  <p:stCondLst>
+                                    <p:cond delay="0"/>
+                                  </p:stCondLst>
+                                  <p:childTnLst>
+                                    <p:set>
+                                      <p:cBhvr>
+                                        <p:cTn id="21" dur="1" fill="hold">
+                                          <p:stCondLst>
+                                            <p:cond delay="0"/>
+                                          </p:stCondLst>
+                                        </p:cTn>
+                                        <p:tgtEl>
+                                          <p:spTgt spid="16"/>
+                                        </p:tgtEl>
+                                        <p:attrNameLst>
+                                          <p:attrName>style.visibility</p:attrName>
+                                        </p:attrNameLst>
+                                      </p:cBhvr>
+                                      <p:to>
+                                        <p:strVal val="visible"/>
+                                      </p:to>
+                                    </p:set>
+                                    <p:anim calcmode="lin" valueType="num">
+                                      <p:cBhvr additive="base">
+                                        <p:cTn id="22" dur="1000" fill="hold"/>
+                                        <p:tgtEl>
+                                          <p:spTgt spid="16"/>
+                                        </p:tgtEl>
+                                        <p:attrNameLst>
+                                          <p:attrName>ppt_x</p:attrName>
+                                        </p:attrNameLst>
+                                      </p:cBhvr>
+                                      <p:tavLst>
+                                        <p:tav tm="0">
+                                          <p:val>
+                                            <p:strVal val="0-#ppt_w/2"/>
+                                          </p:val>
+                                        </p:tav>
+                                        <p:tav tm="100000">
+                                          <p:val>
+                                            <p:strVal val="#ppt_x"/>
+                                          </p:val>
+                                        </p:tav>
+                                      </p:tavLst>
+                                    </p:anim>
+                                    <p:anim calcmode="lin" valueType="num">
+                                      <p:cBhvr additive="base">
+                                        <p:cTn id="23" dur="1000" fill="hold"/>
+                                        <p:tgtEl>
+                                          <p:spTgt spid="16"/>
+                                        </p:tgtEl>
+                                        <p:attrNameLst>
+                                          <p:attrName>ppt_y</p:attrName>
+                                        </p:attrNameLst>
+                                      </p:cBhvr>
+                                      <p:tavLst>
+                                        <p:tav tm="0">
+                                          <p:val>
+                                            <p:strVal val="#ppt_y"/>
+                                          </p:val>
+                                        </p:tav>
+                                        <p:tav tm="100000">
+                                          <p:val>
+                                            <p:strVal val="#ppt_y"/>
+                                          </p:val>
+                                        </p:tav>
+                                      </p:tavLst>
+                                    </p:anim>
+                                  </p:childTnLst>
+                                </p:cTn>
+                              </p:par>
+                              <p:par>
+                                <p:cTn id="24" presetID="10" presetClass="entr" presetSubtype="0" fill="hold" grpId="0" nodeType="withEffect">
+                                  <p:stCondLst>
+                                    <p:cond delay="800"/>
+                                  </p:stCondLst>
+                                  <p:childTnLst>
+                                    <p:set>
+                                      <p:cBhvr>
+                                        <p:cTn id="25" dur="1" fill="hold">
+                                          <p:stCondLst>
+                                            <p:cond delay="0"/>
+                                          </p:stCondLst>
+                                        </p:cTn>
+                                        <p:tgtEl>
+                                          <p:spTgt spid="20"/>
+                                        </p:tgtEl>
+                                        <p:attrNameLst>
+                                          <p:attrName>style.visibility</p:attrName>
+                                        </p:attrNameLst>
+                                      </p:cBhvr>
+                                      <p:to>
+                                        <p:strVal val="visible"/>
+                                      </p:to>
+                                    </p:set>
+                                    <p:animEffect transition="in" filter="fade">
+                                      <p:cBhvr>
+                                        <p:cTn id="26" dur="500"/>
+                                        <p:tgtEl>
+                                          <p:spTgt spid="20"/>
+                                        </p:tgtEl>
+                                      </p:cBhvr>
+                                    </p:animEffect>
+                                  </p:childTnLst>
+                                </p:cTn>
+                              </p:par>
+                              <p:par>
+                                <p:cTn id="27" presetID="22" presetClass="entr" presetSubtype="1" fill="hold" nodeType="withEffect">
+                                  <p:stCondLst>
+                                    <p:cond delay="800"/>
+                                  </p:stCondLst>
+                                  <p:childTnLst>
+                                    <p:set>
+                                      <p:cBhvr>
+                                        <p:cTn id="28" dur="1" fill="hold">
+                                          <p:stCondLst>
+                                            <p:cond delay="0"/>
+                                          </p:stCondLst>
+                                        </p:cTn>
+                                        <p:tgtEl>
+                                          <p:spTgt spid="25"/>
+                                        </p:tgtEl>
+                                        <p:attrNameLst>
+                                          <p:attrName>style.visibility</p:attrName>
+                                        </p:attrNameLst>
+                                      </p:cBhvr>
+                                      <p:to>
+                                        <p:strVal val="visible"/>
+                                      </p:to>
+                                    </p:set>
+                                    <p:animEffect transition="in" filter="wipe(up)">
+                                      <p:cBhvr>
+                                        <p:cTn id="29" dur="500"/>
+                                        <p:tgtEl>
+                                          <p:spTgt spid="25"/>
+                                        </p:tgtEl>
+                                      </p:cBhvr>
+                                    </p:animEffect>
+                                  </p:childTnLst>
+                                </p:cTn>
+                              </p:par>
+                              <p:par>
+                                <p:cTn id="30" presetID="10" presetClass="entr" presetSubtype="0" fill="hold" grpId="0" nodeType="withEffect">
+                                  <p:stCondLst>
+                                    <p:cond delay="800"/>
+                                  </p:stCondLst>
+                                  <p:childTnLst>
+                                    <p:set>
+                                      <p:cBhvr>
+                                        <p:cTn id="31" dur="1" fill="hold">
+                                          <p:stCondLst>
+                                            <p:cond delay="0"/>
+                                          </p:stCondLst>
+                                        </p:cTn>
+                                        <p:tgtEl>
+                                          <p:spTgt spid="31"/>
+                                        </p:tgtEl>
+                                        <p:attrNameLst>
+                                          <p:attrName>style.visibility</p:attrName>
+                                        </p:attrNameLst>
+                                      </p:cBhvr>
+                                      <p:to>
+                                        <p:strVal val="visible"/>
+                                      </p:to>
+                                    </p:set>
+                                    <p:animEffect transition="in" filter="fade">
+                                      <p:cBhvr>
+                                        <p:cTn id="32" dur="500"/>
+                                        <p:tgtEl>
+                                          <p:spTgt spid="31"/>
+                                        </p:tgtEl>
+                                      </p:cBhvr>
+                                    </p:animEffect>
+                                  </p:childTnLst>
+                                </p:cTn>
+                              </p:par>
+                            </p:childTnLst>
+                          </p:cTn>
+                        </p:par>
+                      </p:childTnLst>
+                    </p:cTn>
+                  </p:par>
+                  <p:par>
+                    <p:cTn id="33" fill="hold">
+                      <p:stCondLst>
+                        <p:cond delay="indefinite"/>
+                      </p:stCondLst>
+                      <p:childTnLst>
+                        <p:par>
+                          <p:cTn id="34" fill="hold">
+                            <p:stCondLst>
+                              <p:cond delay="0"/>
+                            </p:stCondLst>
+                            <p:childTnLst>
+                              <p:par>
+                                <p:cTn id="35" presetID="2" presetClass="entr" presetSubtype="8" decel="50000" fill="hold" nodeType="clickEffect">
+                                  <p:stCondLst>
+                                    <p:cond delay="0"/>
+                                  </p:stCondLst>
+                                  <p:childTnLst>
+                                    <p:set>
+                                      <p:cBhvr>
+                                        <p:cTn id="36" dur="1" fill="hold">
+                                          <p:stCondLst>
+                                            <p:cond delay="0"/>
+                                          </p:stCondLst>
+                                        </p:cTn>
+                                        <p:tgtEl>
+                                          <p:spTgt spid="13"/>
+                                        </p:tgtEl>
+                                        <p:attrNameLst>
+                                          <p:attrName>style.visibility</p:attrName>
+                                        </p:attrNameLst>
+                                      </p:cBhvr>
+                                      <p:to>
+                                        <p:strVal val="visible"/>
+                                      </p:to>
+                                    </p:set>
+                                    <p:anim calcmode="lin" valueType="num">
+                                      <p:cBhvr additive="base">
+                                        <p:cTn id="37" dur="1100" fill="hold"/>
+                                        <p:tgtEl>
+                                          <p:spTgt spid="13"/>
+                                        </p:tgtEl>
+                                        <p:attrNameLst>
+                                          <p:attrName>ppt_x</p:attrName>
+                                        </p:attrNameLst>
+                                      </p:cBhvr>
+                                      <p:tavLst>
+                                        <p:tav tm="0">
+                                          <p:val>
+                                            <p:strVal val="0-#ppt_w/2"/>
+                                          </p:val>
+                                        </p:tav>
+                                        <p:tav tm="100000">
+                                          <p:val>
+                                            <p:strVal val="#ppt_x"/>
+                                          </p:val>
+                                        </p:tav>
+                                      </p:tavLst>
+                                    </p:anim>
+                                    <p:anim calcmode="lin" valueType="num">
+                                      <p:cBhvr additive="base">
+                                        <p:cTn id="38" dur="1100" fill="hold"/>
+                                        <p:tgtEl>
+                                          <p:spTgt spid="13"/>
+                                        </p:tgtEl>
+                                        <p:attrNameLst>
+                                          <p:attrName>ppt_y</p:attrName>
+                                        </p:attrNameLst>
+                                      </p:cBhvr>
+                                      <p:tavLst>
+                                        <p:tav tm="0">
+                                          <p:val>
+                                            <p:strVal val="#ppt_y"/>
+                                          </p:val>
+                                        </p:tav>
+                                        <p:tav tm="100000">
+                                          <p:val>
+                                            <p:strVal val="#ppt_y"/>
+                                          </p:val>
+                                        </p:tav>
+                                      </p:tavLst>
+                                    </p:anim>
+                                  </p:childTnLst>
+                                </p:cTn>
+                              </p:par>
+                              <p:par>
+                                <p:cTn id="39" presetID="10" presetClass="entr" presetSubtype="0" fill="hold" grpId="0" nodeType="withEffect">
+                                  <p:stCondLst>
+                                    <p:cond delay="800"/>
+                                  </p:stCondLst>
+                                  <p:childTnLst>
+                                    <p:set>
+                                      <p:cBhvr>
+                                        <p:cTn id="40" dur="1" fill="hold">
+                                          <p:stCondLst>
+                                            <p:cond delay="0"/>
+                                          </p:stCondLst>
+                                        </p:cTn>
+                                        <p:tgtEl>
+                                          <p:spTgt spid="21"/>
+                                        </p:tgtEl>
+                                        <p:attrNameLst>
+                                          <p:attrName>style.visibility</p:attrName>
+                                        </p:attrNameLst>
+                                      </p:cBhvr>
+                                      <p:to>
+                                        <p:strVal val="visible"/>
+                                      </p:to>
+                                    </p:set>
+                                    <p:animEffect transition="in" filter="fade">
+                                      <p:cBhvr>
+                                        <p:cTn id="41" dur="500"/>
+                                        <p:tgtEl>
+                                          <p:spTgt spid="21"/>
+                                        </p:tgtEl>
+                                      </p:cBhvr>
+                                    </p:animEffect>
+                                  </p:childTnLst>
+                                </p:cTn>
+                              </p:par>
+                              <p:par>
+                                <p:cTn id="42" presetID="22" presetClass="entr" presetSubtype="1" fill="hold" nodeType="withEffect">
+                                  <p:stCondLst>
+                                    <p:cond delay="800"/>
+                                  </p:stCondLst>
+                                  <p:childTnLst>
+                                    <p:set>
+                                      <p:cBhvr>
+                                        <p:cTn id="43" dur="1" fill="hold">
+                                          <p:stCondLst>
+                                            <p:cond delay="0"/>
+                                          </p:stCondLst>
+                                        </p:cTn>
+                                        <p:tgtEl>
+                                          <p:spTgt spid="26"/>
+                                        </p:tgtEl>
+                                        <p:attrNameLst>
+                                          <p:attrName>style.visibility</p:attrName>
+                                        </p:attrNameLst>
+                                      </p:cBhvr>
+                                      <p:to>
+                                        <p:strVal val="visible"/>
+                                      </p:to>
+                                    </p:set>
+                                    <p:animEffect transition="in" filter="wipe(up)">
+                                      <p:cBhvr>
+                                        <p:cTn id="44" dur="500"/>
+                                        <p:tgtEl>
+                                          <p:spTgt spid="26"/>
+                                        </p:tgtEl>
+                                      </p:cBhvr>
+                                    </p:animEffect>
+                                  </p:childTnLst>
+                                </p:cTn>
+                              </p:par>
+                              <p:par>
+                                <p:cTn id="45" presetID="10" presetClass="entr" presetSubtype="0" fill="hold" grpId="0" nodeType="withEffect">
+                                  <p:stCondLst>
+                                    <p:cond delay="800"/>
+                                  </p:stCondLst>
+                                  <p:childTnLst>
+                                    <p:set>
+                                      <p:cBhvr>
+                                        <p:cTn id="46" dur="1" fill="hold">
+                                          <p:stCondLst>
+                                            <p:cond delay="0"/>
+                                          </p:stCondLst>
+                                        </p:cTn>
+                                        <p:tgtEl>
+                                          <p:spTgt spid="32"/>
+                                        </p:tgtEl>
+                                        <p:attrNameLst>
+                                          <p:attrName>style.visibility</p:attrName>
+                                        </p:attrNameLst>
+                                      </p:cBhvr>
+                                      <p:to>
+                                        <p:strVal val="visible"/>
+                                      </p:to>
+                                    </p:set>
+                                    <p:animEffect transition="in" filter="fade">
+                                      <p:cBhvr>
+                                        <p:cTn id="47" dur="500"/>
+                                        <p:tgtEl>
+                                          <p:spTgt spid="32"/>
+                                        </p:tgtEl>
+                                      </p:cBhvr>
+                                    </p:animEffect>
+                                  </p:childTnLst>
+                                </p:cTn>
+                              </p:par>
+                            </p:childTnLst>
+                          </p:cTn>
+                        </p:par>
+                      </p:childTnLst>
+                    </p:cTn>
+                  </p:par>
+                  <p:par>
+                    <p:cTn id="48" fill="hold">
+                      <p:stCondLst>
+                        <p:cond delay="indefinite"/>
+                      </p:stCondLst>
+                      <p:childTnLst>
+                        <p:par>
+                          <p:cTn id="49" fill="hold">
+                            <p:stCondLst>
+                              <p:cond delay="0"/>
+                            </p:stCondLst>
+                            <p:childTnLst>
+                              <p:par>
+                                <p:cTn id="50" presetID="2" presetClass="entr" presetSubtype="8" decel="50000" fill="hold" nodeType="clickEffect">
+                                  <p:stCondLst>
+                                    <p:cond delay="0"/>
+                                  </p:stCondLst>
+                                  <p:childTnLst>
+                                    <p:set>
+                                      <p:cBhvr>
+                                        <p:cTn id="51" dur="1" fill="hold">
+                                          <p:stCondLst>
+                                            <p:cond delay="0"/>
+                                          </p:stCondLst>
+                                        </p:cTn>
+                                        <p:tgtEl>
+                                          <p:spTgt spid="10"/>
+                                        </p:tgtEl>
+                                        <p:attrNameLst>
+                                          <p:attrName>style.visibility</p:attrName>
+                                        </p:attrNameLst>
+                                      </p:cBhvr>
+                                      <p:to>
+                                        <p:strVal val="visible"/>
+                                      </p:to>
+                                    </p:set>
+                                    <p:anim calcmode="lin" valueType="num">
+                                      <p:cBhvr additive="base">
+                                        <p:cTn id="52" dur="1200" fill="hold"/>
+                                        <p:tgtEl>
+                                          <p:spTgt spid="10"/>
+                                        </p:tgtEl>
+                                        <p:attrNameLst>
+                                          <p:attrName>ppt_x</p:attrName>
+                                        </p:attrNameLst>
+                                      </p:cBhvr>
+                                      <p:tavLst>
+                                        <p:tav tm="0">
+                                          <p:val>
+                                            <p:strVal val="0-#ppt_w/2"/>
+                                          </p:val>
+                                        </p:tav>
+                                        <p:tav tm="100000">
+                                          <p:val>
+                                            <p:strVal val="#ppt_x"/>
+                                          </p:val>
+                                        </p:tav>
+                                      </p:tavLst>
+                                    </p:anim>
+                                    <p:anim calcmode="lin" valueType="num">
+                                      <p:cBhvr additive="base">
+                                        <p:cTn id="53" dur="1200" fill="hold"/>
+                                        <p:tgtEl>
+                                          <p:spTgt spid="10"/>
+                                        </p:tgtEl>
+                                        <p:attrNameLst>
+                                          <p:attrName>ppt_y</p:attrName>
+                                        </p:attrNameLst>
+                                      </p:cBhvr>
+                                      <p:tavLst>
+                                        <p:tav tm="0">
+                                          <p:val>
+                                            <p:strVal val="#ppt_y"/>
+                                          </p:val>
+                                        </p:tav>
+                                        <p:tav tm="100000">
+                                          <p:val>
+                                            <p:strVal val="#ppt_y"/>
+                                          </p:val>
+                                        </p:tav>
+                                      </p:tavLst>
+                                    </p:anim>
+                                  </p:childTnLst>
+                                </p:cTn>
+                              </p:par>
+                              <p:par>
+                                <p:cTn id="54" presetID="10" presetClass="entr" presetSubtype="0" fill="hold" grpId="0" nodeType="withEffect">
+                                  <p:stCondLst>
+                                    <p:cond delay="800"/>
+                                  </p:stCondLst>
+                                  <p:childTnLst>
+                                    <p:set>
+                                      <p:cBhvr>
+                                        <p:cTn id="55" dur="1" fill="hold">
+                                          <p:stCondLst>
+                                            <p:cond delay="0"/>
+                                          </p:stCondLst>
+                                        </p:cTn>
+                                        <p:tgtEl>
+                                          <p:spTgt spid="22"/>
+                                        </p:tgtEl>
+                                        <p:attrNameLst>
+                                          <p:attrName>style.visibility</p:attrName>
+                                        </p:attrNameLst>
+                                      </p:cBhvr>
+                                      <p:to>
+                                        <p:strVal val="visible"/>
+                                      </p:to>
+                                    </p:set>
+                                    <p:animEffect transition="in" filter="fade">
+                                      <p:cBhvr>
+                                        <p:cTn id="56" dur="500"/>
+                                        <p:tgtEl>
+                                          <p:spTgt spid="22"/>
+                                        </p:tgtEl>
+                                      </p:cBhvr>
+                                    </p:animEffect>
+                                  </p:childTnLst>
+                                </p:cTn>
+                              </p:par>
+                              <p:par>
+                                <p:cTn id="57" presetID="22" presetClass="entr" presetSubtype="1" fill="hold" nodeType="withEffect">
+                                  <p:stCondLst>
+                                    <p:cond delay="800"/>
+                                  </p:stCondLst>
+                                  <p:childTnLst>
+                                    <p:set>
+                                      <p:cBhvr>
+                                        <p:cTn id="58" dur="1" fill="hold">
+                                          <p:stCondLst>
+                                            <p:cond delay="0"/>
+                                          </p:stCondLst>
+                                        </p:cTn>
+                                        <p:tgtEl>
+                                          <p:spTgt spid="28"/>
+                                        </p:tgtEl>
+                                        <p:attrNameLst>
+                                          <p:attrName>style.visibility</p:attrName>
+                                        </p:attrNameLst>
+                                      </p:cBhvr>
+                                      <p:to>
+                                        <p:strVal val="visible"/>
+                                      </p:to>
+                                    </p:set>
+                                    <p:animEffect transition="in" filter="wipe(up)">
+                                      <p:cBhvr>
+                                        <p:cTn id="59" dur="500"/>
+                                        <p:tgtEl>
+                                          <p:spTgt spid="28"/>
+                                        </p:tgtEl>
+                                      </p:cBhvr>
+                                    </p:animEffect>
+                                  </p:childTnLst>
+                                </p:cTn>
+                              </p:par>
+                              <p:par>
+                                <p:cTn id="60" presetID="10" presetClass="entr" presetSubtype="0" fill="hold" grpId="0" nodeType="withEffect">
+                                  <p:stCondLst>
+                                    <p:cond delay="800"/>
+                                  </p:stCondLst>
+                                  <p:childTnLst>
+                                    <p:set>
+                                      <p:cBhvr>
+                                        <p:cTn id="61" dur="1" fill="hold">
+                                          <p:stCondLst>
+                                            <p:cond delay="0"/>
+                                          </p:stCondLst>
+                                        </p:cTn>
+                                        <p:tgtEl>
+                                          <p:spTgt spid="33"/>
+                                        </p:tgtEl>
+                                        <p:attrNameLst>
+                                          <p:attrName>style.visibility</p:attrName>
+                                        </p:attrNameLst>
+                                      </p:cBhvr>
+                                      <p:to>
+                                        <p:strVal val="visible"/>
+                                      </p:to>
+                                    </p:set>
+                                    <p:animEffect transition="in" filter="fade">
+                                      <p:cBhvr>
+                                        <p:cTn id="62" dur="500"/>
+                                        <p:tgtEl>
+                                          <p:spTgt spid="33"/>
+                                        </p:tgtEl>
+                                      </p:cBhvr>
+                                    </p:animEffect>
+                                  </p:childTnLst>
+                                </p:cTn>
+                              </p:par>
+                            </p:childTnLst>
+                          </p:cTn>
+                        </p:par>
+                      </p:childTnLst>
+                    </p:cTn>
+                  </p:par>
+                  <p:par>
+                    <p:cTn id="63" fill="hold">
+                      <p:stCondLst>
+                        <p:cond delay="indefinite"/>
+                      </p:stCondLst>
+                      <p:childTnLst>
+                        <p:par>
+                          <p:cTn id="64" fill="hold">
+                            <p:stCondLst>
+                              <p:cond delay="0"/>
+                            </p:stCondLst>
+                            <p:childTnLst>
+                              <p:par>
+                                <p:cTn id="65" presetID="2" presetClass="entr" presetSubtype="8" decel="66667" fill="hold" nodeType="clickEffect">
+                                  <p:stCondLst>
+                                    <p:cond delay="0"/>
+                                  </p:stCondLst>
+                                  <p:childTnLst>
+                                    <p:set>
+                                      <p:cBhvr>
+                                        <p:cTn id="66" dur="1" fill="hold">
+                                          <p:stCondLst>
+                                            <p:cond delay="0"/>
+                                          </p:stCondLst>
+                                        </p:cTn>
+                                        <p:tgtEl>
+                                          <p:spTgt spid="7"/>
+                                        </p:tgtEl>
+                                        <p:attrNameLst>
+                                          <p:attrName>style.visibility</p:attrName>
+                                        </p:attrNameLst>
+                                      </p:cBhvr>
+                                      <p:to>
+                                        <p:strVal val="visible"/>
+                                      </p:to>
+                                    </p:set>
+                                    <p:anim calcmode="lin" valueType="num">
+                                      <p:cBhvr additive="base">
+                                        <p:cTn id="67" dur="1500" fill="hold"/>
+                                        <p:tgtEl>
+                                          <p:spTgt spid="7"/>
+                                        </p:tgtEl>
+                                        <p:attrNameLst>
+                                          <p:attrName>ppt_x</p:attrName>
+                                        </p:attrNameLst>
+                                      </p:cBhvr>
+                                      <p:tavLst>
+                                        <p:tav tm="0">
+                                          <p:val>
+                                            <p:strVal val="0-#ppt_w/2"/>
+                                          </p:val>
+                                        </p:tav>
+                                        <p:tav tm="100000">
+                                          <p:val>
+                                            <p:strVal val="#ppt_x"/>
+                                          </p:val>
+                                        </p:tav>
+                                      </p:tavLst>
+                                    </p:anim>
+                                    <p:anim calcmode="lin" valueType="num">
+                                      <p:cBhvr additive="base">
+                                        <p:cTn id="68" dur="1500" fill="hold"/>
+                                        <p:tgtEl>
+                                          <p:spTgt spid="7"/>
+                                        </p:tgtEl>
+                                        <p:attrNameLst>
+                                          <p:attrName>ppt_y</p:attrName>
+                                        </p:attrNameLst>
+                                      </p:cBhvr>
+                                      <p:tavLst>
+                                        <p:tav tm="0">
+                                          <p:val>
+                                            <p:strVal val="#ppt_y"/>
+                                          </p:val>
+                                        </p:tav>
+                                        <p:tav tm="100000">
+                                          <p:val>
+                                            <p:strVal val="#ppt_y"/>
+                                          </p:val>
+                                        </p:tav>
+                                      </p:tavLst>
+                                    </p:anim>
+                                  </p:childTnLst>
+                                </p:cTn>
+                              </p:par>
+                              <p:par>
+                                <p:cTn id="69" presetID="10" presetClass="entr" presetSubtype="0" fill="hold" grpId="0" nodeType="withEffect">
+                                  <p:stCondLst>
+                                    <p:cond delay="800"/>
+                                  </p:stCondLst>
+                                  <p:childTnLst>
+                                    <p:set>
+                                      <p:cBhvr>
+                                        <p:cTn id="70" dur="1" fill="hold">
+                                          <p:stCondLst>
+                                            <p:cond delay="0"/>
+                                          </p:stCondLst>
+                                        </p:cTn>
+                                        <p:tgtEl>
+                                          <p:spTgt spid="23"/>
+                                        </p:tgtEl>
+                                        <p:attrNameLst>
+                                          <p:attrName>style.visibility</p:attrName>
+                                        </p:attrNameLst>
+                                      </p:cBhvr>
+                                      <p:to>
+                                        <p:strVal val="visible"/>
+                                      </p:to>
+                                    </p:set>
+                                    <p:animEffect transition="in" filter="fade">
+                                      <p:cBhvr>
+                                        <p:cTn id="71" dur="500"/>
+                                        <p:tgtEl>
+                                          <p:spTgt spid="23"/>
+                                        </p:tgtEl>
+                                      </p:cBhvr>
+                                    </p:animEffect>
+                                  </p:childTnLst>
+                                </p:cTn>
+                              </p:par>
+                              <p:par>
+                                <p:cTn id="72" presetID="22" presetClass="entr" presetSubtype="1" fill="hold" nodeType="withEffect">
+                                  <p:stCondLst>
+                                    <p:cond delay="800"/>
+                                  </p:stCondLst>
+                                  <p:childTnLst>
+                                    <p:set>
+                                      <p:cBhvr>
+                                        <p:cTn id="73" dur="1" fill="hold">
+                                          <p:stCondLst>
+                                            <p:cond delay="0"/>
+                                          </p:stCondLst>
+                                        </p:cTn>
+                                        <p:tgtEl>
+                                          <p:spTgt spid="29"/>
+                                        </p:tgtEl>
+                                        <p:attrNameLst>
+                                          <p:attrName>style.visibility</p:attrName>
+                                        </p:attrNameLst>
+                                      </p:cBhvr>
+                                      <p:to>
+                                        <p:strVal val="visible"/>
+                                      </p:to>
+                                    </p:set>
+                                    <p:animEffect transition="in" filter="wipe(up)">
+                                      <p:cBhvr>
+                                        <p:cTn id="74" dur="500"/>
+                                        <p:tgtEl>
+                                          <p:spTgt spid="29"/>
+                                        </p:tgtEl>
+                                      </p:cBhvr>
+                                    </p:animEffect>
+                                  </p:childTnLst>
+                                </p:cTn>
+                              </p:par>
+                              <p:par>
+                                <p:cTn id="75" presetID="10" presetClass="entr" presetSubtype="0" fill="hold" grpId="0" nodeType="withEffect">
+                                  <p:stCondLst>
+                                    <p:cond delay="800"/>
+                                  </p:stCondLst>
+                                  <p:childTnLst>
+                                    <p:set>
+                                      <p:cBhvr>
+                                        <p:cTn id="76" dur="1" fill="hold">
+                                          <p:stCondLst>
+                                            <p:cond delay="0"/>
+                                          </p:stCondLst>
+                                        </p:cTn>
+                                        <p:tgtEl>
+                                          <p:spTgt spid="34"/>
+                                        </p:tgtEl>
+                                        <p:attrNameLst>
+                                          <p:attrName>style.visibility</p:attrName>
+                                        </p:attrNameLst>
+                                      </p:cBhvr>
+                                      <p:to>
+                                        <p:strVal val="visible"/>
+                                      </p:to>
+                                    </p:set>
+                                    <p:animEffect transition="in" filter="fade">
+                                      <p:cBhvr>
+                                        <p:cTn id="77" dur="500"/>
+                                        <p:tgtEl>
+                                          <p:spTgt spid="34"/>
+                                        </p:tgtEl>
+                                      </p:cBhvr>
+                                    </p:animEffect>
+                                  </p:childTnLst>
+                                </p:cTn>
+                              </p:par>
+                            </p:childTnLst>
+                          </p:cTn>
+                        </p:par>
+                      </p:childTnLst>
+                    </p:cTn>
+                  </p:par>
+                </p:childTnLst>
+              </p:cTn>
+              <p:prevCondLst>
+                <p:cond evt="onPrev" delay="0">
+                  <p:tgtEl>
+                    <p:sldTgt/>
+                  </p:tgtEl>
+                </p:cond>
+              </p:prevCondLst>
+              <p:nextCondLst>
+                <p:cond evt="onNext" delay="0">
+                  <p:tgtEl>
+                    <p:sldTgt/>
+                  </p:tgtEl>
+                </p:cond>
+              </p:nextCondLst>
+            </p:seq>
+          </p:childTnLst>
+        </p:cTn>
+      </p:par>
+    </p:tnLst>
+    <p:bldLst>
+      <p:bldP spid="19" grpId="0" animBg="1"/>
+      <p:bldP spid="20" grpId="0" animBg="1"/>
+      <p:bldP spid="21" grpId="0" animBg="1"/>
+      <p:bldP spid="22" grpId="0" animBg="1"/>
+      <p:bldP spid="23" grpId="0" animBg="1"/>
+      <p:bldP spid="30" grpId="0"/>
+      <p:bldP spid="31" grpId="0"/>
+      <p:bldP spid="32" grpId="0"/>
+      <p:bldP spid="33" grpId="0"/>
+      <p:bldP spid="34" grpId="0"/>
+    </p:bldLst>
+  </p:timing>
 </p:sld>
 </file>
 
@@ -7468,117 +11885,11 @@
                   <a:srgbClr val="C00000"/>
                 </a:solidFill>
               </a:rPr>
-              <a:t>la SG ATS ?</a:t>
-            </a:r>
-          </a:p>
-        </p:txBody>
-      </p:sp>
-      <p:sp>
-        <p:nvSpPr>
-          <p:cNvPr id="6" name="TextBox 5">
-            <a:extLst>
-              <a:ext uri="{FF2B5EF4-FFF2-40B4-BE49-F238E27FC236}">
-                <a16:creationId xmlns:a16="http://schemas.microsoft.com/office/drawing/2014/main" id="{F8CD28FE-7A78-405B-89A4-3C18B62BC5B2}"/>
-              </a:ext>
-            </a:extLst>
-          </p:cNvPr>
-          <p:cNvSpPr txBox="1"/>
-          <p:nvPr/>
-        </p:nvSpPr>
-        <p:spPr>
-          <a:xfrm>
-            <a:off x="1084881" y="1736271"/>
-            <a:ext cx="9488115" cy="3883231"/>
-          </a:xfrm>
-          <a:prstGeom prst="rect">
-            <a:avLst/>
-          </a:prstGeom>
-          <a:noFill/>
-        </p:spPr>
-        <p:txBody>
-          <a:bodyPr wrap="square" lIns="36000" tIns="36000" rIns="36000" bIns="36000" rtlCol="0">
-            <a:noAutofit/>
-          </a:bodyPr>
-          <a:lstStyle/>
-          <a:p>
-            <a:pPr algn="ctr">
-              <a:lnSpc>
-                <a:spcPct val="150000"/>
-              </a:lnSpc>
-            </a:pPr>
-            <a:r>
-              <a:rPr lang="fr-FR" dirty="0"/>
-              <a:t>SG ATS est une filiale du groupe Société Générale qui a démarré ses activités en début 2014, basée à Casablanca. Société Générale </a:t>
-            </a:r>
-            <a:r>
-              <a:rPr lang="fr-FR" dirty="0" err="1"/>
-              <a:t>Africa</a:t>
-            </a:r>
-            <a:r>
-              <a:rPr lang="fr-FR" dirty="0"/>
-              <a:t> Technologies &amp; Services regroupe des services liés aux activités de marché de la banque de financement et d’investissements (SG CIB), spécialisés en Recherche et Développement et en Ingénierie Financière.</a:t>
-            </a:r>
-            <a:endParaRPr lang="fr-FR" sz="2800" dirty="0"/>
-          </a:p>
-          <a:p>
-            <a:pPr lvl="1"/>
-            <a:endParaRPr lang="fr-FR" b="1" dirty="0"/>
-          </a:p>
-          <a:p>
-            <a:pPr lvl="1"/>
-            <a:endParaRPr lang="fr-FR" b="1" dirty="0"/>
-          </a:p>
-          <a:p>
-            <a:pPr lvl="1"/>
-            <a:endParaRPr lang="fr-FR" b="1" dirty="0"/>
-          </a:p>
-          <a:p>
-            <a:pPr marL="742950" lvl="1" indent="-285750">
-              <a:buAutoNum type="romanUcParenR"/>
-            </a:pPr>
-            <a:endParaRPr lang="fr-FR" sz="1100" dirty="0"/>
-          </a:p>
-          <a:p>
-            <a:endParaRPr lang="fr-FR" sz="1100" dirty="0" err="1"/>
-          </a:p>
-        </p:txBody>
-      </p:sp>
-      <p:pic>
-        <p:nvPicPr>
-          <p:cNvPr id="5" name="Picture 4">
-            <a:extLst>
-              <a:ext uri="{FF2B5EF4-FFF2-40B4-BE49-F238E27FC236}">
-                <a16:creationId xmlns:a16="http://schemas.microsoft.com/office/drawing/2014/main" id="{98AAC198-DB66-451F-BE00-893079593B1C}"/>
-              </a:ext>
-            </a:extLst>
-          </p:cNvPr>
-          <p:cNvPicPr>
-            <a:picLocks noChangeAspect="1"/>
-          </p:cNvPicPr>
-          <p:nvPr/>
-        </p:nvPicPr>
-        <p:blipFill>
-          <a:blip r:embed="rId2">
-            <a:extLst>
-              <a:ext uri="{28A0092B-C50C-407E-A947-70E740481C1C}">
-                <a14:useLocalDpi xmlns:a14="http://schemas.microsoft.com/office/drawing/2010/main" val="0"/>
-              </a:ext>
-            </a:extLst>
-          </a:blip>
-          <a:stretch>
-            <a:fillRect/>
-          </a:stretch>
-        </p:blipFill>
-        <p:spPr>
-          <a:xfrm>
-            <a:off x="3714749" y="3677887"/>
-            <a:ext cx="4762500" cy="2209800"/>
-          </a:xfrm>
-          <a:prstGeom prst="rect">
-            <a:avLst/>
-          </a:prstGeom>
-        </p:spPr>
-      </p:pic>
+              <a:t>SG ATS </a:t>
+            </a:r>
+          </a:p>
+        </p:txBody>
+      </p:sp>
       <p:cxnSp>
         <p:nvCxnSpPr>
           <p:cNvPr id="7" name="Straight Connector 6">
@@ -7622,6 +11933,611 @@
           </a:fontRef>
         </p:style>
       </p:cxnSp>
+      <p:sp>
+        <p:nvSpPr>
+          <p:cNvPr id="8" name="TextBox 7">
+            <a:extLst>
+              <a:ext uri="{FF2B5EF4-FFF2-40B4-BE49-F238E27FC236}">
+                <a16:creationId xmlns:a16="http://schemas.microsoft.com/office/drawing/2014/main" id="{6EAB5031-1A12-4437-9366-5CD122C63621}"/>
+              </a:ext>
+            </a:extLst>
+          </p:cNvPr>
+          <p:cNvSpPr txBox="1"/>
+          <p:nvPr/>
+        </p:nvSpPr>
+        <p:spPr>
+          <a:xfrm>
+            <a:off x="4232060" y="2126942"/>
+            <a:ext cx="3779520" cy="307777"/>
+          </a:xfrm>
+          <a:prstGeom prst="rect">
+            <a:avLst/>
+          </a:prstGeom>
+          <a:noFill/>
+        </p:spPr>
+        <p:txBody>
+          <a:bodyPr wrap="square" rtlCol="0">
+            <a:spAutoFit/>
+          </a:bodyPr>
+          <a:lstStyle/>
+          <a:p>
+            <a:r>
+              <a:rPr lang="fr-FR" sz="1400" dirty="0"/>
+              <a:t>Société Générale Africa Technologies &amp; Services</a:t>
+            </a:r>
+            <a:endParaRPr lang="en-US" sz="1400" dirty="0"/>
+          </a:p>
+        </p:txBody>
+      </p:sp>
+      <p:pic>
+        <p:nvPicPr>
+          <p:cNvPr id="9" name="Picture 8">
+            <a:extLst>
+              <a:ext uri="{FF2B5EF4-FFF2-40B4-BE49-F238E27FC236}">
+                <a16:creationId xmlns:a16="http://schemas.microsoft.com/office/drawing/2014/main" id="{EC1AE2A6-4905-41BE-AF48-9FF6A74786DE}"/>
+              </a:ext>
+            </a:extLst>
+          </p:cNvPr>
+          <p:cNvPicPr>
+            <a:picLocks noChangeAspect="1"/>
+          </p:cNvPicPr>
+          <p:nvPr/>
+        </p:nvPicPr>
+        <p:blipFill>
+          <a:blip r:embed="rId3">
+            <a:extLst>
+              <a:ext uri="{28A0092B-C50C-407E-A947-70E740481C1C}">
+                <a14:useLocalDpi xmlns:a14="http://schemas.microsoft.com/office/drawing/2010/main" val="0"/>
+              </a:ext>
+            </a:extLst>
+          </a:blip>
+          <a:stretch>
+            <a:fillRect/>
+          </a:stretch>
+        </p:blipFill>
+        <p:spPr>
+          <a:xfrm>
+            <a:off x="4366617" y="1488873"/>
+            <a:ext cx="3510406" cy="632645"/>
+          </a:xfrm>
+          <a:prstGeom prst="rect">
+            <a:avLst/>
+          </a:prstGeom>
+        </p:spPr>
+      </p:pic>
+      <p:sp>
+        <p:nvSpPr>
+          <p:cNvPr id="10" name="Parallelogram 242">
+            <a:extLst>
+              <a:ext uri="{FF2B5EF4-FFF2-40B4-BE49-F238E27FC236}">
+                <a16:creationId xmlns:a16="http://schemas.microsoft.com/office/drawing/2014/main" id="{10B5EF80-EB54-44D6-B08B-61FEDD7BC424}"/>
+              </a:ext>
+            </a:extLst>
+          </p:cNvPr>
+          <p:cNvSpPr/>
+          <p:nvPr/>
+        </p:nvSpPr>
+        <p:spPr>
+          <a:xfrm rot="5400000" flipV="1">
+            <a:off x="9864228" y="3350835"/>
+            <a:ext cx="1126908" cy="269817"/>
+          </a:xfrm>
+          <a:prstGeom prst="parallelogram">
+            <a:avLst>
+              <a:gd name="adj" fmla="val 66077"/>
+            </a:avLst>
+          </a:prstGeom>
+          <a:solidFill>
+            <a:srgbClr val="5BBE77">
+              <a:lumMod val="50000"/>
+            </a:srgbClr>
+          </a:solidFill>
+          <a:ln w="9525" cap="flat" cmpd="sng" algn="ctr">
+            <a:noFill/>
+            <a:prstDash val="solid"/>
+          </a:ln>
+          <a:effectLst/>
+        </p:spPr>
+        <p:txBody>
+          <a:bodyPr rtlCol="0" anchor="ctr"/>
+          <a:lstStyle/>
+          <a:p>
+            <a:pPr marL="0" marR="0" lvl="0" indent="0" algn="ctr" defTabSz="1219170" eaLnBrk="1" fontAlgn="auto" latinLnBrk="0" hangingPunct="1">
+              <a:lnSpc>
+                <a:spcPct val="100000"/>
+              </a:lnSpc>
+              <a:spcBef>
+                <a:spcPts val="0"/>
+              </a:spcBef>
+              <a:spcAft>
+                <a:spcPts val="0"/>
+              </a:spcAft>
+              <a:buClrTx/>
+              <a:buSzTx/>
+              <a:buFontTx/>
+              <a:buNone/>
+              <a:tabLst/>
+              <a:defRPr/>
+            </a:pPr>
+            <a:endParaRPr kumimoji="0" lang="en-US" sz="3200" b="0" i="0" u="none" strike="noStrike" kern="0" cap="none" spc="0" normalizeH="0" baseline="0" noProof="0">
+              <a:ln>
+                <a:noFill/>
+              </a:ln>
+              <a:solidFill>
+                <a:prstClr val="white"/>
+              </a:solidFill>
+              <a:effectLst/>
+              <a:uLnTx/>
+              <a:uFillTx/>
+              <a:latin typeface="Open Sans Light"/>
+              <a:ea typeface="+mn-ea"/>
+              <a:cs typeface="+mn-cs"/>
+            </a:endParaRPr>
+          </a:p>
+        </p:txBody>
+      </p:sp>
+      <p:sp>
+        <p:nvSpPr>
+          <p:cNvPr id="11" name="Rectangle 10">
+            <a:extLst>
+              <a:ext uri="{FF2B5EF4-FFF2-40B4-BE49-F238E27FC236}">
+                <a16:creationId xmlns:a16="http://schemas.microsoft.com/office/drawing/2014/main" id="{8A2829A1-F9CC-44C3-9533-9ECFB8EF227F}"/>
+              </a:ext>
+            </a:extLst>
+          </p:cNvPr>
+          <p:cNvSpPr/>
+          <p:nvPr/>
+        </p:nvSpPr>
+        <p:spPr>
+          <a:xfrm>
+            <a:off x="7312223" y="3860946"/>
+            <a:ext cx="2887380" cy="1779888"/>
+          </a:xfrm>
+          <a:prstGeom prst="rect">
+            <a:avLst/>
+          </a:prstGeom>
+          <a:solidFill>
+            <a:srgbClr val="57565A">
+              <a:alpha val="10000"/>
+            </a:srgbClr>
+          </a:solidFill>
+          <a:ln w="25400" cap="flat" cmpd="sng" algn="ctr">
+            <a:noFill/>
+            <a:prstDash val="solid"/>
+          </a:ln>
+          <a:effectLst/>
+        </p:spPr>
+        <p:txBody>
+          <a:bodyPr spcFirstLastPara="0" vert="horz" wrap="square" lIns="243840" tIns="243840" rIns="243840" bIns="243840" numCol="1" spcCol="1270" anchor="t" anchorCtr="0">
+            <a:noAutofit/>
+          </a:bodyPr>
+          <a:lstStyle/>
+          <a:p>
+            <a:pPr lvl="0" defTabSz="888978">
+              <a:lnSpc>
+                <a:spcPct val="90000"/>
+              </a:lnSpc>
+              <a:spcBef>
+                <a:spcPct val="0"/>
+              </a:spcBef>
+              <a:spcAft>
+                <a:spcPts val="267"/>
+              </a:spcAft>
+            </a:pPr>
+            <a:r>
+              <a:rPr lang="fr-FR" sz="2133" kern="0" dirty="0">
+                <a:solidFill>
+                  <a:srgbClr val="57565A"/>
+                </a:solidFill>
+                <a:latin typeface="Open Sans Light"/>
+              </a:rPr>
+              <a:t>Regroupe les activités de la finance du marché du groupe Société Générale</a:t>
+            </a:r>
+            <a:endParaRPr kumimoji="0" lang="en-US" sz="2133" b="0" i="0" u="none" strike="noStrike" kern="0" cap="none" spc="0" normalizeH="0" baseline="0" noProof="0" dirty="0">
+              <a:ln>
+                <a:noFill/>
+              </a:ln>
+              <a:solidFill>
+                <a:srgbClr val="57565A"/>
+              </a:solidFill>
+              <a:effectLst/>
+              <a:uLnTx/>
+              <a:uFillTx/>
+              <a:latin typeface="Open Sans Light"/>
+              <a:ea typeface="+mn-ea"/>
+              <a:cs typeface="+mn-cs"/>
+            </a:endParaRPr>
+          </a:p>
+        </p:txBody>
+      </p:sp>
+      <p:sp>
+        <p:nvSpPr>
+          <p:cNvPr id="12" name="Rectangle 11">
+            <a:extLst>
+              <a:ext uri="{FF2B5EF4-FFF2-40B4-BE49-F238E27FC236}">
+                <a16:creationId xmlns:a16="http://schemas.microsoft.com/office/drawing/2014/main" id="{B62325AB-FA8C-4FD0-8B1E-B539726EB1EC}"/>
+              </a:ext>
+            </a:extLst>
+          </p:cNvPr>
+          <p:cNvSpPr/>
+          <p:nvPr/>
+        </p:nvSpPr>
+        <p:spPr>
+          <a:xfrm>
+            <a:off x="7312225" y="2907329"/>
+            <a:ext cx="3250363" cy="947952"/>
+          </a:xfrm>
+          <a:prstGeom prst="rect">
+            <a:avLst/>
+          </a:prstGeom>
+          <a:gradFill>
+            <a:gsLst>
+              <a:gs pos="0">
+                <a:srgbClr val="5BBE77">
+                  <a:lumMod val="75000"/>
+                </a:srgbClr>
+              </a:gs>
+              <a:gs pos="32000">
+                <a:srgbClr val="5BBE77"/>
+              </a:gs>
+            </a:gsLst>
+            <a:lin ang="0" scaled="1"/>
+          </a:gradFill>
+          <a:ln w="25400" cap="flat" cmpd="sng" algn="ctr">
+            <a:noFill/>
+            <a:prstDash val="solid"/>
+          </a:ln>
+          <a:effectLst/>
+        </p:spPr>
+        <p:txBody>
+          <a:bodyPr spcFirstLastPara="0" vert="horz" wrap="square" lIns="365760" tIns="304800" rIns="243840" bIns="304800" numCol="1" spcCol="1270" anchor="t" anchorCtr="0">
+            <a:spAutoFit/>
+          </a:bodyPr>
+          <a:lstStyle/>
+          <a:p>
+            <a:pPr marL="0" marR="0" lvl="0" indent="0" defTabSz="888978" eaLnBrk="1" fontAlgn="auto" latinLnBrk="0" hangingPunct="1">
+              <a:lnSpc>
+                <a:spcPct val="90000"/>
+              </a:lnSpc>
+              <a:spcBef>
+                <a:spcPct val="0"/>
+              </a:spcBef>
+              <a:spcAft>
+                <a:spcPts val="267"/>
+              </a:spcAft>
+              <a:buClrTx/>
+              <a:buSzTx/>
+              <a:buFontTx/>
+              <a:buNone/>
+              <a:tabLst/>
+              <a:defRPr/>
+            </a:pPr>
+            <a:r>
+              <a:rPr lang="fr-FR" sz="2400" kern="0" noProof="0" dirty="0">
+                <a:solidFill>
+                  <a:srgbClr val="FFFFFF"/>
+                </a:solidFill>
+                <a:latin typeface="Open Sans Light"/>
+              </a:rPr>
+              <a:t>Activité</a:t>
+            </a:r>
+            <a:endParaRPr kumimoji="0" lang="en-US" sz="2400" b="0" i="0" u="none" strike="noStrike" kern="0" cap="none" spc="0" normalizeH="0" baseline="0" noProof="0" dirty="0">
+              <a:ln>
+                <a:noFill/>
+              </a:ln>
+              <a:solidFill>
+                <a:srgbClr val="FFFFFF"/>
+              </a:solidFill>
+              <a:effectLst/>
+              <a:uLnTx/>
+              <a:uFillTx/>
+              <a:latin typeface="Open Sans Light"/>
+              <a:ea typeface="+mn-ea"/>
+              <a:cs typeface="+mn-cs"/>
+            </a:endParaRPr>
+          </a:p>
+        </p:txBody>
+      </p:sp>
+      <p:sp>
+        <p:nvSpPr>
+          <p:cNvPr id="13" name="Parallelogram 246">
+            <a:extLst>
+              <a:ext uri="{FF2B5EF4-FFF2-40B4-BE49-F238E27FC236}">
+                <a16:creationId xmlns:a16="http://schemas.microsoft.com/office/drawing/2014/main" id="{C064DC2A-CAFC-4568-B5E5-AC56D5E5CF8D}"/>
+              </a:ext>
+            </a:extLst>
+          </p:cNvPr>
+          <p:cNvSpPr/>
+          <p:nvPr/>
+        </p:nvSpPr>
+        <p:spPr>
+          <a:xfrm rot="5400000" flipV="1">
+            <a:off x="6883683" y="3157563"/>
+            <a:ext cx="1126907" cy="269817"/>
+          </a:xfrm>
+          <a:prstGeom prst="parallelogram">
+            <a:avLst>
+              <a:gd name="adj" fmla="val 66077"/>
+            </a:avLst>
+          </a:prstGeom>
+          <a:solidFill>
+            <a:srgbClr val="27A6C2">
+              <a:lumMod val="50000"/>
+            </a:srgbClr>
+          </a:solidFill>
+          <a:ln w="9525" cap="flat" cmpd="sng" algn="ctr">
+            <a:noFill/>
+            <a:prstDash val="solid"/>
+          </a:ln>
+          <a:effectLst/>
+        </p:spPr>
+        <p:txBody>
+          <a:bodyPr rtlCol="0" anchor="ctr"/>
+          <a:lstStyle/>
+          <a:p>
+            <a:pPr marL="0" marR="0" lvl="0" indent="0" algn="ctr" defTabSz="1219170" eaLnBrk="1" fontAlgn="auto" latinLnBrk="0" hangingPunct="1">
+              <a:lnSpc>
+                <a:spcPct val="100000"/>
+              </a:lnSpc>
+              <a:spcBef>
+                <a:spcPts val="0"/>
+              </a:spcBef>
+              <a:spcAft>
+                <a:spcPts val="0"/>
+              </a:spcAft>
+              <a:buClrTx/>
+              <a:buSzTx/>
+              <a:buFontTx/>
+              <a:buNone/>
+              <a:tabLst/>
+              <a:defRPr/>
+            </a:pPr>
+            <a:endParaRPr kumimoji="0" lang="en-US" sz="3200" b="0" i="0" u="none" strike="noStrike" kern="0" cap="none" spc="0" normalizeH="0" baseline="0" noProof="0">
+              <a:ln>
+                <a:noFill/>
+              </a:ln>
+              <a:solidFill>
+                <a:prstClr val="white"/>
+              </a:solidFill>
+              <a:effectLst/>
+              <a:uLnTx/>
+              <a:uFillTx/>
+              <a:latin typeface="Open Sans Light"/>
+              <a:ea typeface="+mn-ea"/>
+              <a:cs typeface="+mn-cs"/>
+            </a:endParaRPr>
+          </a:p>
+        </p:txBody>
+      </p:sp>
+      <p:sp>
+        <p:nvSpPr>
+          <p:cNvPr id="14" name="Rectangle 13">
+            <a:extLst>
+              <a:ext uri="{FF2B5EF4-FFF2-40B4-BE49-F238E27FC236}">
+                <a16:creationId xmlns:a16="http://schemas.microsoft.com/office/drawing/2014/main" id="{8B99982F-F5E7-4CEC-844D-B683660FE3E9}"/>
+              </a:ext>
+            </a:extLst>
+          </p:cNvPr>
+          <p:cNvSpPr/>
+          <p:nvPr/>
+        </p:nvSpPr>
+        <p:spPr>
+          <a:xfrm>
+            <a:off x="1711263" y="3936936"/>
+            <a:ext cx="2892456" cy="1704718"/>
+          </a:xfrm>
+          <a:prstGeom prst="rect">
+            <a:avLst/>
+          </a:prstGeom>
+          <a:solidFill>
+            <a:srgbClr val="57565A">
+              <a:alpha val="10000"/>
+            </a:srgbClr>
+          </a:solidFill>
+          <a:ln w="25400" cap="flat" cmpd="sng" algn="ctr">
+            <a:noFill/>
+            <a:prstDash val="solid"/>
+          </a:ln>
+          <a:effectLst/>
+        </p:spPr>
+        <p:txBody>
+          <a:bodyPr spcFirstLastPara="0" vert="horz" wrap="square" lIns="243840" tIns="243840" rIns="243840" bIns="243840" numCol="1" spcCol="1270" anchor="t" anchorCtr="0">
+            <a:noAutofit/>
+          </a:bodyPr>
+          <a:lstStyle/>
+          <a:p>
+            <a:pPr marL="0" marR="0" lvl="0" indent="0" defTabSz="888978" eaLnBrk="1" fontAlgn="auto" latinLnBrk="0" hangingPunct="1">
+              <a:lnSpc>
+                <a:spcPct val="90000"/>
+              </a:lnSpc>
+              <a:spcBef>
+                <a:spcPct val="0"/>
+              </a:spcBef>
+              <a:spcAft>
+                <a:spcPts val="267"/>
+              </a:spcAft>
+              <a:buClrTx/>
+              <a:buSzTx/>
+              <a:buFontTx/>
+              <a:buNone/>
+              <a:tabLst/>
+              <a:defRPr/>
+            </a:pPr>
+            <a:r>
+              <a:rPr lang="fr-FR" sz="2133" kern="0" dirty="0">
+                <a:solidFill>
+                  <a:srgbClr val="57565A"/>
+                </a:solidFill>
+                <a:latin typeface="Open Sans Light"/>
+              </a:rPr>
+              <a:t>2014, Casablanca</a:t>
+            </a:r>
+            <a:endParaRPr kumimoji="0" lang="en-US" sz="2133" b="0" i="0" u="none" strike="noStrike" kern="0" cap="none" spc="0" normalizeH="0" baseline="0" noProof="0" dirty="0">
+              <a:ln>
+                <a:noFill/>
+              </a:ln>
+              <a:solidFill>
+                <a:srgbClr val="57565A"/>
+              </a:solidFill>
+              <a:effectLst/>
+              <a:uLnTx/>
+              <a:uFillTx/>
+              <a:latin typeface="Open Sans Light"/>
+              <a:ea typeface="+mn-ea"/>
+              <a:cs typeface="+mn-cs"/>
+            </a:endParaRPr>
+          </a:p>
+        </p:txBody>
+      </p:sp>
+      <p:sp>
+        <p:nvSpPr>
+          <p:cNvPr id="15" name="Parallelogram 252">
+            <a:extLst>
+              <a:ext uri="{FF2B5EF4-FFF2-40B4-BE49-F238E27FC236}">
+                <a16:creationId xmlns:a16="http://schemas.microsoft.com/office/drawing/2014/main" id="{DFFEF84E-AA09-489B-9CBE-1C58936C8ED7}"/>
+              </a:ext>
+            </a:extLst>
+          </p:cNvPr>
+          <p:cNvSpPr/>
+          <p:nvPr/>
+        </p:nvSpPr>
+        <p:spPr>
+          <a:xfrm rot="5400000" flipV="1">
+            <a:off x="4268506" y="3415082"/>
+            <a:ext cx="1126908" cy="269817"/>
+          </a:xfrm>
+          <a:prstGeom prst="parallelogram">
+            <a:avLst>
+              <a:gd name="adj" fmla="val 66077"/>
+            </a:avLst>
+          </a:prstGeom>
+          <a:solidFill>
+            <a:srgbClr val="2099D8">
+              <a:lumMod val="50000"/>
+            </a:srgbClr>
+          </a:solidFill>
+          <a:ln w="9525" cap="flat" cmpd="sng" algn="ctr">
+            <a:noFill/>
+            <a:prstDash val="solid"/>
+          </a:ln>
+          <a:effectLst/>
+        </p:spPr>
+        <p:txBody>
+          <a:bodyPr rtlCol="0" anchor="ctr"/>
+          <a:lstStyle/>
+          <a:p>
+            <a:pPr marL="0" marR="0" lvl="0" indent="0" algn="ctr" defTabSz="1219170" eaLnBrk="1" fontAlgn="auto" latinLnBrk="0" hangingPunct="1">
+              <a:lnSpc>
+                <a:spcPct val="100000"/>
+              </a:lnSpc>
+              <a:spcBef>
+                <a:spcPts val="0"/>
+              </a:spcBef>
+              <a:spcAft>
+                <a:spcPts val="0"/>
+              </a:spcAft>
+              <a:buClrTx/>
+              <a:buSzTx/>
+              <a:buFontTx/>
+              <a:buNone/>
+              <a:tabLst/>
+              <a:defRPr/>
+            </a:pPr>
+            <a:endParaRPr kumimoji="0" lang="en-US" sz="3200" b="0" i="0" u="none" strike="noStrike" kern="0" cap="none" spc="0" normalizeH="0" baseline="0" noProof="0">
+              <a:ln>
+                <a:noFill/>
+              </a:ln>
+              <a:solidFill>
+                <a:prstClr val="white"/>
+              </a:solidFill>
+              <a:effectLst/>
+              <a:uLnTx/>
+              <a:uFillTx/>
+              <a:latin typeface="Open Sans Light"/>
+              <a:ea typeface="+mn-ea"/>
+              <a:cs typeface="+mn-cs"/>
+            </a:endParaRPr>
+          </a:p>
+        </p:txBody>
+      </p:sp>
+      <p:sp>
+        <p:nvSpPr>
+          <p:cNvPr id="16" name="Rectangle 15">
+            <a:extLst>
+              <a:ext uri="{FF2B5EF4-FFF2-40B4-BE49-F238E27FC236}">
+                <a16:creationId xmlns:a16="http://schemas.microsoft.com/office/drawing/2014/main" id="{A3E11FBC-F9AD-4B96-B251-9AFBAB1C6412}"/>
+              </a:ext>
+            </a:extLst>
+          </p:cNvPr>
+          <p:cNvSpPr/>
+          <p:nvPr/>
+        </p:nvSpPr>
+        <p:spPr>
+          <a:xfrm>
+            <a:off x="1716504" y="2983244"/>
+            <a:ext cx="3250363" cy="947952"/>
+          </a:xfrm>
+          <a:prstGeom prst="rect">
+            <a:avLst/>
+          </a:prstGeom>
+          <a:solidFill>
+            <a:srgbClr val="2099D8"/>
+          </a:solidFill>
+          <a:ln w="25400" cap="flat" cmpd="sng" algn="ctr">
+            <a:noFill/>
+            <a:prstDash val="solid"/>
+          </a:ln>
+          <a:effectLst/>
+        </p:spPr>
+        <p:txBody>
+          <a:bodyPr spcFirstLastPara="0" vert="horz" wrap="square" lIns="243840" tIns="304800" rIns="243840" bIns="304800" numCol="1" spcCol="1270" anchor="t" anchorCtr="0">
+            <a:spAutoFit/>
+          </a:bodyPr>
+          <a:lstStyle/>
+          <a:p>
+            <a:pPr marL="0" marR="0" lvl="0" indent="0" defTabSz="888978" eaLnBrk="1" fontAlgn="auto" latinLnBrk="0" hangingPunct="1">
+              <a:lnSpc>
+                <a:spcPct val="90000"/>
+              </a:lnSpc>
+              <a:spcBef>
+                <a:spcPct val="0"/>
+              </a:spcBef>
+              <a:spcAft>
+                <a:spcPts val="267"/>
+              </a:spcAft>
+              <a:buClrTx/>
+              <a:buSzTx/>
+              <a:buFontTx/>
+              <a:buNone/>
+              <a:tabLst/>
+              <a:defRPr/>
+            </a:pPr>
+            <a:r>
+              <a:rPr lang="fr-FR" sz="2400" kern="0" dirty="0">
+                <a:solidFill>
+                  <a:srgbClr val="FFFFFF"/>
+                </a:solidFill>
+                <a:latin typeface="Open Sans Light"/>
+              </a:rPr>
+              <a:t>Création</a:t>
+            </a:r>
+            <a:endParaRPr kumimoji="0" lang="en-US" sz="2400" b="0" i="0" u="none" strike="noStrike" kern="0" cap="none" spc="0" normalizeH="0" baseline="0" noProof="0" dirty="0">
+              <a:ln>
+                <a:noFill/>
+              </a:ln>
+              <a:solidFill>
+                <a:srgbClr val="FFFFFF"/>
+              </a:solidFill>
+              <a:effectLst/>
+              <a:uLnTx/>
+              <a:uFillTx/>
+              <a:latin typeface="Open Sans Light"/>
+              <a:ea typeface="+mn-ea"/>
+              <a:cs typeface="+mn-cs"/>
+            </a:endParaRPr>
+          </a:p>
+        </p:txBody>
+      </p:sp>
     </p:spTree>
     <p:extLst>
       <p:ext uri="{BB962C8B-B14F-4D97-AF65-F5344CB8AC3E}">
@@ -7685,7 +12601,7 @@
                   <a:srgbClr val="C00000"/>
                 </a:solidFill>
               </a:rPr>
-              <a:t>la SG ATS ?</a:t>
+              <a:t> SG ATS </a:t>
             </a:r>
           </a:p>
         </p:txBody>
@@ -7735,38 +12651,41 @@
       </p:cxnSp>
       <p:pic>
         <p:nvPicPr>
-          <p:cNvPr id="4" name="Picture 3">
+          <p:cNvPr id="6" name="Picture 5">
             <a:extLst>
               <a:ext uri="{FF2B5EF4-FFF2-40B4-BE49-F238E27FC236}">
-                <a16:creationId xmlns:a16="http://schemas.microsoft.com/office/drawing/2014/main" id="{507019E1-128B-4469-949A-12142BDA4F04}"/>
+                <a16:creationId xmlns:a16="http://schemas.microsoft.com/office/drawing/2014/main" id="{5FF79547-7213-4F6F-9006-661096FCB36F}"/>
               </a:ext>
             </a:extLst>
           </p:cNvPr>
-          <p:cNvPicPr>
-            <a:picLocks noChangeAspect="1"/>
-          </p:cNvPicPr>
+          <p:cNvPicPr/>
           <p:nvPr/>
         </p:nvPicPr>
         <p:blipFill>
-          <a:blip r:embed="rId2">
+          <a:blip r:embed="rId3" cstate="print">
             <a:extLst>
               <a:ext uri="{28A0092B-C50C-407E-A947-70E740481C1C}">
                 <a14:useLocalDpi xmlns:a14="http://schemas.microsoft.com/office/drawing/2010/main" val="0"/>
               </a:ext>
             </a:extLst>
           </a:blip>
+          <a:srcRect/>
           <a:stretch>
             <a:fillRect/>
           </a:stretch>
         </p:blipFill>
-        <p:spPr>
+        <p:spPr bwMode="auto">
           <a:xfrm>
-            <a:off x="1518834" y="1146874"/>
-            <a:ext cx="9267986" cy="5067945"/>
+            <a:off x="716692" y="1075041"/>
+            <a:ext cx="10363621" cy="4658484"/>
           </a:xfrm>
           <a:prstGeom prst="rect">
             <a:avLst/>
           </a:prstGeom>
+          <a:noFill/>
+          <a:ln>
+            <a:noFill/>
+          </a:ln>
         </p:spPr>
       </p:pic>
     </p:spTree>
@@ -7817,7 +12736,7 @@
         </p:nvSpPr>
         <p:spPr>
           <a:xfrm>
-            <a:off x="606687" y="229452"/>
+            <a:off x="560192" y="186786"/>
             <a:ext cx="10706099" cy="895650"/>
           </a:xfrm>
         </p:spPr>
@@ -7832,7 +12751,7 @@
                   <a:srgbClr val="C00000"/>
                 </a:solidFill>
               </a:rPr>
-              <a:t>la SG ATS ?</a:t>
+              <a:t>Présentation du projet</a:t>
             </a:r>
           </a:p>
         </p:txBody>
@@ -7851,8 +12770,8 @@
         </p:nvSpPr>
         <p:spPr>
           <a:xfrm>
-            <a:off x="852407" y="2157289"/>
-            <a:ext cx="6180853" cy="4037765"/>
+            <a:off x="1019353" y="1487385"/>
+            <a:ext cx="10706098" cy="1496447"/>
           </a:xfrm>
           <a:prstGeom prst="rect">
             <a:avLst/>
@@ -7865,340 +12784,19 @@
           </a:bodyPr>
           <a:lstStyle/>
           <a:p>
-            <a:pPr marL="742950" lvl="1" indent="-285750">
-              <a:buFont typeface="Wingdings" panose="05000000000000000000" pitchFamily="2" charset="2"/>
-              <a:buChar char="q"/>
-            </a:pPr>
+            <a:pPr lvl="1"/>
             <a:r>
               <a:rPr lang="fr-FR" b="1" dirty="0"/>
-              <a:t>Les </a:t>
+              <a:t>Cloud </a:t>
             </a:r>
             <a:r>
               <a:rPr lang="fr-FR" b="1" dirty="0" err="1"/>
-              <a:t>ésquipes</a:t>
-            </a:r>
-            <a:r>
-              <a:rPr lang="fr-FR" b="1" dirty="0"/>
-              <a:t> R&amp;D :</a:t>
-            </a:r>
-          </a:p>
-          <a:p>
-            <a:pPr lvl="1"/>
+              <a:t>Computing</a:t>
+            </a:r>
             <a:endParaRPr lang="fr-FR" b="1" dirty="0"/>
           </a:p>
-          <a:p>
-            <a:r>
-              <a:rPr lang="fr-FR" dirty="0"/>
-              <a:t>Les équipes R&amp;D de la Société Générale sont constituées de Cinq branches principales peuvent être distinguées. Une branche constituée de trois équipes R&amp;D :</a:t>
-            </a:r>
-          </a:p>
-          <a:p>
-            <a:endParaRPr lang="fr-FR" dirty="0"/>
-          </a:p>
-          <a:p>
-            <a:pPr marL="742950" lvl="1" indent="-285750">
-              <a:buFont typeface="Wingdings" panose="05000000000000000000" pitchFamily="2" charset="2"/>
-              <a:buChar char="ü"/>
-            </a:pPr>
-            <a:r>
-              <a:rPr lang="fr-FR" dirty="0"/>
-              <a:t>QUANT : a pour mission de développer les librairies mathématiques de calcul des prix.</a:t>
-            </a:r>
-          </a:p>
-          <a:p>
-            <a:pPr marL="742950" lvl="1" indent="-285750">
-              <a:buFont typeface="Wingdings" panose="05000000000000000000" pitchFamily="2" charset="2"/>
-              <a:buChar char="ü"/>
-            </a:pPr>
-            <a:r>
-              <a:rPr lang="fr-FR" dirty="0"/>
-              <a:t>QARM : équipe en charge de tests et de validation des produits développés par les autres </a:t>
-            </a:r>
-            <a:r>
-              <a:rPr lang="fr-FR" i="1" dirty="0"/>
-              <a:t>entités.</a:t>
-            </a:r>
-          </a:p>
-          <a:p>
-            <a:pPr marL="742950" lvl="1" indent="-285750">
-              <a:buFont typeface="Wingdings" panose="05000000000000000000" pitchFamily="2" charset="2"/>
-              <a:buChar char="ü"/>
-            </a:pPr>
-            <a:r>
-              <a:rPr lang="fr-FR" dirty="0"/>
-              <a:t>SET : équipe en charge de la création d’outils de trading et de la mise en œuvre effective des librairies de calcul dans un contexte industriel.</a:t>
-            </a:r>
-            <a:endParaRPr lang="fr-FR" b="1" dirty="0"/>
-          </a:p>
-          <a:p>
-            <a:pPr lvl="1"/>
-            <a:r>
-              <a:rPr lang="fr-FR" b="1" dirty="0"/>
-              <a:t> </a:t>
-            </a:r>
-            <a:endParaRPr lang="fr-FR" sz="1100" dirty="0"/>
-          </a:p>
-        </p:txBody>
-      </p:sp>
-      <p:cxnSp>
-        <p:nvCxnSpPr>
-          <p:cNvPr id="7" name="Straight Connector 6">
-            <a:extLst>
-              <a:ext uri="{FF2B5EF4-FFF2-40B4-BE49-F238E27FC236}">
-                <a16:creationId xmlns:a16="http://schemas.microsoft.com/office/drawing/2014/main" id="{5208C0B0-7314-465A-BC58-C3E242C39E55}"/>
-              </a:ext>
-            </a:extLst>
-          </p:cNvPr>
-          <p:cNvCxnSpPr>
-            <a:cxnSpLocks/>
-          </p:cNvCxnSpPr>
-          <p:nvPr/>
-        </p:nvCxnSpPr>
-        <p:spPr>
-          <a:xfrm>
-            <a:off x="467205" y="1193370"/>
-            <a:ext cx="10706098" cy="0"/>
-          </a:xfrm>
-          <a:prstGeom prst="line">
-            <a:avLst/>
-          </a:prstGeom>
-          <a:ln w="44450">
-            <a:solidFill>
-              <a:srgbClr val="C00000"/>
-            </a:solidFill>
-          </a:ln>
-        </p:spPr>
-        <p:style>
-          <a:lnRef idx="1">
-            <a:schemeClr val="accent1"/>
-          </a:lnRef>
-          <a:fillRef idx="0">
-            <a:schemeClr val="accent1"/>
-          </a:fillRef>
-          <a:effectRef idx="0">
-            <a:schemeClr val="accent1"/>
-          </a:effectRef>
-          <a:fontRef idx="minor">
-            <a:schemeClr val="tx1"/>
-          </a:fontRef>
-        </p:style>
-      </p:cxnSp>
-      <p:pic>
-        <p:nvPicPr>
-          <p:cNvPr id="4" name="Picture 3">
-            <a:extLst>
-              <a:ext uri="{FF2B5EF4-FFF2-40B4-BE49-F238E27FC236}">
-                <a16:creationId xmlns:a16="http://schemas.microsoft.com/office/drawing/2014/main" id="{9043DE49-A56E-45AD-8D74-86F8265DC608}"/>
-              </a:ext>
-            </a:extLst>
-          </p:cNvPr>
-          <p:cNvPicPr>
-            <a:picLocks noChangeAspect="1"/>
-          </p:cNvPicPr>
-          <p:nvPr/>
-        </p:nvPicPr>
-        <p:blipFill>
-          <a:blip r:embed="rId2">
-            <a:extLst>
-              <a:ext uri="{28A0092B-C50C-407E-A947-70E740481C1C}">
-                <a14:useLocalDpi xmlns:a14="http://schemas.microsoft.com/office/drawing/2010/main" val="0"/>
-              </a:ext>
-            </a:extLst>
-          </a:blip>
-          <a:stretch>
-            <a:fillRect/>
-          </a:stretch>
-        </p:blipFill>
-        <p:spPr>
-          <a:xfrm>
-            <a:off x="7170420" y="2157291"/>
-            <a:ext cx="5448301" cy="3976806"/>
-          </a:xfrm>
-          <a:prstGeom prst="rect">
-            <a:avLst/>
-          </a:prstGeom>
-        </p:spPr>
-      </p:pic>
-    </p:spTree>
-    <p:extLst>
-      <p:ext uri="{BB962C8B-B14F-4D97-AF65-F5344CB8AC3E}">
-        <p14:creationId xmlns:p14="http://schemas.microsoft.com/office/powerpoint/2010/main" val="3360245079"/>
-      </p:ext>
-    </p:extLst>
-  </p:cSld>
-  <p:clrMapOvr>
-    <a:masterClrMapping/>
-  </p:clrMapOvr>
-</p:sld>
-</file>
-
-<file path=ppt/slides/slide6.xml><?xml version="1.0" encoding="utf-8"?>
-<p:sld xmlns:a="http://schemas.openxmlformats.org/drawingml/2006/main" xmlns:r="http://schemas.openxmlformats.org/officeDocument/2006/relationships" xmlns:p="http://schemas.openxmlformats.org/presentationml/2006/main">
-  <p:cSld>
-    <p:spTree>
-      <p:nvGrpSpPr>
-        <p:cNvPr id="1" name=""/>
-        <p:cNvGrpSpPr/>
-        <p:nvPr/>
-      </p:nvGrpSpPr>
-      <p:grpSpPr>
-        <a:xfrm>
-          <a:off x="0" y="0"/>
-          <a:ext cx="0" cy="0"/>
-          <a:chOff x="0" y="0"/>
-          <a:chExt cx="0" cy="0"/>
-        </a:xfrm>
-      </p:grpSpPr>
-      <p:sp>
-        <p:nvSpPr>
-          <p:cNvPr id="2" name="Title 1">
-            <a:extLst>
-              <a:ext uri="{FF2B5EF4-FFF2-40B4-BE49-F238E27FC236}">
-                <a16:creationId xmlns:a16="http://schemas.microsoft.com/office/drawing/2014/main" id="{87D88D25-FCA8-40C3-89E9-976E28DCB7E4}"/>
-              </a:ext>
-            </a:extLst>
-          </p:cNvPr>
-          <p:cNvSpPr>
-            <a:spLocks noGrp="1"/>
-          </p:cNvSpPr>
-          <p:nvPr>
-            <p:ph type="ctrTitle"/>
-          </p:nvPr>
-        </p:nvSpPr>
-        <p:spPr>
-          <a:xfrm>
-            <a:off x="560192" y="186786"/>
-            <a:ext cx="10706099" cy="895650"/>
-          </a:xfrm>
-        </p:spPr>
-        <p:txBody>
-          <a:bodyPr/>
-          <a:lstStyle/>
-          <a:p>
-            <a:pPr algn="l"/>
-            <a:r>
-              <a:rPr lang="fr-FR" dirty="0">
-                <a:solidFill>
-                  <a:srgbClr val="C00000"/>
-                </a:solidFill>
-              </a:rPr>
-              <a:t>Présentation du projet</a:t>
-            </a:r>
-          </a:p>
-        </p:txBody>
-      </p:sp>
-      <p:sp>
-        <p:nvSpPr>
-          <p:cNvPr id="6" name="TextBox 5">
-            <a:extLst>
-              <a:ext uri="{FF2B5EF4-FFF2-40B4-BE49-F238E27FC236}">
-                <a16:creationId xmlns:a16="http://schemas.microsoft.com/office/drawing/2014/main" id="{F8CD28FE-7A78-405B-89A4-3C18B62BC5B2}"/>
-              </a:ext>
-            </a:extLst>
-          </p:cNvPr>
-          <p:cNvSpPr txBox="1"/>
-          <p:nvPr/>
-        </p:nvSpPr>
-        <p:spPr>
-          <a:xfrm>
-            <a:off x="1068780" y="1487385"/>
-            <a:ext cx="10706098" cy="1496447"/>
-          </a:xfrm>
-          <a:prstGeom prst="rect">
-            <a:avLst/>
-          </a:prstGeom>
-          <a:noFill/>
-        </p:spPr>
-        <p:txBody>
-          <a:bodyPr wrap="square" lIns="36000" tIns="36000" rIns="36000" bIns="36000" rtlCol="0">
-            <a:noAutofit/>
-          </a:bodyPr>
-          <a:lstStyle/>
-          <a:p>
-            <a:pPr marL="800100" lvl="1" indent="-342900">
-              <a:buFont typeface="+mj-lt"/>
-              <a:buAutoNum type="arabicPeriod"/>
-            </a:pPr>
-            <a:r>
-              <a:rPr lang="fr-FR" b="1" dirty="0"/>
-              <a:t>Contexte du projet  </a:t>
-            </a:r>
-            <a:endParaRPr lang="fr-FR" sz="1100" b="1" dirty="0"/>
-          </a:p>
-          <a:p>
-            <a:pPr marL="800100" lvl="1" indent="-342900">
-              <a:buFont typeface="+mj-lt"/>
-              <a:buAutoNum type="arabicPeriod"/>
-            </a:pPr>
-            <a:endParaRPr lang="fr-FR" sz="1100" b="1" dirty="0"/>
-          </a:p>
-          <a:p>
-            <a:pPr lvl="1"/>
-            <a:r>
-              <a:rPr lang="fr-FR" dirty="0"/>
-              <a:t>L’équipe RDWS développe et maintient des services utilisés par les équipes du département</a:t>
-            </a:r>
-          </a:p>
-          <a:p>
-            <a:pPr lvl="1"/>
-            <a:r>
-              <a:rPr lang="fr-FR" dirty="0"/>
-              <a:t>Recherche &amp; Développement du groupe Société Générale. Ces services sont regroupés est déployé dans le cloud Microsoft Azure, sous une architecture service cloud.</a:t>
-            </a:r>
-          </a:p>
-          <a:p>
-            <a:pPr lvl="1"/>
-            <a:endParaRPr lang="fr-FR" dirty="0"/>
-          </a:p>
-        </p:txBody>
-      </p:sp>
-      <p:pic>
-        <p:nvPicPr>
-          <p:cNvPr id="1026" name="Picture 2" descr="Topologie et applications de service cloud">
-            <a:extLst>
-              <a:ext uri="{FF2B5EF4-FFF2-40B4-BE49-F238E27FC236}">
-                <a16:creationId xmlns:a16="http://schemas.microsoft.com/office/drawing/2014/main" id="{08B9E565-2DD3-44B1-A4CF-8C726EB8EF5E}"/>
-              </a:ext>
-            </a:extLst>
-          </p:cNvPr>
-          <p:cNvPicPr>
-            <a:picLocks noChangeAspect="1" noChangeArrowheads="1"/>
-          </p:cNvPicPr>
-          <p:nvPr/>
-        </p:nvPicPr>
-        <p:blipFill>
-          <a:blip r:embed="rId2">
-            <a:extLst>
-              <a:ext uri="{28A0092B-C50C-407E-A947-70E740481C1C}">
-                <a14:useLocalDpi xmlns:a14="http://schemas.microsoft.com/office/drawing/2010/main" val="0"/>
-              </a:ext>
-            </a:extLst>
-          </a:blip>
-          <a:srcRect/>
-          <a:stretch>
-            <a:fillRect/>
-          </a:stretch>
-        </p:blipFill>
-        <p:spPr bwMode="auto">
-          <a:xfrm>
-            <a:off x="2466975" y="2983832"/>
-            <a:ext cx="7258050" cy="3026423"/>
-          </a:xfrm>
-          <a:prstGeom prst="rect">
-            <a:avLst/>
-          </a:prstGeom>
-          <a:noFill/>
-          <a:extLst>
-            <a:ext uri="{909E8E84-426E-40DD-AFC4-6F175D3DCCD1}">
-              <a14:hiddenFill xmlns:a14="http://schemas.microsoft.com/office/drawing/2010/main">
-                <a:solidFill>
-                  <a:srgbClr val="FFFFFF"/>
-                </a:solidFill>
-              </a14:hiddenFill>
-            </a:ext>
-          </a:extLst>
-        </p:spPr>
-      </p:pic>
+        </p:txBody>
+      </p:sp>
       <p:cxnSp>
         <p:nvCxnSpPr>
           <p:cNvPr id="5" name="Straight Connector 4">
@@ -8255,7 +12853,7 @@
 </p:sld>
 </file>
 
-<file path=ppt/slides/slide7.xml><?xml version="1.0" encoding="utf-8"?>
+<file path=ppt/slides/slide6.xml><?xml version="1.0" encoding="utf-8"?>
 <p:sld xmlns:a="http://schemas.openxmlformats.org/drawingml/2006/main" xmlns:r="http://schemas.openxmlformats.org/officeDocument/2006/relationships" xmlns:p="http://schemas.openxmlformats.org/presentationml/2006/main">
   <p:cSld>
     <p:spTree>
@@ -8290,7 +12888,7 @@
         </p:nvSpPr>
         <p:spPr>
           <a:xfrm>
-            <a:off x="529196" y="233280"/>
+            <a:off x="560192" y="186786"/>
             <a:ext cx="10706099" cy="895650"/>
           </a:xfrm>
         </p:spPr>
@@ -8324,8 +12922,8 @@
         </p:nvSpPr>
         <p:spPr>
           <a:xfrm>
-            <a:off x="924401" y="2083264"/>
-            <a:ext cx="9070499" cy="3276135"/>
+            <a:off x="1019353" y="1487385"/>
+            <a:ext cx="10706098" cy="1496447"/>
           </a:xfrm>
           <a:prstGeom prst="rect">
             <a:avLst/>
@@ -8338,115 +12936,44 @@
           </a:bodyPr>
           <a:lstStyle/>
           <a:p>
-            <a:pPr lvl="1"/>
-            <a:r>
-              <a:rPr lang="fr-FR" b="1" dirty="0"/>
-              <a:t>2. État de l’existant :</a:t>
-            </a:r>
-          </a:p>
-          <a:p>
-            <a:pPr lvl="1"/>
-            <a:endParaRPr lang="fr-FR" sz="1100" b="1" dirty="0"/>
-          </a:p>
-          <a:p>
             <a:pPr marL="742950" lvl="1" indent="-285750">
               <a:buFont typeface="Wingdings" panose="05000000000000000000" pitchFamily="2" charset="2"/>
-              <a:buChar char="ü"/>
+              <a:buChar char="Ø"/>
             </a:pPr>
             <a:r>
-              <a:rPr lang="fr-FR" sz="1600" dirty="0"/>
-              <a:t>Pour assurer la fiabilité et la haute performance des services exposés sur le cloud, l'équipe RDWS a développé un service de </a:t>
-            </a:r>
-            <a:r>
-              <a:rPr lang="fr-FR" sz="1600" b="1" dirty="0" err="1"/>
-              <a:t>Scaling</a:t>
-            </a:r>
-            <a:r>
-              <a:rPr lang="fr-FR" sz="1600" dirty="0"/>
-              <a:t>.</a:t>
-            </a:r>
+              <a:rPr lang="fr-FR" b="1" dirty="0" err="1"/>
+              <a:t>Iaas</a:t>
+            </a:r>
+            <a:endParaRPr lang="fr-FR" b="1" dirty="0"/>
           </a:p>
           <a:p>
             <a:pPr marL="742950" lvl="1" indent="-285750">
               <a:buFont typeface="Wingdings" panose="05000000000000000000" pitchFamily="2" charset="2"/>
-              <a:buChar char="ü"/>
+              <a:buChar char="Ø"/>
             </a:pPr>
-            <a:endParaRPr lang="fr-FR" sz="1600" dirty="0"/>
+            <a:r>
+              <a:rPr lang="fr-FR" b="1" dirty="0"/>
+              <a:t>PaaS</a:t>
+            </a:r>
           </a:p>
           <a:p>
             <a:pPr marL="742950" lvl="1" indent="-285750">
               <a:buFont typeface="Wingdings" panose="05000000000000000000" pitchFamily="2" charset="2"/>
-              <a:buChar char="ü"/>
+              <a:buChar char="Ø"/>
             </a:pPr>
             <a:r>
-              <a:rPr lang="fr-FR" sz="1600" dirty="0"/>
-              <a:t>Le service </a:t>
-            </a:r>
-            <a:r>
-              <a:rPr lang="fr-FR" sz="1600" dirty="0" err="1"/>
-              <a:t>Scaling</a:t>
-            </a:r>
-            <a:r>
-              <a:rPr lang="fr-FR" sz="1600" dirty="0"/>
-              <a:t> prend en Input une </a:t>
-            </a:r>
-            <a:r>
-              <a:rPr lang="fr-FR" sz="1600" b="1" dirty="0"/>
-              <a:t>configuration</a:t>
-            </a:r>
-            <a:r>
-              <a:rPr lang="fr-FR" sz="1600" dirty="0"/>
-              <a:t> qui contient des informations liées aux déploiements des services, en se basant sur cette configuration et l'État des </a:t>
-            </a:r>
-            <a:r>
-              <a:rPr lang="fr-FR" sz="1600" dirty="0" err="1"/>
-              <a:t>workers</a:t>
-            </a:r>
-            <a:r>
-              <a:rPr lang="fr-FR" sz="1600" dirty="0"/>
-              <a:t>, le service </a:t>
-            </a:r>
-            <a:r>
-              <a:rPr lang="fr-FR" sz="1600" dirty="0" err="1"/>
-              <a:t>Scaling</a:t>
-            </a:r>
-            <a:r>
-              <a:rPr lang="fr-FR" sz="1600" dirty="0"/>
-              <a:t>  s’</a:t>
-            </a:r>
-            <a:r>
-              <a:rPr lang="fr-FR" sz="1600" dirty="0" err="1"/>
-              <a:t>éxecute</a:t>
-            </a:r>
-            <a:r>
-              <a:rPr lang="fr-FR" sz="1600" dirty="0"/>
-              <a:t> périodiquement en temps réel pour faire des actions de </a:t>
-            </a:r>
-            <a:r>
-              <a:rPr lang="fr-FR" sz="1600" dirty="0" err="1"/>
-              <a:t>Scaling</a:t>
-            </a:r>
-            <a:r>
-              <a:rPr lang="fr-FR" sz="1600" dirty="0"/>
-              <a:t> UP or Down selon le besoin.</a:t>
-            </a:r>
-          </a:p>
-          <a:p>
-            <a:pPr lvl="1"/>
-            <a:endParaRPr lang="fr-FR" sz="1100" dirty="0"/>
-          </a:p>
-          <a:p>
-            <a:pPr lvl="1"/>
-            <a:endParaRPr lang="fr-FR" sz="1100" dirty="0"/>
+              <a:rPr lang="fr-FR" b="1" dirty="0"/>
+              <a:t>SaaS</a:t>
+            </a:r>
           </a:p>
         </p:txBody>
       </p:sp>
       <p:cxnSp>
         <p:nvCxnSpPr>
-          <p:cNvPr id="7" name="Straight Connector 6">
+          <p:cNvPr id="5" name="Straight Connector 4">
             <a:extLst>
               <a:ext uri="{FF2B5EF4-FFF2-40B4-BE49-F238E27FC236}">
-                <a16:creationId xmlns:a16="http://schemas.microsoft.com/office/drawing/2014/main" id="{95411BBA-C6A0-48B1-B674-1709A6547AA3}"/>
+                <a16:creationId xmlns:a16="http://schemas.microsoft.com/office/drawing/2014/main" id="{3CFA83FD-8B90-438A-8E4D-7278D795208C}"/>
               </a:ext>
             </a:extLst>
           </p:cNvPr>
@@ -8457,7 +12984,7 @@
         </p:nvCxnSpPr>
         <p:spPr>
           <a:xfrm>
-            <a:off x="451707" y="1286359"/>
+            <a:off x="482703" y="1193371"/>
             <a:ext cx="10706098" cy="0"/>
           </a:xfrm>
           <a:prstGeom prst="line">
@@ -8487,7 +13014,202 @@
     </p:spTree>
     <p:extLst>
       <p:ext uri="{BB962C8B-B14F-4D97-AF65-F5344CB8AC3E}">
-        <p14:creationId xmlns:p14="http://schemas.microsoft.com/office/powerpoint/2010/main" val="3557983890"/>
+        <p14:creationId xmlns:p14="http://schemas.microsoft.com/office/powerpoint/2010/main" val="1218370565"/>
+      </p:ext>
+    </p:extLst>
+  </p:cSld>
+  <p:clrMapOvr>
+    <a:masterClrMapping/>
+  </p:clrMapOvr>
+</p:sld>
+</file>
+
+<file path=ppt/slides/slide7.xml><?xml version="1.0" encoding="utf-8"?>
+<p:sld xmlns:a="http://schemas.openxmlformats.org/drawingml/2006/main" xmlns:r="http://schemas.openxmlformats.org/officeDocument/2006/relationships" xmlns:p="http://schemas.openxmlformats.org/presentationml/2006/main">
+  <p:cSld>
+    <p:spTree>
+      <p:nvGrpSpPr>
+        <p:cNvPr id="1" name=""/>
+        <p:cNvGrpSpPr/>
+        <p:nvPr/>
+      </p:nvGrpSpPr>
+      <p:grpSpPr>
+        <a:xfrm>
+          <a:off x="0" y="0"/>
+          <a:ext cx="0" cy="0"/>
+          <a:chOff x="0" y="0"/>
+          <a:chExt cx="0" cy="0"/>
+        </a:xfrm>
+      </p:grpSpPr>
+      <p:sp>
+        <p:nvSpPr>
+          <p:cNvPr id="2" name="Title 1">
+            <a:extLst>
+              <a:ext uri="{FF2B5EF4-FFF2-40B4-BE49-F238E27FC236}">
+                <a16:creationId xmlns:a16="http://schemas.microsoft.com/office/drawing/2014/main" id="{87D88D25-FCA8-40C3-89E9-976E28DCB7E4}"/>
+              </a:ext>
+            </a:extLst>
+          </p:cNvPr>
+          <p:cNvSpPr>
+            <a:spLocks noGrp="1"/>
+          </p:cNvSpPr>
+          <p:nvPr>
+            <p:ph type="ctrTitle"/>
+          </p:nvPr>
+        </p:nvSpPr>
+        <p:spPr>
+          <a:xfrm>
+            <a:off x="560192" y="186786"/>
+            <a:ext cx="10706099" cy="895650"/>
+          </a:xfrm>
+        </p:spPr>
+        <p:txBody>
+          <a:bodyPr/>
+          <a:lstStyle/>
+          <a:p>
+            <a:pPr algn="l"/>
+            <a:r>
+              <a:rPr lang="fr-FR" dirty="0">
+                <a:solidFill>
+                  <a:srgbClr val="C00000"/>
+                </a:solidFill>
+              </a:rPr>
+              <a:t>Présentation du projet</a:t>
+            </a:r>
+          </a:p>
+        </p:txBody>
+      </p:sp>
+      <p:pic>
+        <p:nvPicPr>
+          <p:cNvPr id="1026" name="Picture 2" descr="Topologie et applications de service cloud">
+            <a:extLst>
+              <a:ext uri="{FF2B5EF4-FFF2-40B4-BE49-F238E27FC236}">
+                <a16:creationId xmlns:a16="http://schemas.microsoft.com/office/drawing/2014/main" id="{08B9E565-2DD3-44B1-A4CF-8C726EB8EF5E}"/>
+              </a:ext>
+            </a:extLst>
+          </p:cNvPr>
+          <p:cNvPicPr>
+            <a:picLocks noChangeAspect="1" noChangeArrowheads="1"/>
+          </p:cNvPicPr>
+          <p:nvPr/>
+        </p:nvPicPr>
+        <p:blipFill>
+          <a:blip r:embed="rId3">
+            <a:extLst>
+              <a:ext uri="{28A0092B-C50C-407E-A947-70E740481C1C}">
+                <a14:useLocalDpi xmlns:a14="http://schemas.microsoft.com/office/drawing/2010/main" val="0"/>
+              </a:ext>
+            </a:extLst>
+          </a:blip>
+          <a:srcRect/>
+          <a:stretch>
+            <a:fillRect/>
+          </a:stretch>
+        </p:blipFill>
+        <p:spPr bwMode="auto">
+          <a:xfrm>
+            <a:off x="1033921" y="2384854"/>
+            <a:ext cx="9939136" cy="3501833"/>
+          </a:xfrm>
+          <a:prstGeom prst="rect">
+            <a:avLst/>
+          </a:prstGeom>
+          <a:noFill/>
+          <a:extLst>
+            <a:ext uri="{909E8E84-426E-40DD-AFC4-6F175D3DCCD1}">
+              <a14:hiddenFill xmlns:a14="http://schemas.microsoft.com/office/drawing/2010/main">
+                <a:solidFill>
+                  <a:srgbClr val="FFFFFF"/>
+                </a:solidFill>
+              </a14:hiddenFill>
+            </a:ext>
+          </a:extLst>
+        </p:spPr>
+      </p:pic>
+      <p:cxnSp>
+        <p:nvCxnSpPr>
+          <p:cNvPr id="5" name="Straight Connector 4">
+            <a:extLst>
+              <a:ext uri="{FF2B5EF4-FFF2-40B4-BE49-F238E27FC236}">
+                <a16:creationId xmlns:a16="http://schemas.microsoft.com/office/drawing/2014/main" id="{3CFA83FD-8B90-438A-8E4D-7278D795208C}"/>
+              </a:ext>
+            </a:extLst>
+          </p:cNvPr>
+          <p:cNvCxnSpPr>
+            <a:cxnSpLocks/>
+          </p:cNvCxnSpPr>
+          <p:nvPr/>
+        </p:nvCxnSpPr>
+        <p:spPr>
+          <a:xfrm>
+            <a:off x="482703" y="1193371"/>
+            <a:ext cx="10706098" cy="0"/>
+          </a:xfrm>
+          <a:prstGeom prst="line">
+            <a:avLst/>
+          </a:prstGeom>
+          <a:ln w="44450">
+            <a:solidFill>
+              <a:srgbClr val="C00000"/>
+            </a:solidFill>
+          </a:ln>
+        </p:spPr>
+        <p:style>
+          <a:lnRef idx="1">
+            <a:schemeClr val="accent1"/>
+          </a:lnRef>
+          <a:fillRef idx="0">
+            <a:schemeClr val="accent1"/>
+          </a:fillRef>
+          <a:effectRef idx="0">
+            <a:schemeClr val="accent1"/>
+          </a:effectRef>
+          <a:fontRef idx="minor">
+            <a:schemeClr val="tx1"/>
+          </a:fontRef>
+        </p:style>
+      </p:cxnSp>
+      <p:sp>
+        <p:nvSpPr>
+          <p:cNvPr id="7" name="TextBox 6">
+            <a:extLst>
+              <a:ext uri="{FF2B5EF4-FFF2-40B4-BE49-F238E27FC236}">
+                <a16:creationId xmlns:a16="http://schemas.microsoft.com/office/drawing/2014/main" id="{4DE47B88-F15D-4FF6-8B6A-7B3692420AC6}"/>
+              </a:ext>
+            </a:extLst>
+          </p:cNvPr>
+          <p:cNvSpPr txBox="1"/>
+          <p:nvPr/>
+        </p:nvSpPr>
+        <p:spPr>
+          <a:xfrm>
+            <a:off x="739050" y="1700480"/>
+            <a:ext cx="3746453" cy="573438"/>
+          </a:xfrm>
+          <a:prstGeom prst="rect">
+            <a:avLst/>
+          </a:prstGeom>
+          <a:noFill/>
+        </p:spPr>
+        <p:txBody>
+          <a:bodyPr wrap="square" lIns="36000" tIns="36000" rIns="36000" bIns="36000" rtlCol="0">
+            <a:noAutofit/>
+          </a:bodyPr>
+          <a:lstStyle/>
+          <a:p>
+            <a:pPr lvl="1"/>
+            <a:r>
+              <a:rPr lang="fr-FR" b="1" dirty="0"/>
+              <a:t>Contexte de projet</a:t>
+            </a:r>
+            <a:endParaRPr lang="fr-FR" sz="1100" dirty="0"/>
+          </a:p>
+        </p:txBody>
+      </p:sp>
+    </p:spTree>
+    <p:extLst>
+      <p:ext uri="{BB962C8B-B14F-4D97-AF65-F5344CB8AC3E}">
+        <p14:creationId xmlns:p14="http://schemas.microsoft.com/office/powerpoint/2010/main" val="1371764900"/>
       </p:ext>
     </p:extLst>
   </p:cSld>
@@ -8514,6 +13236,45 @@
           <a:chExt cx="0" cy="0"/>
         </a:xfrm>
       </p:grpSpPr>
+      <p:pic>
+        <p:nvPicPr>
+          <p:cNvPr id="6" name="Picture 5">
+            <a:extLst>
+              <a:ext uri="{FF2B5EF4-FFF2-40B4-BE49-F238E27FC236}">
+                <a16:creationId xmlns:a16="http://schemas.microsoft.com/office/drawing/2014/main" id="{BFE45D61-8373-47F5-B95A-BD7E11F4BEE5}"/>
+              </a:ext>
+            </a:extLst>
+          </p:cNvPr>
+          <p:cNvPicPr/>
+          <p:nvPr/>
+        </p:nvPicPr>
+        <p:blipFill>
+          <a:blip r:embed="rId3">
+            <a:extLst>
+              <a:ext uri="{28A0092B-C50C-407E-A947-70E740481C1C}">
+                <a14:useLocalDpi xmlns:a14="http://schemas.microsoft.com/office/drawing/2010/main" val="0"/>
+              </a:ext>
+            </a:extLst>
+          </a:blip>
+          <a:srcRect/>
+          <a:stretch>
+            <a:fillRect/>
+          </a:stretch>
+        </p:blipFill>
+        <p:spPr bwMode="auto">
+          <a:xfrm>
+            <a:off x="788477" y="778477"/>
+            <a:ext cx="10826875" cy="5399900"/>
+          </a:xfrm>
+          <a:prstGeom prst="rect">
+            <a:avLst/>
+          </a:prstGeom>
+          <a:noFill/>
+          <a:ln>
+            <a:noFill/>
+          </a:ln>
+        </p:spPr>
+      </p:pic>
       <p:sp>
         <p:nvSpPr>
           <p:cNvPr id="2" name="Title 1">
@@ -8532,7 +13293,7 @@
         </p:nvSpPr>
         <p:spPr>
           <a:xfrm>
-            <a:off x="529196" y="403762"/>
+            <a:off x="560192" y="186786"/>
             <a:ext cx="10706099" cy="895650"/>
           </a:xfrm>
         </p:spPr>
@@ -8552,126 +13313,12 @@
           </a:p>
         </p:txBody>
       </p:sp>
-      <p:sp>
-        <p:nvSpPr>
-          <p:cNvPr id="6" name="TextBox 5">
+      <p:cxnSp>
+        <p:nvCxnSpPr>
+          <p:cNvPr id="5" name="Straight Connector 4">
             <a:extLst>
               <a:ext uri="{FF2B5EF4-FFF2-40B4-BE49-F238E27FC236}">
-                <a16:creationId xmlns:a16="http://schemas.microsoft.com/office/drawing/2014/main" id="{F8CD28FE-7A78-405B-89A4-3C18B62BC5B2}"/>
-              </a:ext>
-            </a:extLst>
-          </p:cNvPr>
-          <p:cNvSpPr txBox="1"/>
-          <p:nvPr/>
-        </p:nvSpPr>
-        <p:spPr>
-          <a:xfrm>
-            <a:off x="1068780" y="2165038"/>
-            <a:ext cx="10864140" cy="3146609"/>
-          </a:xfrm>
-          <a:prstGeom prst="rect">
-            <a:avLst/>
-          </a:prstGeom>
-          <a:noFill/>
-        </p:spPr>
-        <p:txBody>
-          <a:bodyPr wrap="square" lIns="36000" tIns="36000" rIns="36000" bIns="36000" rtlCol="0">
-            <a:noAutofit/>
-          </a:bodyPr>
-          <a:lstStyle/>
-          <a:p>
-            <a:pPr lvl="1"/>
-            <a:r>
-              <a:rPr lang="fr-FR" b="1" dirty="0"/>
-              <a:t>3. Problématique :</a:t>
-            </a:r>
-          </a:p>
-          <a:p>
-            <a:pPr lvl="1"/>
-            <a:endParaRPr lang="fr-FR" sz="1100" b="1" dirty="0"/>
-          </a:p>
-          <a:p>
-            <a:r>
-              <a:rPr lang="fr-FR" dirty="0"/>
-              <a:t>La problématique de service de </a:t>
-            </a:r>
-            <a:r>
-              <a:rPr lang="fr-FR" dirty="0" err="1"/>
-              <a:t>scaling</a:t>
-            </a:r>
-            <a:r>
-              <a:rPr lang="fr-FR" dirty="0"/>
-              <a:t> existant réside dans le choix manuel des Configuration, fait par l’équipe </a:t>
-            </a:r>
-            <a:r>
-              <a:rPr lang="fr-FR" dirty="0" err="1"/>
-              <a:t>CloudOps</a:t>
-            </a:r>
-            <a:r>
-              <a:rPr lang="fr-FR" dirty="0"/>
-              <a:t>. Ce choix manuel cause les problèmes suivants :</a:t>
-            </a:r>
-          </a:p>
-          <a:p>
-            <a:endParaRPr lang="fr-FR" dirty="0"/>
-          </a:p>
-          <a:p>
-            <a:pPr marL="742950" lvl="1" indent="-285750">
-              <a:buFont typeface="Wingdings" panose="05000000000000000000" pitchFamily="2" charset="2"/>
-              <a:buChar char="ü"/>
-            </a:pPr>
-            <a:r>
-              <a:rPr lang="fr-FR" dirty="0"/>
-              <a:t>Des surcharges non supportées par les services au cas d’une configuration minimale, et par conséquence un temps de réponse non satisfaisant pour le client.</a:t>
-            </a:r>
-          </a:p>
-          <a:p>
-            <a:pPr marL="742950" lvl="1" indent="-285750">
-              <a:buFont typeface="Wingdings" panose="05000000000000000000" pitchFamily="2" charset="2"/>
-              <a:buChar char="ü"/>
-            </a:pPr>
-            <a:endParaRPr lang="fr-FR" dirty="0"/>
-          </a:p>
-          <a:p>
-            <a:pPr marL="742950" lvl="1" indent="-285750">
-              <a:buFont typeface="Wingdings" panose="05000000000000000000" pitchFamily="2" charset="2"/>
-              <a:buChar char="ü"/>
-            </a:pPr>
-            <a:r>
-              <a:rPr lang="fr-FR" dirty="0"/>
-              <a:t>Un coût de déploiement sur le cloud très élevé, au cas d’une configuration gourmande en terme de </a:t>
-            </a:r>
-            <a:r>
-              <a:rPr lang="fr-FR" dirty="0" err="1"/>
-              <a:t>workers</a:t>
-            </a:r>
-            <a:r>
-              <a:rPr lang="fr-FR" dirty="0"/>
-              <a:t>.</a:t>
-            </a:r>
-          </a:p>
-          <a:p>
-            <a:pPr marL="285750" indent="-285750">
-              <a:buFont typeface="Wingdings" panose="05000000000000000000" pitchFamily="2" charset="2"/>
-              <a:buChar char="ü"/>
-            </a:pPr>
-            <a:endParaRPr lang="fr-FR" sz="1600" dirty="0"/>
-          </a:p>
-          <a:p>
-            <a:r>
-              <a:rPr lang="fr-FR" sz="1600" dirty="0"/>
-              <a:t> </a:t>
-            </a:r>
-            <a:endParaRPr lang="fr-FR" dirty="0"/>
-          </a:p>
-        </p:txBody>
-      </p:sp>
-      <p:cxnSp>
-        <p:nvCxnSpPr>
-          <p:cNvPr id="4" name="Straight Connector 3">
-            <a:extLst>
-              <a:ext uri="{FF2B5EF4-FFF2-40B4-BE49-F238E27FC236}">
-                <a16:creationId xmlns:a16="http://schemas.microsoft.com/office/drawing/2014/main" id="{EC5A910E-A625-4F69-AA1C-8A2A0F1D64FC}"/>
+                <a16:creationId xmlns:a16="http://schemas.microsoft.com/office/drawing/2014/main" id="{3CFA83FD-8B90-438A-8E4D-7278D795208C}"/>
               </a:ext>
             </a:extLst>
           </p:cNvPr>
@@ -8682,7 +13329,7 @@
         </p:nvCxnSpPr>
         <p:spPr>
           <a:xfrm>
-            <a:off x="467205" y="1394845"/>
+            <a:off x="482703" y="1193371"/>
             <a:ext cx="10706098" cy="0"/>
           </a:xfrm>
           <a:prstGeom prst="line">
@@ -8709,10 +13356,47 @@
           </a:fontRef>
         </p:style>
       </p:cxnSp>
+      <p:sp>
+        <p:nvSpPr>
+          <p:cNvPr id="7" name="TextBox 6">
+            <a:extLst>
+              <a:ext uri="{FF2B5EF4-FFF2-40B4-BE49-F238E27FC236}">
+                <a16:creationId xmlns:a16="http://schemas.microsoft.com/office/drawing/2014/main" id="{4DE47B88-F15D-4FF6-8B6A-7B3692420AC6}"/>
+              </a:ext>
+            </a:extLst>
+          </p:cNvPr>
+          <p:cNvSpPr txBox="1"/>
+          <p:nvPr/>
+        </p:nvSpPr>
+        <p:spPr>
+          <a:xfrm>
+            <a:off x="269493" y="1498344"/>
+            <a:ext cx="6662647" cy="573438"/>
+          </a:xfrm>
+          <a:prstGeom prst="rect">
+            <a:avLst/>
+          </a:prstGeom>
+          <a:noFill/>
+        </p:spPr>
+        <p:txBody>
+          <a:bodyPr wrap="square" lIns="36000" tIns="36000" rIns="36000" bIns="36000" rtlCol="0">
+            <a:noAutofit/>
+          </a:bodyPr>
+          <a:lstStyle/>
+          <a:p>
+            <a:pPr lvl="1"/>
+            <a:r>
+              <a:rPr lang="fr-FR" b="1" dirty="0"/>
+              <a:t>Contexte projet : architecture d’hébergement</a:t>
+            </a:r>
+            <a:endParaRPr lang="fr-FR" sz="1100" dirty="0"/>
+          </a:p>
+        </p:txBody>
+      </p:sp>
     </p:spTree>
     <p:extLst>
       <p:ext uri="{BB962C8B-B14F-4D97-AF65-F5344CB8AC3E}">
-        <p14:creationId xmlns:p14="http://schemas.microsoft.com/office/powerpoint/2010/main" val="904670130"/>
+        <p14:creationId xmlns:p14="http://schemas.microsoft.com/office/powerpoint/2010/main" val="3476858494"/>
       </p:ext>
     </p:extLst>
   </p:cSld>
@@ -8741,48 +13425,10 @@
       </p:grpSpPr>
       <p:sp>
         <p:nvSpPr>
-          <p:cNvPr id="2" name="Title 1">
+          <p:cNvPr id="7" name="TextBox 6">
             <a:extLst>
               <a:ext uri="{FF2B5EF4-FFF2-40B4-BE49-F238E27FC236}">
-                <a16:creationId xmlns:a16="http://schemas.microsoft.com/office/drawing/2014/main" id="{87D88D25-FCA8-40C3-89E9-976E28DCB7E4}"/>
-              </a:ext>
-            </a:extLst>
-          </p:cNvPr>
-          <p:cNvSpPr>
-            <a:spLocks noGrp="1"/>
-          </p:cNvSpPr>
-          <p:nvPr>
-            <p:ph type="ctrTitle"/>
-          </p:nvPr>
-        </p:nvSpPr>
-        <p:spPr>
-          <a:xfrm>
-            <a:off x="529196" y="403762"/>
-            <a:ext cx="10706099" cy="895650"/>
-          </a:xfrm>
-        </p:spPr>
-        <p:txBody>
-          <a:bodyPr/>
-          <a:lstStyle/>
-          <a:p>
-            <a:pPr algn="l"/>
-            <a:r>
-              <a:rPr lang="fr-FR" dirty="0">
-                <a:solidFill>
-                  <a:srgbClr val="C00000"/>
-                </a:solidFill>
-              </a:rPr>
-              <a:t>Présentation du projet</a:t>
-            </a:r>
-          </a:p>
-        </p:txBody>
-      </p:sp>
-      <p:sp>
-        <p:nvSpPr>
-          <p:cNvPr id="6" name="TextBox 5">
-            <a:extLst>
-              <a:ext uri="{FF2B5EF4-FFF2-40B4-BE49-F238E27FC236}">
-                <a16:creationId xmlns:a16="http://schemas.microsoft.com/office/drawing/2014/main" id="{F8CD28FE-7A78-405B-89A4-3C18B62BC5B2}"/>
+                <a16:creationId xmlns:a16="http://schemas.microsoft.com/office/drawing/2014/main" id="{4DE47B88-F15D-4FF6-8B6A-7B3692420AC6}"/>
               </a:ext>
             </a:extLst>
           </p:cNvPr>
@@ -8791,8 +13437,8 @@
         </p:nvSpPr>
         <p:spPr>
           <a:xfrm>
-            <a:off x="802106" y="1843845"/>
-            <a:ext cx="10972774" cy="3952521"/>
+            <a:off x="590769" y="1099763"/>
+            <a:ext cx="5698820" cy="573438"/>
           </a:xfrm>
           <a:prstGeom prst="rect">
             <a:avLst/>
@@ -8808,160 +13454,59 @@
             <a:pPr lvl="1"/>
             <a:r>
               <a:rPr lang="fr-FR" b="1" dirty="0"/>
-              <a:t>4. Objectif du projet :</a:t>
-            </a:r>
-          </a:p>
-          <a:p>
-            <a:pPr lvl="1"/>
-            <a:endParaRPr lang="fr-FR" sz="1100" b="1" dirty="0"/>
-          </a:p>
-          <a:p>
-            <a:pPr marL="285750" indent="-285750">
-              <a:buFont typeface="Wingdings" panose="05000000000000000000" pitchFamily="2" charset="2"/>
-              <a:buChar char="§"/>
-            </a:pPr>
-            <a:r>
-              <a:rPr lang="fr-FR" dirty="0"/>
-              <a:t>Le but du stage est la création d’un outil de simulation de charge, qui peut simuler le fonctionnement du service de </a:t>
-            </a:r>
-            <a:r>
-              <a:rPr lang="fr-FR" dirty="0" err="1"/>
-              <a:t>Scaling</a:t>
-            </a:r>
-            <a:r>
-              <a:rPr lang="fr-FR" dirty="0"/>
-              <a:t>, cet outil va pouvoir ressortir à partir d’une configuration donnée et une charge précise, un document qui contient les différentes facteurs de qualités(cloud </a:t>
-            </a:r>
-            <a:r>
-              <a:rPr lang="fr-FR" dirty="0" err="1"/>
-              <a:t>metrics</a:t>
-            </a:r>
-            <a:r>
-              <a:rPr lang="fr-FR" u="sng" dirty="0"/>
-              <a:t>)</a:t>
-            </a:r>
-            <a:r>
-              <a:rPr lang="fr-FR" dirty="0"/>
-              <a:t>. Et au fur et à mesure de l’avancement on peut envisager des fonctionnalités plus avancées, comme la comparaison de deux configurations, jusqu’a la génération des configuration optimales par le simulator.</a:t>
-            </a:r>
-          </a:p>
-          <a:p>
-            <a:pPr marL="285750" indent="-285750">
-              <a:buFont typeface="Wingdings" panose="05000000000000000000" pitchFamily="2" charset="2"/>
-              <a:buChar char="§"/>
-            </a:pPr>
-            <a:endParaRPr lang="fr-FR" dirty="0"/>
-          </a:p>
-          <a:p>
-            <a:pPr marL="285750" indent="-285750">
-              <a:buFont typeface="Wingdings" panose="05000000000000000000" pitchFamily="2" charset="2"/>
-              <a:buChar char="§"/>
-            </a:pPr>
-            <a:r>
-              <a:rPr lang="fr-FR" dirty="0"/>
-              <a:t>A ce titre les éléments suivants doivent être assurés :</a:t>
-            </a:r>
-          </a:p>
-          <a:p>
-            <a:pPr marL="1200150" lvl="2" indent="-285750">
-              <a:buFont typeface="Wingdings" panose="05000000000000000000" pitchFamily="2" charset="2"/>
-              <a:buChar char="ü"/>
-            </a:pPr>
-            <a:r>
-              <a:rPr lang="fr-FR" dirty="0"/>
-              <a:t>Comprendre la problématique et élaborer le besoin.</a:t>
-            </a:r>
-          </a:p>
-          <a:p>
-            <a:pPr marL="1200150" lvl="2" indent="-285750">
-              <a:buFont typeface="Wingdings" panose="05000000000000000000" pitchFamily="2" charset="2"/>
-              <a:buChar char="ü"/>
-            </a:pPr>
-            <a:r>
-              <a:rPr lang="fr-FR" dirty="0"/>
-              <a:t>Analyser de l’existant.</a:t>
-            </a:r>
-          </a:p>
-          <a:p>
-            <a:pPr marL="1200150" lvl="2" indent="-285750">
-              <a:buFont typeface="Wingdings" panose="05000000000000000000" pitchFamily="2" charset="2"/>
-              <a:buChar char="ü"/>
-            </a:pPr>
-            <a:r>
-              <a:rPr lang="fr-FR" dirty="0"/>
-              <a:t>Proposer, concevoir et développer de façon agile.</a:t>
-            </a:r>
-          </a:p>
-          <a:p>
-            <a:pPr marL="1200150" lvl="2" indent="-285750">
-              <a:buFont typeface="Wingdings" panose="05000000000000000000" pitchFamily="2" charset="2"/>
-              <a:buChar char="ü"/>
-            </a:pPr>
-            <a:r>
-              <a:rPr lang="fr-FR" dirty="0"/>
-              <a:t>Agir avec rigueur et ambition afin de fournir un outil de qualité.</a:t>
-            </a:r>
-          </a:p>
-          <a:p>
-            <a:pPr marL="1200150" lvl="2" indent="-285750">
-              <a:buFont typeface="Wingdings" panose="05000000000000000000" pitchFamily="2" charset="2"/>
-              <a:buChar char="ü"/>
-            </a:pPr>
-            <a:r>
-              <a:rPr lang="fr-FR" dirty="0"/>
-              <a:t>Mettre en production la solution, et mesurer sa performance.</a:t>
-            </a:r>
-            <a:endParaRPr lang="fr-FR" sz="1600" dirty="0"/>
-          </a:p>
-        </p:txBody>
-      </p:sp>
-      <p:cxnSp>
-        <p:nvCxnSpPr>
-          <p:cNvPr id="4" name="Straight Connector 3">
+              <a:t>Contexte de projet : Concept d’auto </a:t>
+            </a:r>
+            <a:r>
+              <a:rPr lang="fr-FR" b="1" dirty="0" err="1"/>
+              <a:t>scaling</a:t>
+            </a:r>
+            <a:endParaRPr lang="fr-FR" sz="1100" dirty="0"/>
+          </a:p>
+        </p:txBody>
+      </p:sp>
+      <p:pic>
+        <p:nvPicPr>
+          <p:cNvPr id="8" name="Picture 7">
             <a:extLst>
               <a:ext uri="{FF2B5EF4-FFF2-40B4-BE49-F238E27FC236}">
-                <a16:creationId xmlns:a16="http://schemas.microsoft.com/office/drawing/2014/main" id="{4BEE3AD8-77AD-4E9E-98BD-4C9F0390C259}"/>
+                <a16:creationId xmlns:a16="http://schemas.microsoft.com/office/drawing/2014/main" id="{E310DBE2-A584-4323-AB2B-136B5941F490}"/>
               </a:ext>
             </a:extLst>
           </p:cNvPr>
-          <p:cNvCxnSpPr>
-            <a:cxnSpLocks/>
-          </p:cNvCxnSpPr>
+          <p:cNvPicPr/>
           <p:nvPr/>
-        </p:nvCxnSpPr>
-        <p:spPr>
+        </p:nvPicPr>
+        <p:blipFill>
+          <a:blip r:embed="rId3">
+            <a:extLst>
+              <a:ext uri="{28A0092B-C50C-407E-A947-70E740481C1C}">
+                <a14:useLocalDpi xmlns:a14="http://schemas.microsoft.com/office/drawing/2010/main" val="0"/>
+              </a:ext>
+            </a:extLst>
+          </a:blip>
+          <a:srcRect/>
+          <a:stretch>
+            <a:fillRect/>
+          </a:stretch>
+        </p:blipFill>
+        <p:spPr bwMode="auto">
           <a:xfrm>
-            <a:off x="467205" y="1379347"/>
-            <a:ext cx="10706098" cy="0"/>
-          </a:xfrm>
-          <a:prstGeom prst="line">
+            <a:off x="1902941" y="2100649"/>
+            <a:ext cx="8464378" cy="3657588"/>
+          </a:xfrm>
+          <a:prstGeom prst="rect">
             <a:avLst/>
           </a:prstGeom>
-          <a:ln w="44450">
-            <a:solidFill>
-              <a:srgbClr val="C00000"/>
-            </a:solidFill>
+          <a:noFill/>
+          <a:ln>
+            <a:noFill/>
           </a:ln>
         </p:spPr>
-        <p:style>
-          <a:lnRef idx="1">
-            <a:schemeClr val="accent1"/>
-          </a:lnRef>
-          <a:fillRef idx="0">
-            <a:schemeClr val="accent1"/>
-          </a:fillRef>
-          <a:effectRef idx="0">
-            <a:schemeClr val="accent1"/>
-          </a:effectRef>
-          <a:fontRef idx="minor">
-            <a:schemeClr val="tx1"/>
-          </a:fontRef>
-        </p:style>
-      </p:cxnSp>
+      </p:pic>
     </p:spTree>
     <p:extLst>
       <p:ext uri="{BB962C8B-B14F-4D97-AF65-F5344CB8AC3E}">
-        <p14:creationId xmlns:p14="http://schemas.microsoft.com/office/powerpoint/2010/main" val="498341708"/>
+        <p14:creationId xmlns:p14="http://schemas.microsoft.com/office/powerpoint/2010/main" val="1932144161"/>
       </p:ext>
     </p:extLst>
   </p:cSld>
@@ -9318,4 +13863,299 @@
   </a:objectDefaults>
   <a:extraClrSchemeLst/>
 </a:theme>
+</file>
+
+<file path=ppt/theme/theme2.xml><?xml version="1.0" encoding="utf-8"?>
+<a:theme xmlns:a="http://schemas.openxmlformats.org/drawingml/2006/main" name="Office Theme">
+  <a:themeElements>
+    <a:clrScheme name="Office">
+      <a:dk1>
+        <a:sysClr val="windowText" lastClr="000000"/>
+      </a:dk1>
+      <a:lt1>
+        <a:sysClr val="window" lastClr="FFFFFF"/>
+      </a:lt1>
+      <a:dk2>
+        <a:srgbClr val="44546A"/>
+      </a:dk2>
+      <a:lt2>
+        <a:srgbClr val="E7E6E6"/>
+      </a:lt2>
+      <a:accent1>
+        <a:srgbClr val="4472C4"/>
+      </a:accent1>
+      <a:accent2>
+        <a:srgbClr val="ED7D31"/>
+      </a:accent2>
+      <a:accent3>
+        <a:srgbClr val="A5A5A5"/>
+      </a:accent3>
+      <a:accent4>
+        <a:srgbClr val="FFC000"/>
+      </a:accent4>
+      <a:accent5>
+        <a:srgbClr val="5B9BD5"/>
+      </a:accent5>
+      <a:accent6>
+        <a:srgbClr val="70AD47"/>
+      </a:accent6>
+      <a:hlink>
+        <a:srgbClr val="0563C1"/>
+      </a:hlink>
+      <a:folHlink>
+        <a:srgbClr val="954F72"/>
+      </a:folHlink>
+    </a:clrScheme>
+    <a:fontScheme name="Office">
+      <a:majorFont>
+        <a:latin typeface="Calibri Light" panose="020F0302020204030204"/>
+        <a:ea typeface=""/>
+        <a:cs typeface=""/>
+        <a:font script="Jpan" typeface="游ゴシック Light"/>
+        <a:font script="Hang" typeface="맑은 고딕"/>
+        <a:font script="Hans" typeface="等线 Light"/>
+        <a:font script="Hant" typeface="新細明體"/>
+        <a:font script="Arab" typeface="Times New Roman"/>
+        <a:font script="Hebr" typeface="Times New Roman"/>
+        <a:font script="Thai" typeface="Angsana New"/>
+        <a:font script="Ethi" typeface="Nyala"/>
+        <a:font script="Beng" typeface="Vrinda"/>
+        <a:font script="Gujr" typeface="Shruti"/>
+        <a:font script="Khmr" typeface="MoolBoran"/>
+        <a:font script="Knda" typeface="Tunga"/>
+        <a:font script="Guru" typeface="Raavi"/>
+        <a:font script="Cans" typeface="Euphemia"/>
+        <a:font script="Cher" typeface="Plantagenet Cherokee"/>
+        <a:font script="Yiii" typeface="Microsoft Yi Baiti"/>
+        <a:font script="Tibt" typeface="Microsoft Himalaya"/>
+        <a:font script="Thaa" typeface="MV Boli"/>
+        <a:font script="Deva" typeface="Mangal"/>
+        <a:font script="Telu" typeface="Gautami"/>
+        <a:font script="Taml" typeface="Latha"/>
+        <a:font script="Syrc" typeface="Estrangelo Edessa"/>
+        <a:font script="Orya" typeface="Kalinga"/>
+        <a:font script="Mlym" typeface="Kartika"/>
+        <a:font script="Laoo" typeface="DokChampa"/>
+        <a:font script="Sinh" typeface="Iskoola Pota"/>
+        <a:font script="Mong" typeface="Mongolian Baiti"/>
+        <a:font script="Viet" typeface="Times New Roman"/>
+        <a:font script="Uigh" typeface="Microsoft Uighur"/>
+        <a:font script="Geor" typeface="Sylfaen"/>
+        <a:font script="Armn" typeface="Arial"/>
+        <a:font script="Bugi" typeface="Leelawadee UI"/>
+        <a:font script="Bopo" typeface="Microsoft JhengHei"/>
+        <a:font script="Java" typeface="Javanese Text"/>
+        <a:font script="Lisu" typeface="Segoe UI"/>
+        <a:font script="Mymr" typeface="Myanmar Text"/>
+        <a:font script="Nkoo" typeface="Ebrima"/>
+        <a:font script="Olck" typeface="Nirmala UI"/>
+        <a:font script="Osma" typeface="Ebrima"/>
+        <a:font script="Phag" typeface="Phagspa"/>
+        <a:font script="Syrn" typeface="Estrangelo Edessa"/>
+        <a:font script="Syrj" typeface="Estrangelo Edessa"/>
+        <a:font script="Syre" typeface="Estrangelo Edessa"/>
+        <a:font script="Sora" typeface="Nirmala UI"/>
+        <a:font script="Tale" typeface="Microsoft Tai Le"/>
+        <a:font script="Talu" typeface="Microsoft New Tai Lue"/>
+        <a:font script="Tfng" typeface="Ebrima"/>
+      </a:majorFont>
+      <a:minorFont>
+        <a:latin typeface="Calibri" panose="020F0502020204030204"/>
+        <a:ea typeface=""/>
+        <a:cs typeface=""/>
+        <a:font script="Jpan" typeface="游ゴシック"/>
+        <a:font script="Hang" typeface="맑은 고딕"/>
+        <a:font script="Hans" typeface="等线"/>
+        <a:font script="Hant" typeface="新細明體"/>
+        <a:font script="Arab" typeface="Arial"/>
+        <a:font script="Hebr" typeface="Arial"/>
+        <a:font script="Thai" typeface="Cordia New"/>
+        <a:font script="Ethi" typeface="Nyala"/>
+        <a:font script="Beng" typeface="Vrinda"/>
+        <a:font script="Gujr" typeface="Shruti"/>
+        <a:font script="Khmr" typeface="DaunPenh"/>
+        <a:font script="Knda" typeface="Tunga"/>
+        <a:font script="Guru" typeface="Raavi"/>
+        <a:font script="Cans" typeface="Euphemia"/>
+        <a:font script="Cher" typeface="Plantagenet Cherokee"/>
+        <a:font script="Yiii" typeface="Microsoft Yi Baiti"/>
+        <a:font script="Tibt" typeface="Microsoft Himalaya"/>
+        <a:font script="Thaa" typeface="MV Boli"/>
+        <a:font script="Deva" typeface="Mangal"/>
+        <a:font script="Telu" typeface="Gautami"/>
+        <a:font script="Taml" typeface="Latha"/>
+        <a:font script="Syrc" typeface="Estrangelo Edessa"/>
+        <a:font script="Orya" typeface="Kalinga"/>
+        <a:font script="Mlym" typeface="Kartika"/>
+        <a:font script="Laoo" typeface="DokChampa"/>
+        <a:font script="Sinh" typeface="Iskoola Pota"/>
+        <a:font script="Mong" typeface="Mongolian Baiti"/>
+        <a:font script="Viet" typeface="Arial"/>
+        <a:font script="Uigh" typeface="Microsoft Uighur"/>
+        <a:font script="Geor" typeface="Sylfaen"/>
+        <a:font script="Armn" typeface="Arial"/>
+        <a:font script="Bugi" typeface="Leelawadee UI"/>
+        <a:font script="Bopo" typeface="Microsoft JhengHei"/>
+        <a:font script="Java" typeface="Javanese Text"/>
+        <a:font script="Lisu" typeface="Segoe UI"/>
+        <a:font script="Mymr" typeface="Myanmar Text"/>
+        <a:font script="Nkoo" typeface="Ebrima"/>
+        <a:font script="Olck" typeface="Nirmala UI"/>
+        <a:font script="Osma" typeface="Ebrima"/>
+        <a:font script="Phag" typeface="Phagspa"/>
+        <a:font script="Syrn" typeface="Estrangelo Edessa"/>
+        <a:font script="Syrj" typeface="Estrangelo Edessa"/>
+        <a:font script="Syre" typeface="Estrangelo Edessa"/>
+        <a:font script="Sora" typeface="Nirmala UI"/>
+        <a:font script="Tale" typeface="Microsoft Tai Le"/>
+        <a:font script="Talu" typeface="Microsoft New Tai Lue"/>
+        <a:font script="Tfng" typeface="Ebrima"/>
+      </a:minorFont>
+    </a:fontScheme>
+    <a:fmtScheme name="Office">
+      <a:fillStyleLst>
+        <a:solidFill>
+          <a:schemeClr val="phClr"/>
+        </a:solidFill>
+        <a:gradFill rotWithShape="1">
+          <a:gsLst>
+            <a:gs pos="0">
+              <a:schemeClr val="phClr">
+                <a:lumMod val="110000"/>
+                <a:satMod val="105000"/>
+                <a:tint val="67000"/>
+              </a:schemeClr>
+            </a:gs>
+            <a:gs pos="50000">
+              <a:schemeClr val="phClr">
+                <a:lumMod val="105000"/>
+                <a:satMod val="103000"/>
+                <a:tint val="73000"/>
+              </a:schemeClr>
+            </a:gs>
+            <a:gs pos="100000">
+              <a:schemeClr val="phClr">
+                <a:lumMod val="105000"/>
+                <a:satMod val="109000"/>
+                <a:tint val="81000"/>
+              </a:schemeClr>
+            </a:gs>
+          </a:gsLst>
+          <a:lin ang="5400000" scaled="0"/>
+        </a:gradFill>
+        <a:gradFill rotWithShape="1">
+          <a:gsLst>
+            <a:gs pos="0">
+              <a:schemeClr val="phClr">
+                <a:satMod val="103000"/>
+                <a:lumMod val="102000"/>
+                <a:tint val="94000"/>
+              </a:schemeClr>
+            </a:gs>
+            <a:gs pos="50000">
+              <a:schemeClr val="phClr">
+                <a:satMod val="110000"/>
+                <a:lumMod val="100000"/>
+                <a:shade val="100000"/>
+              </a:schemeClr>
+            </a:gs>
+            <a:gs pos="100000">
+              <a:schemeClr val="phClr">
+                <a:lumMod val="99000"/>
+                <a:satMod val="120000"/>
+                <a:shade val="78000"/>
+              </a:schemeClr>
+            </a:gs>
+          </a:gsLst>
+          <a:lin ang="5400000" scaled="0"/>
+        </a:gradFill>
+      </a:fillStyleLst>
+      <a:lnStyleLst>
+        <a:ln w="6350" cap="flat" cmpd="sng" algn="ctr">
+          <a:solidFill>
+            <a:schemeClr val="phClr"/>
+          </a:solidFill>
+          <a:prstDash val="solid"/>
+          <a:miter lim="800000"/>
+        </a:ln>
+        <a:ln w="12700" cap="flat" cmpd="sng" algn="ctr">
+          <a:solidFill>
+            <a:schemeClr val="phClr"/>
+          </a:solidFill>
+          <a:prstDash val="solid"/>
+          <a:miter lim="800000"/>
+        </a:ln>
+        <a:ln w="19050" cap="flat" cmpd="sng" algn="ctr">
+          <a:solidFill>
+            <a:schemeClr val="phClr"/>
+          </a:solidFill>
+          <a:prstDash val="solid"/>
+          <a:miter lim="800000"/>
+        </a:ln>
+      </a:lnStyleLst>
+      <a:effectStyleLst>
+        <a:effectStyle>
+          <a:effectLst/>
+        </a:effectStyle>
+        <a:effectStyle>
+          <a:effectLst/>
+        </a:effectStyle>
+        <a:effectStyle>
+          <a:effectLst>
+            <a:outerShdw blurRad="57150" dist="19050" dir="5400000" algn="ctr" rotWithShape="0">
+              <a:srgbClr val="000000">
+                <a:alpha val="63000"/>
+              </a:srgbClr>
+            </a:outerShdw>
+          </a:effectLst>
+        </a:effectStyle>
+      </a:effectStyleLst>
+      <a:bgFillStyleLst>
+        <a:solidFill>
+          <a:schemeClr val="phClr"/>
+        </a:solidFill>
+        <a:solidFill>
+          <a:schemeClr val="phClr">
+            <a:tint val="95000"/>
+            <a:satMod val="170000"/>
+          </a:schemeClr>
+        </a:solidFill>
+        <a:gradFill rotWithShape="1">
+          <a:gsLst>
+            <a:gs pos="0">
+              <a:schemeClr val="phClr">
+                <a:tint val="93000"/>
+                <a:satMod val="150000"/>
+                <a:shade val="98000"/>
+                <a:lumMod val="102000"/>
+              </a:schemeClr>
+            </a:gs>
+            <a:gs pos="50000">
+              <a:schemeClr val="phClr">
+                <a:tint val="98000"/>
+                <a:satMod val="130000"/>
+                <a:shade val="90000"/>
+                <a:lumMod val="103000"/>
+              </a:schemeClr>
+            </a:gs>
+            <a:gs pos="100000">
+              <a:schemeClr val="phClr">
+                <a:shade val="63000"/>
+                <a:satMod val="120000"/>
+              </a:schemeClr>
+            </a:gs>
+          </a:gsLst>
+          <a:lin ang="5400000" scaled="0"/>
+        </a:gradFill>
+      </a:bgFillStyleLst>
+    </a:fmtScheme>
+  </a:themeElements>
+  <a:objectDefaults/>
+  <a:extraClrSchemeLst/>
+  <a:extLst>
+    <a:ext uri="{05A4C25C-085E-4340-85A3-A5531E510DB2}">
+      <thm15:themeFamily xmlns:thm15="http://schemas.microsoft.com/office/thememl/2012/main" name="Office Theme" id="{62F939B6-93AF-4DB8-9C6B-D6C7DFDC589F}" vid="{4A3C46E8-61CC-4603-A589-7422A47A8E4A}"/>
+    </a:ext>
+  </a:extLst>
+</a:theme>
 </file>